--- a/2018/05/05_Strings_and_Regex.pptx
+++ b/2018/05/05_Strings_and_Regex.pptx
@@ -5,20 +5,33 @@
     <p:sldMasterId id="2147483684" r:id="rId1"/>
   </p:sldMasterIdLst>
   <p:notesMasterIdLst>
-    <p:notesMasterId r:id="rId13"/>
+    <p:notesMasterId r:id="rId26"/>
   </p:notesMasterIdLst>
   <p:sldIdLst>
     <p:sldId id="256" r:id="rId2"/>
     <p:sldId id="257" r:id="rId3"/>
     <p:sldId id="258" r:id="rId4"/>
     <p:sldId id="265" r:id="rId5"/>
-    <p:sldId id="259" r:id="rId6"/>
-    <p:sldId id="266" r:id="rId7"/>
-    <p:sldId id="260" r:id="rId8"/>
-    <p:sldId id="261" r:id="rId9"/>
-    <p:sldId id="262" r:id="rId10"/>
-    <p:sldId id="263" r:id="rId11"/>
-    <p:sldId id="264" r:id="rId12"/>
+    <p:sldId id="261" r:id="rId6"/>
+    <p:sldId id="267" r:id="rId7"/>
+    <p:sldId id="268" r:id="rId8"/>
+    <p:sldId id="270" r:id="rId9"/>
+    <p:sldId id="271" r:id="rId10"/>
+    <p:sldId id="278" r:id="rId11"/>
+    <p:sldId id="277" r:id="rId12"/>
+    <p:sldId id="259" r:id="rId13"/>
+    <p:sldId id="266" r:id="rId14"/>
+    <p:sldId id="260" r:id="rId15"/>
+    <p:sldId id="269" r:id="rId16"/>
+    <p:sldId id="279" r:id="rId17"/>
+    <p:sldId id="272" r:id="rId18"/>
+    <p:sldId id="274" r:id="rId19"/>
+    <p:sldId id="280" r:id="rId20"/>
+    <p:sldId id="273" r:id="rId21"/>
+    <p:sldId id="275" r:id="rId22"/>
+    <p:sldId id="262" r:id="rId23"/>
+    <p:sldId id="263" r:id="rId24"/>
+    <p:sldId id="264" r:id="rId25"/>
   </p:sldIdLst>
   <p:sldSz cx="12192000" cy="6858000"/>
   <p:notesSz cx="6858000" cy="9144000"/>
@@ -132,19 +145,79 @@
 <pc:chgInfo xmlns:a="http://schemas.openxmlformats.org/drawingml/2006/main" xmlns:r="http://schemas.openxmlformats.org/officeDocument/2006/relationships" xmlns:ac="http://schemas.microsoft.com/office/drawing/2013/main/command" xmlns:pc="http://schemas.microsoft.com/office/powerpoint/2013/main/command">
   <pc:docChgLst>
     <pc:chgData name="Moritz Nipshagen" userId="ee3b3bbc25b4cb6d" providerId="LiveId" clId="{29B6F001-BC08-4D55-86A9-52E38C0EB81C}"/>
-    <pc:docChg chg="undo custSel addSld modSld">
-      <pc:chgData name="Moritz Nipshagen" userId="ee3b3bbc25b4cb6d" providerId="LiveId" clId="{29B6F001-BC08-4D55-86A9-52E38C0EB81C}" dt="2018-04-22T10:57:32.123" v="437" actId="20577"/>
+    <pc:docChg chg="undo redo custSel addSld delSld modSld sldOrd">
+      <pc:chgData name="Moritz Nipshagen" userId="ee3b3bbc25b4cb6d" providerId="LiveId" clId="{29B6F001-BC08-4D55-86A9-52E38C0EB81C}" dt="2018-05-01T12:52:28.073" v="8033" actId="2696"/>
       <pc:docMkLst>
         <pc:docMk/>
       </pc:docMkLst>
+      <pc:sldChg chg="modSp">
+        <pc:chgData name="Moritz Nipshagen" userId="ee3b3bbc25b4cb6d" providerId="LiveId" clId="{29B6F001-BC08-4D55-86A9-52E38C0EB81C}" dt="2018-04-30T12:55:43.316" v="5228" actId="20577"/>
+        <pc:sldMkLst>
+          <pc:docMk/>
+          <pc:sldMk cId="1309100374" sldId="256"/>
+        </pc:sldMkLst>
+        <pc:spChg chg="mod">
+          <ac:chgData name="Moritz Nipshagen" userId="ee3b3bbc25b4cb6d" providerId="LiveId" clId="{29B6F001-BC08-4D55-86A9-52E38C0EB81C}" dt="2018-04-29T15:29:27.550" v="4747" actId="20577"/>
+          <ac:spMkLst>
+            <pc:docMk/>
+            <pc:sldMk cId="1309100374" sldId="256"/>
+            <ac:spMk id="2" creationId="{3CB5C473-D4E8-4488-9541-8AB9EE7E608C}"/>
+          </ac:spMkLst>
+        </pc:spChg>
+        <pc:spChg chg="mod">
+          <ac:chgData name="Moritz Nipshagen" userId="ee3b3bbc25b4cb6d" providerId="LiveId" clId="{29B6F001-BC08-4D55-86A9-52E38C0EB81C}" dt="2018-04-30T12:55:43.316" v="5228" actId="20577"/>
+          <ac:spMkLst>
+            <pc:docMk/>
+            <pc:sldMk cId="1309100374" sldId="256"/>
+            <ac:spMk id="3" creationId="{02A50E58-41B5-4018-866C-E481EE5B9806}"/>
+          </ac:spMkLst>
+        </pc:spChg>
+      </pc:sldChg>
+      <pc:sldChg chg="modSp">
+        <pc:chgData name="Moritz Nipshagen" userId="ee3b3bbc25b4cb6d" providerId="LiveId" clId="{29B6F001-BC08-4D55-86A9-52E38C0EB81C}" dt="2018-04-28T19:34:25.322" v="461" actId="20577"/>
+        <pc:sldMkLst>
+          <pc:docMk/>
+          <pc:sldMk cId="3090368631" sldId="259"/>
+        </pc:sldMkLst>
+        <pc:spChg chg="mod">
+          <ac:chgData name="Moritz Nipshagen" userId="ee3b3bbc25b4cb6d" providerId="LiveId" clId="{29B6F001-BC08-4D55-86A9-52E38C0EB81C}" dt="2018-04-28T19:34:25.322" v="461" actId="20577"/>
+          <ac:spMkLst>
+            <pc:docMk/>
+            <pc:sldMk cId="3090368631" sldId="259"/>
+            <ac:spMk id="2" creationId="{024F7CFC-85B1-417B-BF3F-56E6A85EE150}"/>
+          </ac:spMkLst>
+        </pc:spChg>
+      </pc:sldChg>
+      <pc:sldChg chg="modSp">
+        <pc:chgData name="Moritz Nipshagen" userId="ee3b3bbc25b4cb6d" providerId="LiveId" clId="{29B6F001-BC08-4D55-86A9-52E38C0EB81C}" dt="2018-04-30T12:57:14.740" v="5258" actId="20577"/>
+        <pc:sldMkLst>
+          <pc:docMk/>
+          <pc:sldMk cId="2830970237" sldId="260"/>
+        </pc:sldMkLst>
+        <pc:spChg chg="mod">
+          <ac:chgData name="Moritz Nipshagen" userId="ee3b3bbc25b4cb6d" providerId="LiveId" clId="{29B6F001-BC08-4D55-86A9-52E38C0EB81C}" dt="2018-04-30T12:57:14.740" v="5258" actId="20577"/>
+          <ac:spMkLst>
+            <pc:docMk/>
+            <pc:sldMk cId="2830970237" sldId="260"/>
+            <ac:spMk id="2" creationId="{79D87D88-FD60-4F0A-BAEA-5B0E9483A5B8}"/>
+          </ac:spMkLst>
+        </pc:spChg>
+      </pc:sldChg>
+      <pc:sldChg chg="ord">
+        <pc:chgData name="Moritz Nipshagen" userId="ee3b3bbc25b4cb6d" providerId="LiveId" clId="{29B6F001-BC08-4D55-86A9-52E38C0EB81C}" dt="2018-04-28T19:34:30.870" v="462" actId="20577"/>
+        <pc:sldMkLst>
+          <pc:docMk/>
+          <pc:sldMk cId="991175545" sldId="261"/>
+        </pc:sldMkLst>
+      </pc:sldChg>
       <pc:sldChg chg="addSp delSp modSp add">
-        <pc:chgData name="Moritz Nipshagen" userId="ee3b3bbc25b4cb6d" providerId="LiveId" clId="{29B6F001-BC08-4D55-86A9-52E38C0EB81C}" dt="2018-04-22T10:08:47.247" v="38" actId="20577"/>
+        <pc:chgData name="Moritz Nipshagen" userId="ee3b3bbc25b4cb6d" providerId="LiveId" clId="{29B6F001-BC08-4D55-86A9-52E38C0EB81C}" dt="2018-04-30T11:50:41.683" v="5160" actId="20577"/>
         <pc:sldMkLst>
           <pc:docMk/>
           <pc:sldMk cId="3807260641" sldId="265"/>
         </pc:sldMkLst>
         <pc:spChg chg="del">
-          <ac:chgData name="Moritz Nipshagen" userId="ee3b3bbc25b4cb6d" providerId="LiveId" clId="{29B6F001-BC08-4D55-86A9-52E38C0EB81C}" dt="2018-04-22T10:08:40.356" v="1"/>
+          <ac:chgData name="Moritz Nipshagen" userId="ee3b3bbc25b4cb6d" providerId="LiveId" clId="{29B6F001-BC08-4D55-86A9-52E38C0EB81C}" dt="2018-04-22T10:08:40.356" v="1" actId="20577"/>
           <ac:spMkLst>
             <pc:docMk/>
             <pc:sldMk cId="3807260641" sldId="265"/>
@@ -160,7 +233,7 @@
           </ac:spMkLst>
         </pc:spChg>
         <pc:spChg chg="add mod">
-          <ac:chgData name="Moritz Nipshagen" userId="ee3b3bbc25b4cb6d" providerId="LiveId" clId="{29B6F001-BC08-4D55-86A9-52E38C0EB81C}" dt="2018-04-22T10:08:40.356" v="1"/>
+          <ac:chgData name="Moritz Nipshagen" userId="ee3b3bbc25b4cb6d" providerId="LiveId" clId="{29B6F001-BC08-4D55-86A9-52E38C0EB81C}" dt="2018-04-30T11:50:41.683" v="5160" actId="20577"/>
           <ac:spMkLst>
             <pc:docMk/>
             <pc:sldMk cId="3807260641" sldId="265"/>
@@ -169,13 +242,13 @@
         </pc:spChg>
       </pc:sldChg>
       <pc:sldChg chg="addSp delSp modSp add">
-        <pc:chgData name="Moritz Nipshagen" userId="ee3b3bbc25b4cb6d" providerId="LiveId" clId="{29B6F001-BC08-4D55-86A9-52E38C0EB81C}" dt="2018-04-22T10:57:32.123" v="437" actId="20577"/>
+        <pc:chgData name="Moritz Nipshagen" userId="ee3b3bbc25b4cb6d" providerId="LiveId" clId="{29B6F001-BC08-4D55-86A9-52E38C0EB81C}" dt="2018-04-29T14:58:34.236" v="4741" actId="1076"/>
         <pc:sldMkLst>
           <pc:docMk/>
           <pc:sldMk cId="2076429919" sldId="266"/>
         </pc:sldMkLst>
         <pc:spChg chg="del">
-          <ac:chgData name="Moritz Nipshagen" userId="ee3b3bbc25b4cb6d" providerId="LiveId" clId="{29B6F001-BC08-4D55-86A9-52E38C0EB81C}" dt="2018-04-22T10:55:28.057" v="40"/>
+          <ac:chgData name="Moritz Nipshagen" userId="ee3b3bbc25b4cb6d" providerId="LiveId" clId="{29B6F001-BC08-4D55-86A9-52E38C0EB81C}" dt="2018-04-22T10:55:28.057" v="40" actId="20577"/>
           <ac:spMkLst>
             <pc:docMk/>
             <pc:sldMk cId="2076429919" sldId="266"/>
@@ -191,7 +264,7 @@
           </ac:spMkLst>
         </pc:spChg>
         <pc:spChg chg="add mod">
-          <ac:chgData name="Moritz Nipshagen" userId="ee3b3bbc25b4cb6d" providerId="LiveId" clId="{29B6F001-BC08-4D55-86A9-52E38C0EB81C}" dt="2018-04-22T10:57:32.123" v="437" actId="20577"/>
+          <ac:chgData name="Moritz Nipshagen" userId="ee3b3bbc25b4cb6d" providerId="LiveId" clId="{29B6F001-BC08-4D55-86A9-52E38C0EB81C}" dt="2018-04-29T14:58:34.236" v="4741" actId="1076"/>
           <ac:spMkLst>
             <pc:docMk/>
             <pc:sldMk cId="2076429919" sldId="266"/>
@@ -199,11 +272,524 @@
           </ac:spMkLst>
         </pc:spChg>
         <pc:spChg chg="add del">
-          <ac:chgData name="Moritz Nipshagen" userId="ee3b3bbc25b4cb6d" providerId="LiveId" clId="{29B6F001-BC08-4D55-86A9-52E38C0EB81C}" dt="2018-04-22T10:57:09.470" v="362"/>
+          <ac:chgData name="Moritz Nipshagen" userId="ee3b3bbc25b4cb6d" providerId="LiveId" clId="{29B6F001-BC08-4D55-86A9-52E38C0EB81C}" dt="2018-04-22T10:57:09.470" v="362" actId="20577"/>
           <ac:spMkLst>
             <pc:docMk/>
             <pc:sldMk cId="2076429919" sldId="266"/>
             <ac:spMk id="6" creationId="{20895DEF-640F-4975-A703-F7ACD8AB0C5E}"/>
+          </ac:spMkLst>
+        </pc:spChg>
+      </pc:sldChg>
+      <pc:sldChg chg="addSp delSp modSp add">
+        <pc:chgData name="Moritz Nipshagen" userId="ee3b3bbc25b4cb6d" providerId="LiveId" clId="{29B6F001-BC08-4D55-86A9-52E38C0EB81C}" dt="2018-04-30T19:34:13.327" v="5469" actId="27636"/>
+        <pc:sldMkLst>
+          <pc:docMk/>
+          <pc:sldMk cId="3805029269" sldId="267"/>
+        </pc:sldMkLst>
+        <pc:spChg chg="del">
+          <ac:chgData name="Moritz Nipshagen" userId="ee3b3bbc25b4cb6d" providerId="LiveId" clId="{29B6F001-BC08-4D55-86A9-52E38C0EB81C}" dt="2018-04-28T19:34:38.187" v="464" actId="20577"/>
+          <ac:spMkLst>
+            <pc:docMk/>
+            <pc:sldMk cId="3805029269" sldId="267"/>
+            <ac:spMk id="2" creationId="{5DDA878F-5DCB-4403-90D6-A8927A83F055}"/>
+          </ac:spMkLst>
+        </pc:spChg>
+        <pc:spChg chg="add del mod">
+          <ac:chgData name="Moritz Nipshagen" userId="ee3b3bbc25b4cb6d" providerId="LiveId" clId="{29B6F001-BC08-4D55-86A9-52E38C0EB81C}" dt="2018-04-28T19:34:45.028" v="465" actId="20577"/>
+          <ac:spMkLst>
+            <pc:docMk/>
+            <pc:sldMk cId="3805029269" sldId="267"/>
+            <ac:spMk id="4" creationId="{DBA6C14D-754C-4BF0-A0A4-B77426C03D5E}"/>
+          </ac:spMkLst>
+        </pc:spChg>
+        <pc:spChg chg="add del mod">
+          <ac:chgData name="Moritz Nipshagen" userId="ee3b3bbc25b4cb6d" providerId="LiveId" clId="{29B6F001-BC08-4D55-86A9-52E38C0EB81C}" dt="2018-04-28T19:34:45.028" v="465" actId="20577"/>
+          <ac:spMkLst>
+            <pc:docMk/>
+            <pc:sldMk cId="3805029269" sldId="267"/>
+            <ac:spMk id="5" creationId="{DB86309A-6C7D-48BE-B111-531C4FF48161}"/>
+          </ac:spMkLst>
+        </pc:spChg>
+        <pc:spChg chg="add mod">
+          <ac:chgData name="Moritz Nipshagen" userId="ee3b3bbc25b4cb6d" providerId="LiveId" clId="{29B6F001-BC08-4D55-86A9-52E38C0EB81C}" dt="2018-04-28T19:35:20.826" v="499" actId="20577"/>
+          <ac:spMkLst>
+            <pc:docMk/>
+            <pc:sldMk cId="3805029269" sldId="267"/>
+            <ac:spMk id="6" creationId="{AE5CE10F-A312-4F5C-95A8-18706607B13C}"/>
+          </ac:spMkLst>
+        </pc:spChg>
+        <pc:spChg chg="add mod">
+          <ac:chgData name="Moritz Nipshagen" userId="ee3b3bbc25b4cb6d" providerId="LiveId" clId="{29B6F001-BC08-4D55-86A9-52E38C0EB81C}" dt="2018-04-30T19:34:13.327" v="5469" actId="27636"/>
+          <ac:spMkLst>
+            <pc:docMk/>
+            <pc:sldMk cId="3805029269" sldId="267"/>
+            <ac:spMk id="7" creationId="{132C25EB-D3F6-4D36-B2A4-B6219F0B5256}"/>
+          </ac:spMkLst>
+        </pc:spChg>
+      </pc:sldChg>
+      <pc:sldChg chg="modSp add">
+        <pc:chgData name="Moritz Nipshagen" userId="ee3b3bbc25b4cb6d" providerId="LiveId" clId="{29B6F001-BC08-4D55-86A9-52E38C0EB81C}" dt="2018-04-30T19:22:26.748" v="5422" actId="403"/>
+        <pc:sldMkLst>
+          <pc:docMk/>
+          <pc:sldMk cId="1607545812" sldId="268"/>
+        </pc:sldMkLst>
+        <pc:spChg chg="mod">
+          <ac:chgData name="Moritz Nipshagen" userId="ee3b3bbc25b4cb6d" providerId="LiveId" clId="{29B6F001-BC08-4D55-86A9-52E38C0EB81C}" dt="2018-04-30T19:21:06.923" v="5284" actId="20577"/>
+          <ac:spMkLst>
+            <pc:docMk/>
+            <pc:sldMk cId="1607545812" sldId="268"/>
+            <ac:spMk id="2" creationId="{5D1241B1-21CB-44B4-B7FB-88179411EDA8}"/>
+          </ac:spMkLst>
+        </pc:spChg>
+        <pc:spChg chg="mod">
+          <ac:chgData name="Moritz Nipshagen" userId="ee3b3bbc25b4cb6d" providerId="LiveId" clId="{29B6F001-BC08-4D55-86A9-52E38C0EB81C}" dt="2018-04-30T19:22:26.748" v="5422" actId="403"/>
+          <ac:spMkLst>
+            <pc:docMk/>
+            <pc:sldMk cId="1607545812" sldId="268"/>
+            <ac:spMk id="3" creationId="{06729BC0-92CC-4470-AF1B-EC394F41DD5A}"/>
+          </ac:spMkLst>
+        </pc:spChg>
+      </pc:sldChg>
+      <pc:sldChg chg="modSp add">
+        <pc:chgData name="Moritz Nipshagen" userId="ee3b3bbc25b4cb6d" providerId="LiveId" clId="{29B6F001-BC08-4D55-86A9-52E38C0EB81C}" dt="2018-04-29T06:23:24.413" v="829" actId="20577"/>
+        <pc:sldMkLst>
+          <pc:docMk/>
+          <pc:sldMk cId="1449110585" sldId="269"/>
+        </pc:sldMkLst>
+        <pc:spChg chg="mod">
+          <ac:chgData name="Moritz Nipshagen" userId="ee3b3bbc25b4cb6d" providerId="LiveId" clId="{29B6F001-BC08-4D55-86A9-52E38C0EB81C}" dt="2018-04-29T06:23:24.413" v="829" actId="20577"/>
+          <ac:spMkLst>
+            <pc:docMk/>
+            <pc:sldMk cId="1449110585" sldId="269"/>
+            <ac:spMk id="2" creationId="{A9BE25F3-A92A-4402-876C-6E86A2A2C29B}"/>
+          </ac:spMkLst>
+        </pc:spChg>
+      </pc:sldChg>
+      <pc:sldChg chg="modSp add">
+        <pc:chgData name="Moritz Nipshagen" userId="ee3b3bbc25b4cb6d" providerId="LiveId" clId="{29B6F001-BC08-4D55-86A9-52E38C0EB81C}" dt="2018-04-30T19:34:52.492" v="5487" actId="20577"/>
+        <pc:sldMkLst>
+          <pc:docMk/>
+          <pc:sldMk cId="2257776744" sldId="270"/>
+        </pc:sldMkLst>
+        <pc:spChg chg="mod">
+          <ac:chgData name="Moritz Nipshagen" userId="ee3b3bbc25b4cb6d" providerId="LiveId" clId="{29B6F001-BC08-4D55-86A9-52E38C0EB81C}" dt="2018-04-29T07:35:56.099" v="1892" actId="20577"/>
+          <ac:spMkLst>
+            <pc:docMk/>
+            <pc:sldMk cId="2257776744" sldId="270"/>
+            <ac:spMk id="2" creationId="{00F72226-E823-4578-A2E4-908D0E672C0C}"/>
+          </ac:spMkLst>
+        </pc:spChg>
+        <pc:spChg chg="mod">
+          <ac:chgData name="Moritz Nipshagen" userId="ee3b3bbc25b4cb6d" providerId="LiveId" clId="{29B6F001-BC08-4D55-86A9-52E38C0EB81C}" dt="2018-04-30T19:34:52.492" v="5487" actId="20577"/>
+          <ac:spMkLst>
+            <pc:docMk/>
+            <pc:sldMk cId="2257776744" sldId="270"/>
+            <ac:spMk id="3" creationId="{D70E81BA-8B3C-4C40-89BD-F14A02E13B42}"/>
+          </ac:spMkLst>
+        </pc:spChg>
+      </pc:sldChg>
+      <pc:sldChg chg="modSp add">
+        <pc:chgData name="Moritz Nipshagen" userId="ee3b3bbc25b4cb6d" providerId="LiveId" clId="{29B6F001-BC08-4D55-86A9-52E38C0EB81C}" dt="2018-04-29T08:50:25.929" v="3683" actId="20577"/>
+        <pc:sldMkLst>
+          <pc:docMk/>
+          <pc:sldMk cId="1539443582" sldId="271"/>
+        </pc:sldMkLst>
+        <pc:spChg chg="mod">
+          <ac:chgData name="Moritz Nipshagen" userId="ee3b3bbc25b4cb6d" providerId="LiveId" clId="{29B6F001-BC08-4D55-86A9-52E38C0EB81C}" dt="2018-04-29T08:41:33.863" v="3087" actId="20577"/>
+          <ac:spMkLst>
+            <pc:docMk/>
+            <pc:sldMk cId="1539443582" sldId="271"/>
+            <ac:spMk id="2" creationId="{6252418E-88C4-42B6-99AF-F3624CE83C2B}"/>
+          </ac:spMkLst>
+        </pc:spChg>
+        <pc:spChg chg="mod">
+          <ac:chgData name="Moritz Nipshagen" userId="ee3b3bbc25b4cb6d" providerId="LiveId" clId="{29B6F001-BC08-4D55-86A9-52E38C0EB81C}" dt="2018-04-29T08:50:25.929" v="3683" actId="20577"/>
+          <ac:spMkLst>
+            <pc:docMk/>
+            <pc:sldMk cId="1539443582" sldId="271"/>
+            <ac:spMk id="3" creationId="{BB20FB54-53BE-440E-9157-24EAE6D1B547}"/>
+          </ac:spMkLst>
+        </pc:spChg>
+      </pc:sldChg>
+      <pc:sldChg chg="addSp delSp modSp add">
+        <pc:chgData name="Moritz Nipshagen" userId="ee3b3bbc25b4cb6d" providerId="LiveId" clId="{29B6F001-BC08-4D55-86A9-52E38C0EB81C}" dt="2018-04-30T22:01:33.024" v="6387" actId="20577"/>
+        <pc:sldMkLst>
+          <pc:docMk/>
+          <pc:sldMk cId="1123136264" sldId="272"/>
+        </pc:sldMkLst>
+        <pc:spChg chg="del">
+          <ac:chgData name="Moritz Nipshagen" userId="ee3b3bbc25b4cb6d" providerId="LiveId" clId="{29B6F001-BC08-4D55-86A9-52E38C0EB81C}" dt="2018-04-29T08:54:00.944" v="3685" actId="20577"/>
+          <ac:spMkLst>
+            <pc:docMk/>
+            <pc:sldMk cId="1123136264" sldId="272"/>
+            <ac:spMk id="2" creationId="{AA91F988-7D4E-42BF-9C07-05DB3EA9ED83}"/>
+          </ac:spMkLst>
+        </pc:spChg>
+        <pc:spChg chg="add mod">
+          <ac:chgData name="Moritz Nipshagen" userId="ee3b3bbc25b4cb6d" providerId="LiveId" clId="{29B6F001-BC08-4D55-86A9-52E38C0EB81C}" dt="2018-04-30T21:09:35.469" v="5777" actId="20577"/>
+          <ac:spMkLst>
+            <pc:docMk/>
+            <pc:sldMk cId="1123136264" sldId="272"/>
+            <ac:spMk id="4" creationId="{E250F52F-B109-4EF4-AD61-97CB550E75D8}"/>
+          </ac:spMkLst>
+        </pc:spChg>
+        <pc:spChg chg="add mod">
+          <ac:chgData name="Moritz Nipshagen" userId="ee3b3bbc25b4cb6d" providerId="LiveId" clId="{29B6F001-BC08-4D55-86A9-52E38C0EB81C}" dt="2018-04-30T22:01:33.024" v="6387" actId="20577"/>
+          <ac:spMkLst>
+            <pc:docMk/>
+            <pc:sldMk cId="1123136264" sldId="272"/>
+            <ac:spMk id="5" creationId="{3ADDA14C-880E-4DB5-B2E5-E06034C40493}"/>
+          </ac:spMkLst>
+        </pc:spChg>
+      </pc:sldChg>
+      <pc:sldChg chg="addSp modSp add ord">
+        <pc:chgData name="Moritz Nipshagen" userId="ee3b3bbc25b4cb6d" providerId="LiveId" clId="{29B6F001-BC08-4D55-86A9-52E38C0EB81C}" dt="2018-05-01T12:15:34.527" v="7722" actId="1076"/>
+        <pc:sldMkLst>
+          <pc:docMk/>
+          <pc:sldMk cId="2257829737" sldId="273"/>
+        </pc:sldMkLst>
+        <pc:spChg chg="mod">
+          <ac:chgData name="Moritz Nipshagen" userId="ee3b3bbc25b4cb6d" providerId="LiveId" clId="{29B6F001-BC08-4D55-86A9-52E38C0EB81C}" dt="2018-04-29T08:56:53.064" v="3987" actId="20577"/>
+          <ac:spMkLst>
+            <pc:docMk/>
+            <pc:sldMk cId="2257829737" sldId="273"/>
+            <ac:spMk id="2" creationId="{18221570-F78D-42FD-970D-744751C69593}"/>
+          </ac:spMkLst>
+        </pc:spChg>
+        <pc:spChg chg="mod">
+          <ac:chgData name="Moritz Nipshagen" userId="ee3b3bbc25b4cb6d" providerId="LiveId" clId="{29B6F001-BC08-4D55-86A9-52E38C0EB81C}" dt="2018-05-01T11:40:12.416" v="7670" actId="20577"/>
+          <ac:spMkLst>
+            <pc:docMk/>
+            <pc:sldMk cId="2257829737" sldId="273"/>
+            <ac:spMk id="3" creationId="{71351CE6-0AAE-4568-BA90-D59DE7C0B226}"/>
+          </ac:spMkLst>
+        </pc:spChg>
+        <pc:spChg chg="add mod">
+          <ac:chgData name="Moritz Nipshagen" userId="ee3b3bbc25b4cb6d" providerId="LiveId" clId="{29B6F001-BC08-4D55-86A9-52E38C0EB81C}" dt="2018-05-01T12:15:34.527" v="7722" actId="1076"/>
+          <ac:spMkLst>
+            <pc:docMk/>
+            <pc:sldMk cId="2257829737" sldId="273"/>
+            <ac:spMk id="5" creationId="{FA01EBBA-F12B-4980-992E-A37FE5B394D3}"/>
+          </ac:spMkLst>
+        </pc:spChg>
+        <pc:spChg chg="add mod">
+          <ac:chgData name="Moritz Nipshagen" userId="ee3b3bbc25b4cb6d" providerId="LiveId" clId="{29B6F001-BC08-4D55-86A9-52E38C0EB81C}" dt="2018-05-01T12:15:34.527" v="7722" actId="1076"/>
+          <ac:spMkLst>
+            <pc:docMk/>
+            <pc:sldMk cId="2257829737" sldId="273"/>
+            <ac:spMk id="6" creationId="{F00A4638-50D9-4024-957D-86DBF07154B5}"/>
+          </ac:spMkLst>
+        </pc:spChg>
+      </pc:sldChg>
+      <pc:sldChg chg="modSp add">
+        <pc:chgData name="Moritz Nipshagen" userId="ee3b3bbc25b4cb6d" providerId="LiveId" clId="{29B6F001-BC08-4D55-86A9-52E38C0EB81C}" dt="2018-05-01T10:52:50.914" v="7363" actId="20577"/>
+        <pc:sldMkLst>
+          <pc:docMk/>
+          <pc:sldMk cId="1802459922" sldId="274"/>
+        </pc:sldMkLst>
+        <pc:spChg chg="mod">
+          <ac:chgData name="Moritz Nipshagen" userId="ee3b3bbc25b4cb6d" providerId="LiveId" clId="{29B6F001-BC08-4D55-86A9-52E38C0EB81C}" dt="2018-04-29T09:42:11.371" v="4378" actId="20577"/>
+          <ac:spMkLst>
+            <pc:docMk/>
+            <pc:sldMk cId="1802459922" sldId="274"/>
+            <ac:spMk id="2" creationId="{6304C2DC-FF8A-424D-8743-F2F3D000BC08}"/>
+          </ac:spMkLst>
+        </pc:spChg>
+        <pc:spChg chg="mod">
+          <ac:chgData name="Moritz Nipshagen" userId="ee3b3bbc25b4cb6d" providerId="LiveId" clId="{29B6F001-BC08-4D55-86A9-52E38C0EB81C}" dt="2018-05-01T10:52:50.914" v="7363" actId="20577"/>
+          <ac:spMkLst>
+            <pc:docMk/>
+            <pc:sldMk cId="1802459922" sldId="274"/>
+            <ac:spMk id="3" creationId="{AFF38528-04C8-4947-A818-F21AC90FD7E1}"/>
+          </ac:spMkLst>
+        </pc:spChg>
+      </pc:sldChg>
+      <pc:sldChg chg="addSp modSp add">
+        <pc:chgData name="Moritz Nipshagen" userId="ee3b3bbc25b4cb6d" providerId="LiveId" clId="{29B6F001-BC08-4D55-86A9-52E38C0EB81C}" dt="2018-05-01T12:51:00.109" v="8032" actId="114"/>
+        <pc:sldMkLst>
+          <pc:docMk/>
+          <pc:sldMk cId="3264637218" sldId="275"/>
+        </pc:sldMkLst>
+        <pc:spChg chg="mod">
+          <ac:chgData name="Moritz Nipshagen" userId="ee3b3bbc25b4cb6d" providerId="LiveId" clId="{29B6F001-BC08-4D55-86A9-52E38C0EB81C}" dt="2018-05-01T12:33:00.878" v="7736" actId="20577"/>
+          <ac:spMkLst>
+            <pc:docMk/>
+            <pc:sldMk cId="3264637218" sldId="275"/>
+            <ac:spMk id="2" creationId="{2365173B-3618-47B3-8210-52A2CC345BFE}"/>
+          </ac:spMkLst>
+        </pc:spChg>
+        <pc:spChg chg="mod">
+          <ac:chgData name="Moritz Nipshagen" userId="ee3b3bbc25b4cb6d" providerId="LiveId" clId="{29B6F001-BC08-4D55-86A9-52E38C0EB81C}" dt="2018-05-01T12:48:48.349" v="8012" actId="20577"/>
+          <ac:spMkLst>
+            <pc:docMk/>
+            <pc:sldMk cId="3264637218" sldId="275"/>
+            <ac:spMk id="3" creationId="{9E03D1C7-2E95-4B9B-A2B9-16915B248BCD}"/>
+          </ac:spMkLst>
+        </pc:spChg>
+        <pc:spChg chg="add mod">
+          <ac:chgData name="Moritz Nipshagen" userId="ee3b3bbc25b4cb6d" providerId="LiveId" clId="{29B6F001-BC08-4D55-86A9-52E38C0EB81C}" dt="2018-05-01T12:48:52.772" v="8013" actId="1076"/>
+          <ac:spMkLst>
+            <pc:docMk/>
+            <pc:sldMk cId="3264637218" sldId="275"/>
+            <ac:spMk id="5" creationId="{CA0671C8-D98C-4CCD-A1E2-82AF0BD82CFC}"/>
+          </ac:spMkLst>
+        </pc:spChg>
+        <pc:spChg chg="add mod">
+          <ac:chgData name="Moritz Nipshagen" userId="ee3b3bbc25b4cb6d" providerId="LiveId" clId="{29B6F001-BC08-4D55-86A9-52E38C0EB81C}" dt="2018-05-01T12:51:00.109" v="8032" actId="114"/>
+          <ac:spMkLst>
+            <pc:docMk/>
+            <pc:sldMk cId="3264637218" sldId="275"/>
+            <ac:spMk id="6" creationId="{3A670239-3B74-4F16-BDC6-3C325C789878}"/>
+          </ac:spMkLst>
+        </pc:spChg>
+      </pc:sldChg>
+      <pc:sldChg chg="modSp add del">
+        <pc:chgData name="Moritz Nipshagen" userId="ee3b3bbc25b4cb6d" providerId="LiveId" clId="{29B6F001-BC08-4D55-86A9-52E38C0EB81C}" dt="2018-05-01T12:52:28.073" v="8033" actId="2696"/>
+        <pc:sldMkLst>
+          <pc:docMk/>
+          <pc:sldMk cId="599527498" sldId="276"/>
+        </pc:sldMkLst>
+        <pc:spChg chg="mod">
+          <ac:chgData name="Moritz Nipshagen" userId="ee3b3bbc25b4cb6d" providerId="LiveId" clId="{29B6F001-BC08-4D55-86A9-52E38C0EB81C}" dt="2018-04-29T09:50:24.716" v="4709" actId="20577"/>
+          <ac:spMkLst>
+            <pc:docMk/>
+            <pc:sldMk cId="599527498" sldId="276"/>
+            <ac:spMk id="2" creationId="{2202C37E-36FA-4A55-A961-8ADEE460BD26}"/>
+          </ac:spMkLst>
+        </pc:spChg>
+        <pc:spChg chg="mod">
+          <ac:chgData name="Moritz Nipshagen" userId="ee3b3bbc25b4cb6d" providerId="LiveId" clId="{29B6F001-BC08-4D55-86A9-52E38C0EB81C}" dt="2018-04-29T09:50:33.116" v="4739" actId="115"/>
+          <ac:spMkLst>
+            <pc:docMk/>
+            <pc:sldMk cId="599527498" sldId="276"/>
+            <ac:spMk id="3" creationId="{E57BD54F-6D4E-4D48-B8DA-A029B5769538}"/>
+          </ac:spMkLst>
+        </pc:spChg>
+      </pc:sldChg>
+      <pc:sldChg chg="modSp add">
+        <pc:chgData name="Moritz Nipshagen" userId="ee3b3bbc25b4cb6d" providerId="LiveId" clId="{29B6F001-BC08-4D55-86A9-52E38C0EB81C}" dt="2018-04-29T16:20:24.369" v="4856" actId="15"/>
+        <pc:sldMkLst>
+          <pc:docMk/>
+          <pc:sldMk cId="3781151324" sldId="277"/>
+        </pc:sldMkLst>
+        <pc:spChg chg="mod">
+          <ac:chgData name="Moritz Nipshagen" userId="ee3b3bbc25b4cb6d" providerId="LiveId" clId="{29B6F001-BC08-4D55-86A9-52E38C0EB81C}" dt="2018-04-29T16:11:05.270" v="4774" actId="20577"/>
+          <ac:spMkLst>
+            <pc:docMk/>
+            <pc:sldMk cId="3781151324" sldId="277"/>
+            <ac:spMk id="2" creationId="{61E6AFCD-3AC9-4720-9AE2-21EAF7E96EBB}"/>
+          </ac:spMkLst>
+        </pc:spChg>
+        <pc:spChg chg="mod">
+          <ac:chgData name="Moritz Nipshagen" userId="ee3b3bbc25b4cb6d" providerId="LiveId" clId="{29B6F001-BC08-4D55-86A9-52E38C0EB81C}" dt="2018-04-29T16:20:24.369" v="4856" actId="15"/>
+          <ac:spMkLst>
+            <pc:docMk/>
+            <pc:sldMk cId="3781151324" sldId="277"/>
+            <ac:spMk id="3" creationId="{96CAE386-357A-4E04-9FFE-4B8A502B7C0D}"/>
+          </ac:spMkLst>
+        </pc:spChg>
+      </pc:sldChg>
+      <pc:sldChg chg="modSp add">
+        <pc:chgData name="Moritz Nipshagen" userId="ee3b3bbc25b4cb6d" providerId="LiveId" clId="{29B6F001-BC08-4D55-86A9-52E38C0EB81C}" dt="2018-04-29T20:20:53.393" v="5045" actId="20577"/>
+        <pc:sldMkLst>
+          <pc:docMk/>
+          <pc:sldMk cId="3409670790" sldId="278"/>
+        </pc:sldMkLst>
+        <pc:spChg chg="mod">
+          <ac:chgData name="Moritz Nipshagen" userId="ee3b3bbc25b4cb6d" providerId="LiveId" clId="{29B6F001-BC08-4D55-86A9-52E38C0EB81C}" dt="2018-04-29T16:20:58.577" v="4892" actId="20577"/>
+          <ac:spMkLst>
+            <pc:docMk/>
+            <pc:sldMk cId="3409670790" sldId="278"/>
+            <ac:spMk id="2" creationId="{8A0E4571-9C46-44E3-99DA-EBF1BB45F872}"/>
+          </ac:spMkLst>
+        </pc:spChg>
+        <pc:spChg chg="mod">
+          <ac:chgData name="Moritz Nipshagen" userId="ee3b3bbc25b4cb6d" providerId="LiveId" clId="{29B6F001-BC08-4D55-86A9-52E38C0EB81C}" dt="2018-04-29T20:20:53.393" v="5045" actId="20577"/>
+          <ac:spMkLst>
+            <pc:docMk/>
+            <pc:sldMk cId="3409670790" sldId="278"/>
+            <ac:spMk id="3" creationId="{541EC469-74FA-486D-9F95-60CBD1B05292}"/>
+          </ac:spMkLst>
+        </pc:spChg>
+      </pc:sldChg>
+      <pc:sldChg chg="modSp add del ord">
+        <pc:chgData name="Moritz Nipshagen" userId="ee3b3bbc25b4cb6d" providerId="LiveId" clId="{29B6F001-BC08-4D55-86A9-52E38C0EB81C}" dt="2018-04-30T19:28:08.805" v="5423" actId="2696"/>
+        <pc:sldMkLst>
+          <pc:docMk/>
+          <pc:sldMk cId="2725788985" sldId="279"/>
+        </pc:sldMkLst>
+        <pc:spChg chg="mod">
+          <ac:chgData name="Moritz Nipshagen" userId="ee3b3bbc25b4cb6d" providerId="LiveId" clId="{29B6F001-BC08-4D55-86A9-52E38C0EB81C}" dt="2018-04-29T19:45:23.327" v="4910" actId="20577"/>
+          <ac:spMkLst>
+            <pc:docMk/>
+            <pc:sldMk cId="2725788985" sldId="279"/>
+            <ac:spMk id="2" creationId="{DBE534D5-E11F-4E25-AD7C-BBE656352524}"/>
+          </ac:spMkLst>
+        </pc:spChg>
+        <pc:spChg chg="mod">
+          <ac:chgData name="Moritz Nipshagen" userId="ee3b3bbc25b4cb6d" providerId="LiveId" clId="{29B6F001-BC08-4D55-86A9-52E38C0EB81C}" dt="2018-04-29T20:15:37.905" v="4996" actId="20577"/>
+          <ac:spMkLst>
+            <pc:docMk/>
+            <pc:sldMk cId="2725788985" sldId="279"/>
+            <ac:spMk id="3" creationId="{5E03C0E2-0AFB-49DB-B7EE-1048116D8E37}"/>
+          </ac:spMkLst>
+        </pc:spChg>
+      </pc:sldChg>
+      <pc:sldChg chg="addSp delSp modSp add">
+        <pc:chgData name="Moritz Nipshagen" userId="ee3b3bbc25b4cb6d" providerId="LiveId" clId="{29B6F001-BC08-4D55-86A9-52E38C0EB81C}" dt="2018-05-01T10:18:29.381" v="7316" actId="20577"/>
+        <pc:sldMkLst>
+          <pc:docMk/>
+          <pc:sldMk cId="3495758625" sldId="279"/>
+        </pc:sldMkLst>
+        <pc:spChg chg="del">
+          <ac:chgData name="Moritz Nipshagen" userId="ee3b3bbc25b4cb6d" providerId="LiveId" clId="{29B6F001-BC08-4D55-86A9-52E38C0EB81C}" dt="2018-04-30T21:07:54.103" v="5489" actId="20577"/>
+          <ac:spMkLst>
+            <pc:docMk/>
+            <pc:sldMk cId="3495758625" sldId="279"/>
+            <ac:spMk id="2" creationId="{DD20A04C-A7A5-4776-B1A3-512AE5677C67}"/>
+          </ac:spMkLst>
+        </pc:spChg>
+        <pc:spChg chg="add del">
+          <ac:chgData name="Moritz Nipshagen" userId="ee3b3bbc25b4cb6d" providerId="LiveId" clId="{29B6F001-BC08-4D55-86A9-52E38C0EB81C}" dt="2018-05-01T10:14:44.935" v="7261"/>
+          <ac:spMkLst>
+            <pc:docMk/>
+            <pc:sldMk cId="3495758625" sldId="279"/>
+            <ac:spMk id="2" creationId="{0EF75674-0F6B-4143-AE84-BB8D083E84C5}"/>
+          </ac:spMkLst>
+        </pc:spChg>
+        <pc:spChg chg="add mod">
+          <ac:chgData name="Moritz Nipshagen" userId="ee3b3bbc25b4cb6d" providerId="LiveId" clId="{29B6F001-BC08-4D55-86A9-52E38C0EB81C}" dt="2018-04-30T21:07:57.134" v="5495" actId="20577"/>
+          <ac:spMkLst>
+            <pc:docMk/>
+            <pc:sldMk cId="3495758625" sldId="279"/>
+            <ac:spMk id="4" creationId="{4C011BB4-7F9D-4D7F-B7D2-5D1BBE3E1836}"/>
+          </ac:spMkLst>
+        </pc:spChg>
+        <pc:spChg chg="add mod">
+          <ac:chgData name="Moritz Nipshagen" userId="ee3b3bbc25b4cb6d" providerId="LiveId" clId="{29B6F001-BC08-4D55-86A9-52E38C0EB81C}" dt="2018-05-01T10:18:29.381" v="7316" actId="20577"/>
+          <ac:spMkLst>
+            <pc:docMk/>
+            <pc:sldMk cId="3495758625" sldId="279"/>
+            <ac:spMk id="5" creationId="{BF6DECF0-64E6-467E-9CF7-1F7D3BAADA1F}"/>
+          </ac:spMkLst>
+        </pc:spChg>
+        <pc:spChg chg="add del">
+          <ac:chgData name="Moritz Nipshagen" userId="ee3b3bbc25b4cb6d" providerId="LiveId" clId="{29B6F001-BC08-4D55-86A9-52E38C0EB81C}" dt="2018-05-01T10:14:48.678" v="7265"/>
+          <ac:spMkLst>
+            <pc:docMk/>
+            <pc:sldMk cId="3495758625" sldId="279"/>
+            <ac:spMk id="6" creationId="{24590782-6F98-4C28-9427-76EAEFD65D16}"/>
+          </ac:spMkLst>
+        </pc:spChg>
+        <pc:spChg chg="add del">
+          <ac:chgData name="Moritz Nipshagen" userId="ee3b3bbc25b4cb6d" providerId="LiveId" clId="{29B6F001-BC08-4D55-86A9-52E38C0EB81C}" dt="2018-05-01T10:14:49.111" v="7267"/>
+          <ac:spMkLst>
+            <pc:docMk/>
+            <pc:sldMk cId="3495758625" sldId="279"/>
+            <ac:spMk id="7" creationId="{F745F129-7553-4F83-B154-2FEBF1271332}"/>
+          </ac:spMkLst>
+        </pc:spChg>
+        <pc:spChg chg="add del">
+          <ac:chgData name="Moritz Nipshagen" userId="ee3b3bbc25b4cb6d" providerId="LiveId" clId="{29B6F001-BC08-4D55-86A9-52E38C0EB81C}" dt="2018-05-01T10:14:59.222" v="7269"/>
+          <ac:spMkLst>
+            <pc:docMk/>
+            <pc:sldMk cId="3495758625" sldId="279"/>
+            <ac:spMk id="8" creationId="{8456FD59-D1C8-42BA-BBF9-9A0909DE485E}"/>
+          </ac:spMkLst>
+        </pc:spChg>
+        <pc:spChg chg="add del">
+          <ac:chgData name="Moritz Nipshagen" userId="ee3b3bbc25b4cb6d" providerId="LiveId" clId="{29B6F001-BC08-4D55-86A9-52E38C0EB81C}" dt="2018-05-01T10:15:11.255" v="7279"/>
+          <ac:spMkLst>
+            <pc:docMk/>
+            <pc:sldMk cId="3495758625" sldId="279"/>
+            <ac:spMk id="9" creationId="{C5FC5CC3-7E94-41D3-B518-D381ED7B25DF}"/>
+          </ac:spMkLst>
+        </pc:spChg>
+        <pc:spChg chg="add mod">
+          <ac:chgData name="Moritz Nipshagen" userId="ee3b3bbc25b4cb6d" providerId="LiveId" clId="{29B6F001-BC08-4D55-86A9-52E38C0EB81C}" dt="2018-05-01T10:17:24.511" v="7298" actId="404"/>
+          <ac:spMkLst>
+            <pc:docMk/>
+            <pc:sldMk cId="3495758625" sldId="279"/>
+            <ac:spMk id="10" creationId="{161B4D16-0A75-4336-9571-E3CB2557CA6E}"/>
+          </ac:spMkLst>
+        </pc:spChg>
+        <pc:spChg chg="add mod">
+          <ac:chgData name="Moritz Nipshagen" userId="ee3b3bbc25b4cb6d" providerId="LiveId" clId="{29B6F001-BC08-4D55-86A9-52E38C0EB81C}" dt="2018-05-01T10:17:54.896" v="7301" actId="1076"/>
+          <ac:spMkLst>
+            <pc:docMk/>
+            <pc:sldMk cId="3495758625" sldId="279"/>
+            <ac:spMk id="11" creationId="{19E4AA35-923C-45D9-99B8-D1FD68FE0A02}"/>
+          </ac:spMkLst>
+        </pc:spChg>
+        <pc:spChg chg="add mod">
+          <ac:chgData name="Moritz Nipshagen" userId="ee3b3bbc25b4cb6d" providerId="LiveId" clId="{29B6F001-BC08-4D55-86A9-52E38C0EB81C}" dt="2018-05-01T10:18:24.441" v="7304" actId="1076"/>
+          <ac:spMkLst>
+            <pc:docMk/>
+            <pc:sldMk cId="3495758625" sldId="279"/>
+            <ac:spMk id="12" creationId="{15DFDA89-BE7D-4F91-B3D3-C78935988C97}"/>
+          </ac:spMkLst>
+        </pc:spChg>
+      </pc:sldChg>
+      <pc:sldChg chg="addSp delSp modSp add">
+        <pc:chgData name="Moritz Nipshagen" userId="ee3b3bbc25b4cb6d" providerId="LiveId" clId="{29B6F001-BC08-4D55-86A9-52E38C0EB81C}" dt="2018-05-01T12:15:07.401" v="7721" actId="1076"/>
+        <pc:sldMkLst>
+          <pc:docMk/>
+          <pc:sldMk cId="604475521" sldId="280"/>
+        </pc:sldMkLst>
+        <pc:spChg chg="mod">
+          <ac:chgData name="Moritz Nipshagen" userId="ee3b3bbc25b4cb6d" providerId="LiveId" clId="{29B6F001-BC08-4D55-86A9-52E38C0EB81C}" dt="2018-05-01T00:15:41.122" v="6748" actId="20577"/>
+          <ac:spMkLst>
+            <pc:docMk/>
+            <pc:sldMk cId="604475521" sldId="280"/>
+            <ac:spMk id="2" creationId="{35EFF033-4725-4D1A-A4EE-D1B459C7DD5D}"/>
+          </ac:spMkLst>
+        </pc:spChg>
+        <pc:spChg chg="mod">
+          <ac:chgData name="Moritz Nipshagen" userId="ee3b3bbc25b4cb6d" providerId="LiveId" clId="{29B6F001-BC08-4D55-86A9-52E38C0EB81C}" dt="2018-05-01T11:20:41.634" v="7389" actId="20577"/>
+          <ac:spMkLst>
+            <pc:docMk/>
+            <pc:sldMk cId="604475521" sldId="280"/>
+            <ac:spMk id="3" creationId="{39966E63-E232-4487-B52D-AA9F41A1D9F6}"/>
+          </ac:spMkLst>
+        </pc:spChg>
+        <pc:spChg chg="add del">
+          <ac:chgData name="Moritz Nipshagen" userId="ee3b3bbc25b4cb6d" providerId="LiveId" clId="{29B6F001-BC08-4D55-86A9-52E38C0EB81C}" dt="2018-05-01T11:19:55.761" v="7370"/>
+          <ac:spMkLst>
+            <pc:docMk/>
+            <pc:sldMk cId="604475521" sldId="280"/>
+            <ac:spMk id="5" creationId="{F96FA92A-7D7F-44E7-9D11-BF6A89B28424}"/>
+          </ac:spMkLst>
+        </pc:spChg>
+        <pc:spChg chg="add mod">
+          <ac:chgData name="Moritz Nipshagen" userId="ee3b3bbc25b4cb6d" providerId="LiveId" clId="{29B6F001-BC08-4D55-86A9-52E38C0EB81C}" dt="2018-05-01T12:15:07.401" v="7721" actId="1076"/>
+          <ac:spMkLst>
+            <pc:docMk/>
+            <pc:sldMk cId="604475521" sldId="280"/>
+            <ac:spMk id="6" creationId="{B6919446-9E11-4169-B0D4-64AB0F0AFD6A}"/>
+          </ac:spMkLst>
+        </pc:spChg>
+        <pc:spChg chg="add del">
+          <ac:chgData name="Moritz Nipshagen" userId="ee3b3bbc25b4cb6d" providerId="LiveId" clId="{29B6F001-BC08-4D55-86A9-52E38C0EB81C}" dt="2018-05-01T11:20:20.348" v="7380"/>
+          <ac:spMkLst>
+            <pc:docMk/>
+            <pc:sldMk cId="604475521" sldId="280"/>
+            <ac:spMk id="7" creationId="{99D4EEE1-2EF3-4D18-BC6D-318CAF63FCC2}"/>
+          </ac:spMkLst>
+        </pc:spChg>
+        <pc:spChg chg="add mod">
+          <ac:chgData name="Moritz Nipshagen" userId="ee3b3bbc25b4cb6d" providerId="LiveId" clId="{29B6F001-BC08-4D55-86A9-52E38C0EB81C}" dt="2018-05-01T12:13:53.810" v="7700" actId="1076"/>
+          <ac:spMkLst>
+            <pc:docMk/>
+            <pc:sldMk cId="604475521" sldId="280"/>
+            <ac:spMk id="8" creationId="{22D10BBA-C184-4FF8-93B0-3C9EC0905DD0}"/>
+          </ac:spMkLst>
+        </pc:spChg>
+        <pc:spChg chg="add mod">
+          <ac:chgData name="Moritz Nipshagen" userId="ee3b3bbc25b4cb6d" providerId="LiveId" clId="{29B6F001-BC08-4D55-86A9-52E38C0EB81C}" dt="2018-05-01T12:15:01.033" v="7720" actId="14100"/>
+          <ac:spMkLst>
+            <pc:docMk/>
+            <pc:sldMk cId="604475521" sldId="280"/>
+            <ac:spMk id="9" creationId="{C3C7E728-6D0D-473E-9D08-F1DBEC27C9D8}"/>
           </ac:spMkLst>
         </pc:spChg>
       </pc:sldChg>
@@ -294,7 +880,7 @@
           <a:p>
             <a:fld id="{E74960FE-84BF-4F36-96F9-AC8A426EF4E1}" type="datetimeFigureOut">
               <a:rPr lang="en-GB" smtClean="0"/>
-              <a:t>22/04/2018</a:t>
+              <a:t>01/05/2018</a:t>
             </a:fld>
             <a:endParaRPr lang="en-GB"/>
           </a:p>
@@ -755,7 +1341,7 @@
           <a:p>
             <a:fld id="{59D2D3E5-8D07-442F-AD09-44D2D54E3827}" type="datetime1">
               <a:rPr lang="en-GB" smtClean="0"/>
-              <a:t>22/04/2018</a:t>
+              <a:t>01/05/2018</a:t>
             </a:fld>
             <a:endParaRPr lang="en-GB"/>
           </a:p>
@@ -1970,7 +2556,7 @@
           <a:p>
             <a:fld id="{AC8401FF-837F-478C-A187-ED49428D1834}" type="datetime1">
               <a:rPr lang="en-GB" smtClean="0"/>
-              <a:t>22/04/2018</a:t>
+              <a:t>01/05/2018</a:t>
             </a:fld>
             <a:endParaRPr lang="en-GB"/>
           </a:p>
@@ -2169,7 +2755,7 @@
           <a:p>
             <a:fld id="{A4BB1C3B-24F6-4AC1-B694-40E27DE719F2}" type="datetime1">
               <a:rPr lang="en-GB" smtClean="0"/>
-              <a:t>22/04/2018</a:t>
+              <a:t>01/05/2018</a:t>
             </a:fld>
             <a:endParaRPr lang="en-GB"/>
           </a:p>
@@ -3360,7 +3946,7 @@
           <a:p>
             <a:fld id="{5255503A-C87E-470F-982F-B4799D338920}" type="datetime1">
               <a:rPr lang="en-GB" smtClean="0"/>
-              <a:t>22/04/2018</a:t>
+              <a:t>01/05/2018</a:t>
             </a:fld>
             <a:endParaRPr lang="en-GB"/>
           </a:p>
@@ -4091,7 +4677,7 @@
           <a:p>
             <a:fld id="{1BF7B5F6-71AF-4144-B18A-52D5DACADA0A}" type="datetime1">
               <a:rPr lang="en-GB" smtClean="0"/>
-              <a:t>22/04/2018</a:t>
+              <a:t>01/05/2018</a:t>
             </a:fld>
             <a:endParaRPr lang="en-GB"/>
           </a:p>
@@ -4256,7 +4842,7 @@
           <a:p>
             <a:fld id="{5255503A-C87E-470F-982F-B4799D338920}" type="datetime1">
               <a:rPr lang="en-GB" smtClean="0"/>
-              <a:t>22/04/2018</a:t>
+              <a:t>01/05/2018</a:t>
             </a:fld>
             <a:endParaRPr lang="en-GB"/>
           </a:p>
@@ -5588,7 +6174,7 @@
           <a:p>
             <a:fld id="{75144A6B-3049-457F-A987-8390460069EE}" type="datetime1">
               <a:rPr lang="en-GB" smtClean="0"/>
-              <a:t>22/04/2018</a:t>
+              <a:t>01/05/2018</a:t>
             </a:fld>
             <a:endParaRPr lang="en-GB"/>
           </a:p>
@@ -5948,7 +6534,7 @@
           <a:p>
             <a:fld id="{FBD4005F-9225-497A-885F-BA883E74DE5D}" type="datetime1">
               <a:rPr lang="en-GB" smtClean="0"/>
-              <a:t>22/04/2018</a:t>
+              <a:t>01/05/2018</a:t>
             </a:fld>
             <a:endParaRPr lang="en-GB"/>
           </a:p>
@@ -6047,7 +6633,7 @@
           <a:p>
             <a:fld id="{AE523FC3-765C-4CC7-9E4B-E3B68A3EDBFE}" type="datetime1">
               <a:rPr lang="en-GB" smtClean="0"/>
-              <a:t>22/04/2018</a:t>
+              <a:t>01/05/2018</a:t>
             </a:fld>
             <a:endParaRPr lang="en-GB"/>
           </a:p>
@@ -6161,7 +6747,7 @@
           <a:p>
             <a:fld id="{9AA3DD7D-9416-45E8-AF3B-D7B360CC564A}" type="datetime1">
               <a:rPr lang="en-GB" smtClean="0"/>
-              <a:t>22/04/2018</a:t>
+              <a:t>01/05/2018</a:t>
             </a:fld>
             <a:endParaRPr lang="en-GB"/>
           </a:p>
@@ -7476,7 +8062,7 @@
           <a:p>
             <a:fld id="{F613CE8B-DAD8-4C75-ABDD-E74B55B147EF}" type="datetime1">
               <a:rPr lang="en-GB" smtClean="0"/>
-              <a:t>22/04/2018</a:t>
+              <a:t>01/05/2018</a:t>
             </a:fld>
             <a:endParaRPr lang="en-GB"/>
           </a:p>
@@ -8753,7 +9339,7 @@
           <a:p>
             <a:fld id="{90C1D48F-8DEA-4C52-92C1-302F75FCAD76}" type="datetime1">
               <a:rPr lang="en-GB" smtClean="0"/>
-              <a:t>22/04/2018</a:t>
+              <a:t>01/05/2018</a:t>
             </a:fld>
             <a:endParaRPr lang="en-GB"/>
           </a:p>
@@ -10015,7 +10601,7 @@
           <a:p>
             <a:fld id="{0F5CF901-3F04-46D3-A66D-6A29BDCE7C35}" type="datetime1">
               <a:rPr lang="en-GB" smtClean="0"/>
-              <a:t>22/04/2018</a:t>
+              <a:t>01/05/2018</a:t>
             </a:fld>
             <a:endParaRPr lang="en-GB"/>
           </a:p>
@@ -11606,15 +12192,7 @@
           <a:p>
             <a:r>
               <a:rPr lang="en-GB" dirty="0"/>
-              <a:t>The Power of </a:t>
-            </a:r>
-            <a:r>
-              <a:rPr lang="en-GB" dirty="0" err="1"/>
-              <a:t>r'Patterns</a:t>
-            </a:r>
-            <a:r>
-              <a:rPr lang="en-GB" dirty="0"/>
-              <a:t>'</a:t>
+              <a:t>The Power of ?</a:t>
             </a:r>
           </a:p>
         </p:txBody>
@@ -11642,13 +12220,16 @@
           <a:p>
             <a:r>
               <a:rPr lang="en-GB" dirty="0"/>
-              <a:t>Strings &amp; </a:t>
+              <a:t>Strings, </a:t>
             </a:r>
             <a:r>
               <a:rPr lang="en-GB" dirty="0" err="1"/>
               <a:t>RegEx</a:t>
             </a:r>
-            <a:endParaRPr lang="en-GB" dirty="0"/>
+            <a:r>
+              <a:rPr lang="en-GB" dirty="0"/>
+              <a:t> &amp; FSA</a:t>
+            </a:r>
           </a:p>
         </p:txBody>
       </p:sp>
@@ -11687,7 +12268,7 @@
           <p:cNvPr id="2" name="Title 1">
             <a:extLst>
               <a:ext uri="{FF2B5EF4-FFF2-40B4-BE49-F238E27FC236}">
-                <a16:creationId xmlns:a16="http://schemas.microsoft.com/office/drawing/2014/main" id="{30CFDA8C-BB8D-4898-B7DF-6C3B13C412C4}"/>
+                <a16:creationId xmlns:a16="http://schemas.microsoft.com/office/drawing/2014/main" id="{8A0E4571-9C46-44E3-99DA-EBF1BB45F872}"/>
               </a:ext>
             </a:extLst>
           </p:cNvPr>
@@ -11704,18 +12285,56 @@
           <a:lstStyle/>
           <a:p>
             <a:r>
+              <a:rPr lang="en-GB" dirty="0" err="1"/>
+              <a:t>RegEx</a:t>
+            </a:r>
+            <a:r>
               <a:rPr lang="en-GB" dirty="0"/>
-              <a:t>Technicalities</a:t>
+              <a:t>: Relevant escape characters</a:t>
             </a:r>
           </a:p>
         </p:txBody>
       </p:sp>
       <p:sp>
         <p:nvSpPr>
-          <p:cNvPr id="3" name="Slide Number Placeholder 2">
+          <p:cNvPr id="3" name="Content Placeholder 2">
             <a:extLst>
               <a:ext uri="{FF2B5EF4-FFF2-40B4-BE49-F238E27FC236}">
-                <a16:creationId xmlns:a16="http://schemas.microsoft.com/office/drawing/2014/main" id="{52D2255E-6DB6-4263-BC2C-39C04C73900F}"/>
+                <a16:creationId xmlns:a16="http://schemas.microsoft.com/office/drawing/2014/main" id="{541EC469-74FA-486D-9F95-60CBD1B05292}"/>
+              </a:ext>
+            </a:extLst>
+          </p:cNvPr>
+          <p:cNvSpPr>
+            <a:spLocks noGrp="1"/>
+          </p:cNvSpPr>
+          <p:nvPr>
+            <p:ph idx="1"/>
+          </p:nvPr>
+        </p:nvSpPr>
+        <p:spPr/>
+        <p:txBody>
+          <a:bodyPr/>
+          <a:lstStyle/>
+          <a:p>
+            <a:r>
+              <a:rPr lang="en-GB" dirty="0"/>
+              <a:t>\n \d \D \w \W \b \B \s \S</a:t>
+            </a:r>
+          </a:p>
+          <a:p>
+            <a:r>
+              <a:rPr lang="en-GB"/>
+              <a:t>[^0-9]</a:t>
+            </a:r>
+          </a:p>
+        </p:txBody>
+      </p:sp>
+      <p:sp>
+        <p:nvSpPr>
+          <p:cNvPr id="4" name="Slide Number Placeholder 3">
+            <a:extLst>
+              <a:ext uri="{FF2B5EF4-FFF2-40B4-BE49-F238E27FC236}">
+                <a16:creationId xmlns:a16="http://schemas.microsoft.com/office/drawing/2014/main" id="{149C8A02-301B-4F21-9505-FA15A9613CB5}"/>
               </a:ext>
             </a:extLst>
           </p:cNvPr>
@@ -11742,7 +12361,7 @@
     </p:spTree>
     <p:extLst>
       <p:ext uri="{BB962C8B-B14F-4D97-AF65-F5344CB8AC3E}">
-        <p14:creationId xmlns:p14="http://schemas.microsoft.com/office/powerpoint/2010/main" val="2597171062"/>
+        <p14:creationId xmlns:p14="http://schemas.microsoft.com/office/powerpoint/2010/main" val="3409670790"/>
       </p:ext>
     </p:extLst>
   </p:cSld>
@@ -11774,7 +12393,7 @@
           <p:cNvPr id="2" name="Title 1">
             <a:extLst>
               <a:ext uri="{FF2B5EF4-FFF2-40B4-BE49-F238E27FC236}">
-                <a16:creationId xmlns:a16="http://schemas.microsoft.com/office/drawing/2014/main" id="{E943632A-A432-4EA7-9009-555B4357CC32}"/>
+                <a16:creationId xmlns:a16="http://schemas.microsoft.com/office/drawing/2014/main" id="{61E6AFCD-3AC9-4720-9AE2-21EAF7E96EBB}"/>
               </a:ext>
             </a:extLst>
           </p:cNvPr>
@@ -11792,17 +12411,56 @@
           <a:p>
             <a:r>
               <a:rPr lang="en-GB" dirty="0"/>
-              <a:t>See you next week!</a:t>
+              <a:t>One more thing: Groups</a:t>
             </a:r>
           </a:p>
         </p:txBody>
       </p:sp>
       <p:sp>
         <p:nvSpPr>
-          <p:cNvPr id="3" name="Slide Number Placeholder 2">
+          <p:cNvPr id="3" name="Content Placeholder 2">
             <a:extLst>
               <a:ext uri="{FF2B5EF4-FFF2-40B4-BE49-F238E27FC236}">
-                <a16:creationId xmlns:a16="http://schemas.microsoft.com/office/drawing/2014/main" id="{442A87F7-D5D0-405E-82D0-AC665C1598D9}"/>
+                <a16:creationId xmlns:a16="http://schemas.microsoft.com/office/drawing/2014/main" id="{96CAE386-357A-4E04-9FFE-4B8A502B7C0D}"/>
+              </a:ext>
+            </a:extLst>
+          </p:cNvPr>
+          <p:cNvSpPr>
+            <a:spLocks noGrp="1"/>
+          </p:cNvSpPr>
+          <p:nvPr>
+            <p:ph idx="1"/>
+          </p:nvPr>
+        </p:nvSpPr>
+        <p:spPr/>
+        <p:txBody>
+          <a:bodyPr/>
+          <a:lstStyle/>
+          <a:p>
+            <a:r>
+              <a:rPr lang="en-GB" dirty="0"/>
+              <a:t>You can form groups in regex and reference them</a:t>
+            </a:r>
+          </a:p>
+          <a:p>
+            <a:pPr lvl="1"/>
+            <a:r>
+              <a:rPr lang="en-GB" dirty="0"/>
+              <a:t>e.g. rhyme finding</a:t>
+            </a:r>
+          </a:p>
+          <a:p>
+            <a:pPr lvl="2"/>
+            <a:endParaRPr lang="en-GB" dirty="0"/>
+          </a:p>
+        </p:txBody>
+      </p:sp>
+      <p:sp>
+        <p:nvSpPr>
+          <p:cNvPr id="4" name="Slide Number Placeholder 3">
+            <a:extLst>
+              <a:ext uri="{FF2B5EF4-FFF2-40B4-BE49-F238E27FC236}">
+                <a16:creationId xmlns:a16="http://schemas.microsoft.com/office/drawing/2014/main" id="{2DC2ECC1-E76D-49B6-804E-C0D7C1C089F2}"/>
               </a:ext>
             </a:extLst>
           </p:cNvPr>
@@ -11829,7 +12487,1973 @@
     </p:spTree>
     <p:extLst>
       <p:ext uri="{BB962C8B-B14F-4D97-AF65-F5344CB8AC3E}">
-        <p14:creationId xmlns:p14="http://schemas.microsoft.com/office/powerpoint/2010/main" val="2095240665"/>
+        <p14:creationId xmlns:p14="http://schemas.microsoft.com/office/powerpoint/2010/main" val="3781151324"/>
+      </p:ext>
+    </p:extLst>
+  </p:cSld>
+  <p:clrMapOvr>
+    <a:masterClrMapping/>
+  </p:clrMapOvr>
+</p:sld>
+</file>
+
+<file path=ppt/slides/slide12.xml><?xml version="1.0" encoding="utf-8"?>
+<p:sld xmlns:a="http://schemas.openxmlformats.org/drawingml/2006/main" xmlns:r="http://schemas.openxmlformats.org/officeDocument/2006/relationships" xmlns:p="http://schemas.openxmlformats.org/presentationml/2006/main">
+  <p:cSld>
+    <p:spTree>
+      <p:nvGrpSpPr>
+        <p:cNvPr id="1" name=""/>
+        <p:cNvGrpSpPr/>
+        <p:nvPr/>
+      </p:nvGrpSpPr>
+      <p:grpSpPr>
+        <a:xfrm>
+          <a:off x="0" y="0"/>
+          <a:ext cx="0" cy="0"/>
+          <a:chOff x="0" y="0"/>
+          <a:chExt cx="0" cy="0"/>
+        </a:xfrm>
+      </p:grpSpPr>
+      <p:sp>
+        <p:nvSpPr>
+          <p:cNvPr id="2" name="Title 1">
+            <a:extLst>
+              <a:ext uri="{FF2B5EF4-FFF2-40B4-BE49-F238E27FC236}">
+                <a16:creationId xmlns:a16="http://schemas.microsoft.com/office/drawing/2014/main" id="{024F7CFC-85B1-417B-BF3F-56E6A85EE150}"/>
+              </a:ext>
+            </a:extLst>
+          </p:cNvPr>
+          <p:cNvSpPr>
+            <a:spLocks noGrp="1"/>
+          </p:cNvSpPr>
+          <p:nvPr>
+            <p:ph type="title"/>
+          </p:nvPr>
+        </p:nvSpPr>
+        <p:spPr/>
+        <p:txBody>
+          <a:bodyPr/>
+          <a:lstStyle/>
+          <a:p>
+            <a:r>
+              <a:rPr lang="en-GB" dirty="0"/>
+              <a:t>Finite State Machines</a:t>
+            </a:r>
+          </a:p>
+        </p:txBody>
+      </p:sp>
+      <p:sp>
+        <p:nvSpPr>
+          <p:cNvPr id="3" name="Slide Number Placeholder 2">
+            <a:extLst>
+              <a:ext uri="{FF2B5EF4-FFF2-40B4-BE49-F238E27FC236}">
+                <a16:creationId xmlns:a16="http://schemas.microsoft.com/office/drawing/2014/main" id="{04810DBE-535D-4893-9078-4579DAEB1EBE}"/>
+              </a:ext>
+            </a:extLst>
+          </p:cNvPr>
+          <p:cNvSpPr>
+            <a:spLocks noGrp="1"/>
+          </p:cNvSpPr>
+          <p:nvPr>
+            <p:ph type="sldNum" sz="quarter" idx="12"/>
+          </p:nvPr>
+        </p:nvSpPr>
+        <p:spPr/>
+        <p:txBody>
+          <a:bodyPr/>
+          <a:lstStyle/>
+          <a:p>
+            <a:fld id="{89C4E583-6443-4199-AF95-A2ECCC288D48}" type="slidenum">
+              <a:rPr lang="en-GB" smtClean="0"/>
+              <a:t>12</a:t>
+            </a:fld>
+            <a:endParaRPr lang="en-GB"/>
+          </a:p>
+        </p:txBody>
+      </p:sp>
+    </p:spTree>
+    <p:extLst>
+      <p:ext uri="{BB962C8B-B14F-4D97-AF65-F5344CB8AC3E}">
+        <p14:creationId xmlns:p14="http://schemas.microsoft.com/office/powerpoint/2010/main" val="3090368631"/>
+      </p:ext>
+    </p:extLst>
+  </p:cSld>
+  <p:clrMapOvr>
+    <a:masterClrMapping/>
+  </p:clrMapOvr>
+</p:sld>
+</file>
+
+<file path=ppt/slides/slide13.xml><?xml version="1.0" encoding="utf-8"?>
+<p:sld xmlns:a="http://schemas.openxmlformats.org/drawingml/2006/main" xmlns:r="http://schemas.openxmlformats.org/officeDocument/2006/relationships" xmlns:p="http://schemas.openxmlformats.org/presentationml/2006/main">
+  <p:cSld>
+    <p:spTree>
+      <p:nvGrpSpPr>
+        <p:cNvPr id="1" name=""/>
+        <p:cNvGrpSpPr/>
+        <p:nvPr/>
+      </p:nvGrpSpPr>
+      <p:grpSpPr>
+        <a:xfrm>
+          <a:off x="0" y="0"/>
+          <a:ext cx="0" cy="0"/>
+          <a:chOff x="0" y="0"/>
+          <a:chExt cx="0" cy="0"/>
+        </a:xfrm>
+      </p:grpSpPr>
+      <p:sp>
+        <p:nvSpPr>
+          <p:cNvPr id="4" name="Title 3">
+            <a:extLst>
+              <a:ext uri="{FF2B5EF4-FFF2-40B4-BE49-F238E27FC236}">
+                <a16:creationId xmlns:a16="http://schemas.microsoft.com/office/drawing/2014/main" id="{ACDDD1FC-80E9-4182-ADEA-22B61DA5B8E9}"/>
+              </a:ext>
+            </a:extLst>
+          </p:cNvPr>
+          <p:cNvSpPr>
+            <a:spLocks noGrp="1"/>
+          </p:cNvSpPr>
+          <p:nvPr>
+            <p:ph type="title"/>
+          </p:nvPr>
+        </p:nvSpPr>
+        <p:spPr/>
+        <p:txBody>
+          <a:bodyPr/>
+          <a:lstStyle/>
+          <a:p>
+            <a:r>
+              <a:rPr lang="en-GB" dirty="0"/>
+              <a:t>Finite State Machines: FSA</a:t>
+            </a:r>
+          </a:p>
+        </p:txBody>
+      </p:sp>
+      <p:sp>
+        <p:nvSpPr>
+          <p:cNvPr id="5" name="Content Placeholder 4">
+            <a:extLst>
+              <a:ext uri="{FF2B5EF4-FFF2-40B4-BE49-F238E27FC236}">
+                <a16:creationId xmlns:a16="http://schemas.microsoft.com/office/drawing/2014/main" id="{F1254B76-88C8-46F5-93B7-2884AC59D8E7}"/>
+              </a:ext>
+            </a:extLst>
+          </p:cNvPr>
+          <p:cNvSpPr>
+            <a:spLocks noGrp="1"/>
+          </p:cNvSpPr>
+          <p:nvPr>
+            <p:ph idx="1"/>
+          </p:nvPr>
+        </p:nvSpPr>
+        <p:spPr>
+          <a:xfrm>
+            <a:off x="1097280" y="1845734"/>
+            <a:ext cx="10058400" cy="4023360"/>
+          </a:xfrm>
+        </p:spPr>
+        <p:txBody>
+          <a:bodyPr/>
+          <a:lstStyle/>
+          <a:p>
+            <a:r>
+              <a:rPr lang="en-GB" dirty="0"/>
+              <a:t>This might sound familiar from other courses (e.g. Computational Linguistics)</a:t>
+            </a:r>
+          </a:p>
+          <a:p>
+            <a:r>
+              <a:rPr lang="en-GB" b="1" dirty="0"/>
+              <a:t>Finite State Machines</a:t>
+            </a:r>
+            <a:r>
+              <a:rPr lang="en-GB" dirty="0"/>
+              <a:t> are a concept to understand and build many systems</a:t>
+            </a:r>
+            <a:endParaRPr lang="en-GB" b="1" dirty="0"/>
+          </a:p>
+        </p:txBody>
+      </p:sp>
+      <p:sp>
+        <p:nvSpPr>
+          <p:cNvPr id="3" name="Slide Number Placeholder 2">
+            <a:extLst>
+              <a:ext uri="{FF2B5EF4-FFF2-40B4-BE49-F238E27FC236}">
+                <a16:creationId xmlns:a16="http://schemas.microsoft.com/office/drawing/2014/main" id="{A43330B6-3A49-4995-9C17-D061239CC38F}"/>
+              </a:ext>
+            </a:extLst>
+          </p:cNvPr>
+          <p:cNvSpPr>
+            <a:spLocks noGrp="1"/>
+          </p:cNvSpPr>
+          <p:nvPr>
+            <p:ph type="sldNum" sz="quarter" idx="12"/>
+          </p:nvPr>
+        </p:nvSpPr>
+        <p:spPr/>
+        <p:txBody>
+          <a:bodyPr/>
+          <a:lstStyle/>
+          <a:p>
+            <a:fld id="{89C4E583-6443-4199-AF95-A2ECCC288D48}" type="slidenum">
+              <a:rPr lang="en-GB" smtClean="0"/>
+              <a:t>13</a:t>
+            </a:fld>
+            <a:endParaRPr lang="en-GB"/>
+          </a:p>
+        </p:txBody>
+      </p:sp>
+    </p:spTree>
+    <p:extLst>
+      <p:ext uri="{BB962C8B-B14F-4D97-AF65-F5344CB8AC3E}">
+        <p14:creationId xmlns:p14="http://schemas.microsoft.com/office/powerpoint/2010/main" val="2076429919"/>
+      </p:ext>
+    </p:extLst>
+  </p:cSld>
+  <p:clrMapOvr>
+    <a:masterClrMapping/>
+  </p:clrMapOvr>
+</p:sld>
+</file>
+
+<file path=ppt/slides/slide14.xml><?xml version="1.0" encoding="utf-8"?>
+<p:sld xmlns:a="http://schemas.openxmlformats.org/drawingml/2006/main" xmlns:r="http://schemas.openxmlformats.org/officeDocument/2006/relationships" xmlns:p="http://schemas.openxmlformats.org/presentationml/2006/main">
+  <p:cSld>
+    <p:spTree>
+      <p:nvGrpSpPr>
+        <p:cNvPr id="1" name=""/>
+        <p:cNvGrpSpPr/>
+        <p:nvPr/>
+      </p:nvGrpSpPr>
+      <p:grpSpPr>
+        <a:xfrm>
+          <a:off x="0" y="0"/>
+          <a:ext cx="0" cy="0"/>
+          <a:chOff x="0" y="0"/>
+          <a:chExt cx="0" cy="0"/>
+        </a:xfrm>
+      </p:grpSpPr>
+      <p:sp>
+        <p:nvSpPr>
+          <p:cNvPr id="2" name="Title 1">
+            <a:extLst>
+              <a:ext uri="{FF2B5EF4-FFF2-40B4-BE49-F238E27FC236}">
+                <a16:creationId xmlns:a16="http://schemas.microsoft.com/office/drawing/2014/main" id="{79D87D88-FD60-4F0A-BAEA-5B0E9483A5B8}"/>
+              </a:ext>
+            </a:extLst>
+          </p:cNvPr>
+          <p:cNvSpPr>
+            <a:spLocks noGrp="1"/>
+          </p:cNvSpPr>
+          <p:nvPr>
+            <p:ph type="title"/>
+          </p:nvPr>
+        </p:nvSpPr>
+        <p:spPr/>
+        <p:txBody>
+          <a:bodyPr/>
+          <a:lstStyle/>
+          <a:p>
+            <a:r>
+              <a:rPr lang="en-GB" dirty="0"/>
+              <a:t>String Theory</a:t>
+            </a:r>
+          </a:p>
+        </p:txBody>
+      </p:sp>
+      <p:sp>
+        <p:nvSpPr>
+          <p:cNvPr id="3" name="Slide Number Placeholder 2">
+            <a:extLst>
+              <a:ext uri="{FF2B5EF4-FFF2-40B4-BE49-F238E27FC236}">
+                <a16:creationId xmlns:a16="http://schemas.microsoft.com/office/drawing/2014/main" id="{4EC17D5D-4D35-4586-B191-88DB51D18705}"/>
+              </a:ext>
+            </a:extLst>
+          </p:cNvPr>
+          <p:cNvSpPr>
+            <a:spLocks noGrp="1"/>
+          </p:cNvSpPr>
+          <p:nvPr>
+            <p:ph type="sldNum" sz="quarter" idx="12"/>
+          </p:nvPr>
+        </p:nvSpPr>
+        <p:spPr/>
+        <p:txBody>
+          <a:bodyPr/>
+          <a:lstStyle/>
+          <a:p>
+            <a:fld id="{89C4E583-6443-4199-AF95-A2ECCC288D48}" type="slidenum">
+              <a:rPr lang="en-GB" smtClean="0"/>
+              <a:t>14</a:t>
+            </a:fld>
+            <a:endParaRPr lang="en-GB"/>
+          </a:p>
+        </p:txBody>
+      </p:sp>
+    </p:spTree>
+    <p:extLst>
+      <p:ext uri="{BB962C8B-B14F-4D97-AF65-F5344CB8AC3E}">
+        <p14:creationId xmlns:p14="http://schemas.microsoft.com/office/powerpoint/2010/main" val="2830970237"/>
+      </p:ext>
+    </p:extLst>
+  </p:cSld>
+  <p:clrMapOvr>
+    <a:masterClrMapping/>
+  </p:clrMapOvr>
+</p:sld>
+</file>
+
+<file path=ppt/slides/slide15.xml><?xml version="1.0" encoding="utf-8"?>
+<p:sld xmlns:a="http://schemas.openxmlformats.org/drawingml/2006/main" xmlns:r="http://schemas.openxmlformats.org/officeDocument/2006/relationships" xmlns:p="http://schemas.openxmlformats.org/presentationml/2006/main">
+  <p:cSld>
+    <p:spTree>
+      <p:nvGrpSpPr>
+        <p:cNvPr id="1" name=""/>
+        <p:cNvGrpSpPr/>
+        <p:nvPr/>
+      </p:nvGrpSpPr>
+      <p:grpSpPr>
+        <a:xfrm>
+          <a:off x="0" y="0"/>
+          <a:ext cx="0" cy="0"/>
+          <a:chOff x="0" y="0"/>
+          <a:chExt cx="0" cy="0"/>
+        </a:xfrm>
+      </p:grpSpPr>
+      <p:sp>
+        <p:nvSpPr>
+          <p:cNvPr id="2" name="Title 1">
+            <a:extLst>
+              <a:ext uri="{FF2B5EF4-FFF2-40B4-BE49-F238E27FC236}">
+                <a16:creationId xmlns:a16="http://schemas.microsoft.com/office/drawing/2014/main" id="{A9BE25F3-A92A-4402-876C-6E86A2A2C29B}"/>
+              </a:ext>
+            </a:extLst>
+          </p:cNvPr>
+          <p:cNvSpPr>
+            <a:spLocks noGrp="1"/>
+          </p:cNvSpPr>
+          <p:nvPr>
+            <p:ph type="title"/>
+          </p:nvPr>
+        </p:nvSpPr>
+        <p:spPr/>
+        <p:txBody>
+          <a:bodyPr/>
+          <a:lstStyle/>
+          <a:p>
+            <a:r>
+              <a:rPr lang="en-GB" dirty="0"/>
+              <a:t>Formatting</a:t>
+            </a:r>
+          </a:p>
+        </p:txBody>
+      </p:sp>
+      <p:sp>
+        <p:nvSpPr>
+          <p:cNvPr id="3" name="Slide Number Placeholder 2">
+            <a:extLst>
+              <a:ext uri="{FF2B5EF4-FFF2-40B4-BE49-F238E27FC236}">
+                <a16:creationId xmlns:a16="http://schemas.microsoft.com/office/drawing/2014/main" id="{CC76DCD6-8E3D-44C5-9FDF-C4D0175AF291}"/>
+              </a:ext>
+            </a:extLst>
+          </p:cNvPr>
+          <p:cNvSpPr>
+            <a:spLocks noGrp="1"/>
+          </p:cNvSpPr>
+          <p:nvPr>
+            <p:ph type="sldNum" sz="quarter" idx="12"/>
+          </p:nvPr>
+        </p:nvSpPr>
+        <p:spPr/>
+        <p:txBody>
+          <a:bodyPr/>
+          <a:lstStyle/>
+          <a:p>
+            <a:fld id="{89C4E583-6443-4199-AF95-A2ECCC288D48}" type="slidenum">
+              <a:rPr lang="en-GB" smtClean="0"/>
+              <a:t>15</a:t>
+            </a:fld>
+            <a:endParaRPr lang="en-GB"/>
+          </a:p>
+        </p:txBody>
+      </p:sp>
+    </p:spTree>
+    <p:extLst>
+      <p:ext uri="{BB962C8B-B14F-4D97-AF65-F5344CB8AC3E}">
+        <p14:creationId xmlns:p14="http://schemas.microsoft.com/office/powerpoint/2010/main" val="1449110585"/>
+      </p:ext>
+    </p:extLst>
+  </p:cSld>
+  <p:clrMapOvr>
+    <a:masterClrMapping/>
+  </p:clrMapOvr>
+</p:sld>
+</file>
+
+<file path=ppt/slides/slide16.xml><?xml version="1.0" encoding="utf-8"?>
+<p:sld xmlns:a="http://schemas.openxmlformats.org/drawingml/2006/main" xmlns:r="http://schemas.openxmlformats.org/officeDocument/2006/relationships" xmlns:p="http://schemas.openxmlformats.org/presentationml/2006/main">
+  <p:cSld>
+    <p:spTree>
+      <p:nvGrpSpPr>
+        <p:cNvPr id="1" name=""/>
+        <p:cNvGrpSpPr/>
+        <p:nvPr/>
+      </p:nvGrpSpPr>
+      <p:grpSpPr>
+        <a:xfrm>
+          <a:off x="0" y="0"/>
+          <a:ext cx="0" cy="0"/>
+          <a:chOff x="0" y="0"/>
+          <a:chExt cx="0" cy="0"/>
+        </a:xfrm>
+      </p:grpSpPr>
+      <p:sp>
+        <p:nvSpPr>
+          <p:cNvPr id="4" name="Title 3">
+            <a:extLst>
+              <a:ext uri="{FF2B5EF4-FFF2-40B4-BE49-F238E27FC236}">
+                <a16:creationId xmlns:a16="http://schemas.microsoft.com/office/drawing/2014/main" id="{4C011BB4-7F9D-4D7F-B7D2-5D1BBE3E1836}"/>
+              </a:ext>
+            </a:extLst>
+          </p:cNvPr>
+          <p:cNvSpPr>
+            <a:spLocks noGrp="1"/>
+          </p:cNvSpPr>
+          <p:nvPr>
+            <p:ph type="title"/>
+          </p:nvPr>
+        </p:nvSpPr>
+        <p:spPr/>
+        <p:txBody>
+          <a:bodyPr/>
+          <a:lstStyle/>
+          <a:p>
+            <a:r>
+              <a:rPr lang="en-GB" dirty="0"/>
+              <a:t>So far</a:t>
+            </a:r>
+          </a:p>
+        </p:txBody>
+      </p:sp>
+      <p:sp>
+        <p:nvSpPr>
+          <p:cNvPr id="5" name="Content Placeholder 4">
+            <a:extLst>
+              <a:ext uri="{FF2B5EF4-FFF2-40B4-BE49-F238E27FC236}">
+                <a16:creationId xmlns:a16="http://schemas.microsoft.com/office/drawing/2014/main" id="{BF6DECF0-64E6-467E-9CF7-1F7D3BAADA1F}"/>
+              </a:ext>
+            </a:extLst>
+          </p:cNvPr>
+          <p:cNvSpPr>
+            <a:spLocks noGrp="1"/>
+          </p:cNvSpPr>
+          <p:nvPr>
+            <p:ph idx="1"/>
+          </p:nvPr>
+        </p:nvSpPr>
+        <p:spPr/>
+        <p:txBody>
+          <a:bodyPr/>
+          <a:lstStyle/>
+          <a:p>
+            <a:r>
+              <a:rPr lang="en-GB" dirty="0"/>
+              <a:t>When we wanted to use a variable in a string, we used this pattern:</a:t>
+            </a:r>
+          </a:p>
+          <a:p>
+            <a:endParaRPr lang="en-GB" dirty="0"/>
+          </a:p>
+          <a:p>
+            <a:r>
+              <a:rPr lang="en-GB" dirty="0"/>
+              <a:t>And sometimes ran into this error:</a:t>
+            </a:r>
+          </a:p>
+          <a:p>
+            <a:endParaRPr lang="en-GB" dirty="0"/>
+          </a:p>
+          <a:p>
+            <a:r>
+              <a:rPr lang="en-GB" dirty="0"/>
+              <a:t>So we needed to cast the variable to a string:</a:t>
+            </a:r>
+          </a:p>
+          <a:p>
+            <a:endParaRPr lang="en-GB" dirty="0"/>
+          </a:p>
+          <a:p>
+            <a:r>
+              <a:rPr lang="en-GB" dirty="0"/>
+              <a:t>This is tedious and gets very convoluted quickly</a:t>
+            </a:r>
+          </a:p>
+        </p:txBody>
+      </p:sp>
+      <p:sp>
+        <p:nvSpPr>
+          <p:cNvPr id="3" name="Slide Number Placeholder 2">
+            <a:extLst>
+              <a:ext uri="{FF2B5EF4-FFF2-40B4-BE49-F238E27FC236}">
+                <a16:creationId xmlns:a16="http://schemas.microsoft.com/office/drawing/2014/main" id="{3FB8C93A-4515-483E-B9B0-E52A7C1F8E4F}"/>
+              </a:ext>
+            </a:extLst>
+          </p:cNvPr>
+          <p:cNvSpPr>
+            <a:spLocks noGrp="1"/>
+          </p:cNvSpPr>
+          <p:nvPr>
+            <p:ph type="sldNum" sz="quarter" idx="12"/>
+          </p:nvPr>
+        </p:nvSpPr>
+        <p:spPr/>
+        <p:txBody>
+          <a:bodyPr/>
+          <a:lstStyle/>
+          <a:p>
+            <a:fld id="{89C4E583-6443-4199-AF95-A2ECCC288D48}" type="slidenum">
+              <a:rPr lang="en-GB" smtClean="0"/>
+              <a:t>16</a:t>
+            </a:fld>
+            <a:endParaRPr lang="en-GB"/>
+          </a:p>
+        </p:txBody>
+      </p:sp>
+      <p:sp>
+        <p:nvSpPr>
+          <p:cNvPr id="10" name="Rectangle 9">
+            <a:extLst>
+              <a:ext uri="{FF2B5EF4-FFF2-40B4-BE49-F238E27FC236}">
+                <a16:creationId xmlns:a16="http://schemas.microsoft.com/office/drawing/2014/main" id="{161B4D16-0A75-4336-9571-E3CB2557CA6E}"/>
+              </a:ext>
+            </a:extLst>
+          </p:cNvPr>
+          <p:cNvSpPr/>
+          <p:nvPr/>
+        </p:nvSpPr>
+        <p:spPr>
+          <a:xfrm>
+            <a:off x="1307977" y="2218068"/>
+            <a:ext cx="4196179" cy="584775"/>
+          </a:xfrm>
+          <a:prstGeom prst="rect">
+            <a:avLst/>
+          </a:prstGeom>
+          <a:solidFill>
+            <a:schemeClr val="bg1">
+              <a:lumMod val="95000"/>
+            </a:schemeClr>
+          </a:solidFill>
+        </p:spPr>
+        <p:txBody>
+          <a:bodyPr wrap="square">
+            <a:spAutoFit/>
+          </a:bodyPr>
+          <a:lstStyle/>
+          <a:p>
+            <a:r>
+              <a:rPr lang="en-GB" sz="1600" dirty="0">
+                <a:solidFill>
+                  <a:srgbClr val="333333"/>
+                </a:solidFill>
+                <a:latin typeface="Consolas" panose="020B0609020204030204" pitchFamily="49" charset="0"/>
+              </a:rPr>
+              <a:t>age </a:t>
+            </a:r>
+            <a:r>
+              <a:rPr lang="en-GB" sz="1600" dirty="0">
+                <a:solidFill>
+                  <a:srgbClr val="777777"/>
+                </a:solidFill>
+                <a:latin typeface="Consolas" panose="020B0609020204030204" pitchFamily="49" charset="0"/>
+              </a:rPr>
+              <a:t>=</a:t>
+            </a:r>
+            <a:r>
+              <a:rPr lang="en-GB" sz="1600" dirty="0">
+                <a:solidFill>
+                  <a:srgbClr val="333333"/>
+                </a:solidFill>
+                <a:latin typeface="Consolas" panose="020B0609020204030204" pitchFamily="49" charset="0"/>
+              </a:rPr>
+              <a:t> </a:t>
+            </a:r>
+            <a:r>
+              <a:rPr lang="en-GB" sz="1600" dirty="0">
+                <a:solidFill>
+                  <a:srgbClr val="AB6526"/>
+                </a:solidFill>
+                <a:latin typeface="Consolas" panose="020B0609020204030204" pitchFamily="49" charset="0"/>
+              </a:rPr>
+              <a:t>23</a:t>
+            </a:r>
+            <a:endParaRPr lang="en-GB" sz="1600" dirty="0">
+              <a:solidFill>
+                <a:srgbClr val="333333"/>
+              </a:solidFill>
+              <a:latin typeface="Consolas" panose="020B0609020204030204" pitchFamily="49" charset="0"/>
+            </a:endParaRPr>
+          </a:p>
+          <a:p>
+            <a:r>
+              <a:rPr lang="en-GB" sz="1600" b="1" dirty="0">
+                <a:solidFill>
+                  <a:srgbClr val="AA3731"/>
+                </a:solidFill>
+                <a:latin typeface="Consolas" panose="020B0609020204030204" pitchFamily="49" charset="0"/>
+              </a:rPr>
+              <a:t>print</a:t>
+            </a:r>
+            <a:r>
+              <a:rPr lang="en-GB" sz="1600" dirty="0">
+                <a:solidFill>
+                  <a:srgbClr val="777777"/>
+                </a:solidFill>
+                <a:latin typeface="Consolas" panose="020B0609020204030204" pitchFamily="49" charset="0"/>
+              </a:rPr>
+              <a:t>("</a:t>
+            </a:r>
+            <a:r>
+              <a:rPr lang="en-GB" sz="1600" dirty="0">
+                <a:solidFill>
+                  <a:srgbClr val="448C27"/>
+                </a:solidFill>
+                <a:latin typeface="Consolas" panose="020B0609020204030204" pitchFamily="49" charset="0"/>
+              </a:rPr>
+              <a:t>My age is </a:t>
+            </a:r>
+            <a:r>
+              <a:rPr lang="en-GB" sz="1600" dirty="0">
+                <a:solidFill>
+                  <a:srgbClr val="777777"/>
+                </a:solidFill>
+                <a:latin typeface="Consolas" panose="020B0609020204030204" pitchFamily="49" charset="0"/>
+              </a:rPr>
+              <a:t>"</a:t>
+            </a:r>
+            <a:r>
+              <a:rPr lang="en-GB" sz="1600" dirty="0">
+                <a:solidFill>
+                  <a:srgbClr val="333333"/>
+                </a:solidFill>
+                <a:latin typeface="Consolas" panose="020B0609020204030204" pitchFamily="49" charset="0"/>
+              </a:rPr>
+              <a:t> </a:t>
+            </a:r>
+            <a:r>
+              <a:rPr lang="en-GB" sz="1600" dirty="0">
+                <a:solidFill>
+                  <a:srgbClr val="777777"/>
+                </a:solidFill>
+                <a:latin typeface="Consolas" panose="020B0609020204030204" pitchFamily="49" charset="0"/>
+              </a:rPr>
+              <a:t>+</a:t>
+            </a:r>
+            <a:r>
+              <a:rPr lang="en-GB" sz="1600" dirty="0">
+                <a:solidFill>
+                  <a:srgbClr val="333333"/>
+                </a:solidFill>
+                <a:latin typeface="Consolas" panose="020B0609020204030204" pitchFamily="49" charset="0"/>
+              </a:rPr>
+              <a:t> age </a:t>
+            </a:r>
+            <a:r>
+              <a:rPr lang="en-GB" sz="1600" dirty="0">
+                <a:solidFill>
+                  <a:srgbClr val="777777"/>
+                </a:solidFill>
+                <a:latin typeface="Consolas" panose="020B0609020204030204" pitchFamily="49" charset="0"/>
+              </a:rPr>
+              <a:t>+</a:t>
+            </a:r>
+            <a:r>
+              <a:rPr lang="en-GB" sz="1600" dirty="0">
+                <a:solidFill>
+                  <a:srgbClr val="333333"/>
+                </a:solidFill>
+                <a:latin typeface="Consolas" panose="020B0609020204030204" pitchFamily="49" charset="0"/>
+              </a:rPr>
+              <a:t> </a:t>
+            </a:r>
+            <a:r>
+              <a:rPr lang="en-GB" sz="1600" dirty="0">
+                <a:solidFill>
+                  <a:srgbClr val="777777"/>
+                </a:solidFill>
+                <a:latin typeface="Consolas" panose="020B0609020204030204" pitchFamily="49" charset="0"/>
+              </a:rPr>
+              <a:t>"</a:t>
+            </a:r>
+            <a:r>
+              <a:rPr lang="en-GB" sz="1600" dirty="0">
+                <a:solidFill>
+                  <a:srgbClr val="448C27"/>
+                </a:solidFill>
+                <a:latin typeface="Consolas" panose="020B0609020204030204" pitchFamily="49" charset="0"/>
+              </a:rPr>
+              <a:t>!</a:t>
+            </a:r>
+            <a:r>
+              <a:rPr lang="en-GB" sz="1600" dirty="0">
+                <a:solidFill>
+                  <a:srgbClr val="777777"/>
+                </a:solidFill>
+                <a:latin typeface="Consolas" panose="020B0609020204030204" pitchFamily="49" charset="0"/>
+              </a:rPr>
+              <a:t>")</a:t>
+            </a:r>
+            <a:endParaRPr lang="en-GB" sz="1600" b="0" dirty="0">
+              <a:solidFill>
+                <a:srgbClr val="333333"/>
+              </a:solidFill>
+              <a:effectLst/>
+              <a:latin typeface="Consolas" panose="020B0609020204030204" pitchFamily="49" charset="0"/>
+            </a:endParaRPr>
+          </a:p>
+        </p:txBody>
+      </p:sp>
+      <p:sp>
+        <p:nvSpPr>
+          <p:cNvPr id="11" name="Rectangle 10">
+            <a:extLst>
+              <a:ext uri="{FF2B5EF4-FFF2-40B4-BE49-F238E27FC236}">
+                <a16:creationId xmlns:a16="http://schemas.microsoft.com/office/drawing/2014/main" id="{19E4AA35-923C-45D9-99B8-D1FD68FE0A02}"/>
+              </a:ext>
+            </a:extLst>
+          </p:cNvPr>
+          <p:cNvSpPr/>
+          <p:nvPr/>
+        </p:nvSpPr>
+        <p:spPr>
+          <a:xfrm>
+            <a:off x="5658035" y="2802843"/>
+            <a:ext cx="5225988" cy="1077218"/>
+          </a:xfrm>
+          <a:prstGeom prst="rect">
+            <a:avLst/>
+          </a:prstGeom>
+          <a:solidFill>
+            <a:schemeClr val="bg1">
+              <a:lumMod val="95000"/>
+            </a:schemeClr>
+          </a:solidFill>
+        </p:spPr>
+        <p:txBody>
+          <a:bodyPr wrap="square">
+            <a:spAutoFit/>
+          </a:bodyPr>
+          <a:lstStyle/>
+          <a:p>
+            <a:r>
+              <a:rPr lang="en-GB" sz="1600" dirty="0">
+                <a:latin typeface="Consolas" panose="020B0609020204030204" pitchFamily="49" charset="0"/>
+              </a:rPr>
+              <a:t>Traceback (most recent call last):</a:t>
+            </a:r>
+          </a:p>
+          <a:p>
+            <a:r>
+              <a:rPr lang="en-GB" sz="1600" dirty="0">
+                <a:latin typeface="Consolas" panose="020B0609020204030204" pitchFamily="49" charset="0"/>
+              </a:rPr>
+              <a:t>  File "lecture_code.py", line 2, in &lt;module&gt;</a:t>
+            </a:r>
+          </a:p>
+          <a:p>
+            <a:r>
+              <a:rPr lang="en-GB" sz="1600" dirty="0">
+                <a:latin typeface="Consolas" panose="020B0609020204030204" pitchFamily="49" charset="0"/>
+              </a:rPr>
+              <a:t>    print("My age is " + age + "!")</a:t>
+            </a:r>
+          </a:p>
+          <a:p>
+            <a:r>
+              <a:rPr lang="en-GB" sz="1600" dirty="0" err="1">
+                <a:latin typeface="Consolas" panose="020B0609020204030204" pitchFamily="49" charset="0"/>
+              </a:rPr>
+              <a:t>TypeError</a:t>
+            </a:r>
+            <a:r>
+              <a:rPr lang="en-GB" sz="1600" dirty="0">
+                <a:latin typeface="Consolas" panose="020B0609020204030204" pitchFamily="49" charset="0"/>
+              </a:rPr>
+              <a:t>: must be str, not int</a:t>
+            </a:r>
+          </a:p>
+        </p:txBody>
+      </p:sp>
+      <p:sp>
+        <p:nvSpPr>
+          <p:cNvPr id="12" name="Rectangle 11">
+            <a:extLst>
+              <a:ext uri="{FF2B5EF4-FFF2-40B4-BE49-F238E27FC236}">
+                <a16:creationId xmlns:a16="http://schemas.microsoft.com/office/drawing/2014/main" id="{15DFDA89-BE7D-4F91-B3D3-C78935988C97}"/>
+              </a:ext>
+            </a:extLst>
+          </p:cNvPr>
+          <p:cNvSpPr/>
+          <p:nvPr/>
+        </p:nvSpPr>
+        <p:spPr>
+          <a:xfrm>
+            <a:off x="1307977" y="4320579"/>
+            <a:ext cx="4743606" cy="369332"/>
+          </a:xfrm>
+          <a:prstGeom prst="rect">
+            <a:avLst/>
+          </a:prstGeom>
+          <a:solidFill>
+            <a:schemeClr val="bg1">
+              <a:lumMod val="95000"/>
+            </a:schemeClr>
+          </a:solidFill>
+        </p:spPr>
+        <p:txBody>
+          <a:bodyPr wrap="none">
+            <a:spAutoFit/>
+          </a:bodyPr>
+          <a:lstStyle/>
+          <a:p>
+            <a:r>
+              <a:rPr lang="en-GB" b="1" dirty="0">
+                <a:solidFill>
+                  <a:srgbClr val="AA3731"/>
+                </a:solidFill>
+                <a:latin typeface="Consolas" panose="020B0609020204030204" pitchFamily="49" charset="0"/>
+              </a:rPr>
+              <a:t>print</a:t>
+            </a:r>
+            <a:r>
+              <a:rPr lang="en-GB" dirty="0">
+                <a:solidFill>
+                  <a:srgbClr val="777777"/>
+                </a:solidFill>
+                <a:latin typeface="Consolas" panose="020B0609020204030204" pitchFamily="49" charset="0"/>
+              </a:rPr>
+              <a:t>("</a:t>
+            </a:r>
+            <a:r>
+              <a:rPr lang="en-GB" dirty="0">
+                <a:solidFill>
+                  <a:srgbClr val="448C27"/>
+                </a:solidFill>
+                <a:latin typeface="Consolas" panose="020B0609020204030204" pitchFamily="49" charset="0"/>
+              </a:rPr>
+              <a:t>My age is </a:t>
+            </a:r>
+            <a:r>
+              <a:rPr lang="en-GB" dirty="0">
+                <a:solidFill>
+                  <a:srgbClr val="777777"/>
+                </a:solidFill>
+                <a:latin typeface="Consolas" panose="020B0609020204030204" pitchFamily="49" charset="0"/>
+              </a:rPr>
+              <a:t>"</a:t>
+            </a:r>
+            <a:r>
+              <a:rPr lang="en-GB" dirty="0">
+                <a:solidFill>
+                  <a:srgbClr val="333333"/>
+                </a:solidFill>
+                <a:latin typeface="Consolas" panose="020B0609020204030204" pitchFamily="49" charset="0"/>
+              </a:rPr>
+              <a:t> </a:t>
+            </a:r>
+            <a:r>
+              <a:rPr lang="en-GB" dirty="0">
+                <a:solidFill>
+                  <a:srgbClr val="777777"/>
+                </a:solidFill>
+                <a:latin typeface="Consolas" panose="020B0609020204030204" pitchFamily="49" charset="0"/>
+              </a:rPr>
+              <a:t>+</a:t>
+            </a:r>
+            <a:r>
+              <a:rPr lang="en-GB" dirty="0">
+                <a:solidFill>
+                  <a:srgbClr val="333333"/>
+                </a:solidFill>
+                <a:latin typeface="Consolas" panose="020B0609020204030204" pitchFamily="49" charset="0"/>
+              </a:rPr>
+              <a:t> </a:t>
+            </a:r>
+            <a:r>
+              <a:rPr lang="en-GB" dirty="0">
+                <a:solidFill>
+                  <a:srgbClr val="7A3E9D"/>
+                </a:solidFill>
+                <a:latin typeface="Consolas" panose="020B0609020204030204" pitchFamily="49" charset="0"/>
+              </a:rPr>
+              <a:t>str</a:t>
+            </a:r>
+            <a:r>
+              <a:rPr lang="en-GB" dirty="0">
+                <a:solidFill>
+                  <a:srgbClr val="777777"/>
+                </a:solidFill>
+                <a:latin typeface="Consolas" panose="020B0609020204030204" pitchFamily="49" charset="0"/>
+              </a:rPr>
+              <a:t>(</a:t>
+            </a:r>
+            <a:r>
+              <a:rPr lang="en-GB" dirty="0">
+                <a:solidFill>
+                  <a:srgbClr val="333333"/>
+                </a:solidFill>
+                <a:latin typeface="Consolas" panose="020B0609020204030204" pitchFamily="49" charset="0"/>
+              </a:rPr>
+              <a:t>age</a:t>
+            </a:r>
+            <a:r>
+              <a:rPr lang="en-GB" dirty="0">
+                <a:solidFill>
+                  <a:srgbClr val="777777"/>
+                </a:solidFill>
+                <a:latin typeface="Consolas" panose="020B0609020204030204" pitchFamily="49" charset="0"/>
+              </a:rPr>
+              <a:t>)</a:t>
+            </a:r>
+            <a:r>
+              <a:rPr lang="en-GB" dirty="0">
+                <a:solidFill>
+                  <a:srgbClr val="333333"/>
+                </a:solidFill>
+                <a:latin typeface="Consolas" panose="020B0609020204030204" pitchFamily="49" charset="0"/>
+              </a:rPr>
+              <a:t> </a:t>
+            </a:r>
+            <a:r>
+              <a:rPr lang="en-GB" dirty="0">
+                <a:solidFill>
+                  <a:srgbClr val="777777"/>
+                </a:solidFill>
+                <a:latin typeface="Consolas" panose="020B0609020204030204" pitchFamily="49" charset="0"/>
+              </a:rPr>
+              <a:t>+</a:t>
+            </a:r>
+            <a:r>
+              <a:rPr lang="en-GB" dirty="0">
+                <a:solidFill>
+                  <a:srgbClr val="333333"/>
+                </a:solidFill>
+                <a:latin typeface="Consolas" panose="020B0609020204030204" pitchFamily="49" charset="0"/>
+              </a:rPr>
+              <a:t> </a:t>
+            </a:r>
+            <a:r>
+              <a:rPr lang="en-GB" dirty="0">
+                <a:solidFill>
+                  <a:srgbClr val="777777"/>
+                </a:solidFill>
+                <a:latin typeface="Consolas" panose="020B0609020204030204" pitchFamily="49" charset="0"/>
+              </a:rPr>
+              <a:t>"</a:t>
+            </a:r>
+            <a:r>
+              <a:rPr lang="en-GB" dirty="0">
+                <a:solidFill>
+                  <a:srgbClr val="448C27"/>
+                </a:solidFill>
+                <a:latin typeface="Consolas" panose="020B0609020204030204" pitchFamily="49" charset="0"/>
+              </a:rPr>
+              <a:t>!</a:t>
+            </a:r>
+            <a:r>
+              <a:rPr lang="en-GB" dirty="0">
+                <a:solidFill>
+                  <a:srgbClr val="777777"/>
+                </a:solidFill>
+                <a:latin typeface="Consolas" panose="020B0609020204030204" pitchFamily="49" charset="0"/>
+              </a:rPr>
+              <a:t>")</a:t>
+            </a:r>
+            <a:endParaRPr lang="en-GB" b="0" dirty="0">
+              <a:solidFill>
+                <a:srgbClr val="333333"/>
+              </a:solidFill>
+              <a:effectLst/>
+              <a:latin typeface="Consolas" panose="020B0609020204030204" pitchFamily="49" charset="0"/>
+            </a:endParaRPr>
+          </a:p>
+        </p:txBody>
+      </p:sp>
+    </p:spTree>
+    <p:extLst>
+      <p:ext uri="{BB962C8B-B14F-4D97-AF65-F5344CB8AC3E}">
+        <p14:creationId xmlns:p14="http://schemas.microsoft.com/office/powerpoint/2010/main" val="3495758625"/>
+      </p:ext>
+    </p:extLst>
+  </p:cSld>
+  <p:clrMapOvr>
+    <a:masterClrMapping/>
+  </p:clrMapOvr>
+</p:sld>
+</file>
+
+<file path=ppt/slides/slide17.xml><?xml version="1.0" encoding="utf-8"?>
+<p:sld xmlns:a="http://schemas.openxmlformats.org/drawingml/2006/main" xmlns:r="http://schemas.openxmlformats.org/officeDocument/2006/relationships" xmlns:p="http://schemas.openxmlformats.org/presentationml/2006/main">
+  <p:cSld>
+    <p:spTree>
+      <p:nvGrpSpPr>
+        <p:cNvPr id="1" name=""/>
+        <p:cNvGrpSpPr/>
+        <p:nvPr/>
+      </p:nvGrpSpPr>
+      <p:grpSpPr>
+        <a:xfrm>
+          <a:off x="0" y="0"/>
+          <a:ext cx="0" cy="0"/>
+          <a:chOff x="0" y="0"/>
+          <a:chExt cx="0" cy="0"/>
+        </a:xfrm>
+      </p:grpSpPr>
+      <p:sp>
+        <p:nvSpPr>
+          <p:cNvPr id="4" name="Title 3">
+            <a:extLst>
+              <a:ext uri="{FF2B5EF4-FFF2-40B4-BE49-F238E27FC236}">
+                <a16:creationId xmlns:a16="http://schemas.microsoft.com/office/drawing/2014/main" id="{E250F52F-B109-4EF4-AD61-97CB550E75D8}"/>
+              </a:ext>
+            </a:extLst>
+          </p:cNvPr>
+          <p:cNvSpPr>
+            <a:spLocks noGrp="1"/>
+          </p:cNvSpPr>
+          <p:nvPr>
+            <p:ph type="title"/>
+          </p:nvPr>
+        </p:nvSpPr>
+        <p:spPr/>
+        <p:txBody>
+          <a:bodyPr/>
+          <a:lstStyle/>
+          <a:p>
+            <a:r>
+              <a:rPr lang="en-GB" dirty="0"/>
+              <a:t>A new String in town</a:t>
+            </a:r>
+          </a:p>
+        </p:txBody>
+      </p:sp>
+      <p:sp>
+        <p:nvSpPr>
+          <p:cNvPr id="5" name="Content Placeholder 4">
+            <a:extLst>
+              <a:ext uri="{FF2B5EF4-FFF2-40B4-BE49-F238E27FC236}">
+                <a16:creationId xmlns:a16="http://schemas.microsoft.com/office/drawing/2014/main" id="{3ADDA14C-880E-4DB5-B2E5-E06034C40493}"/>
+              </a:ext>
+            </a:extLst>
+          </p:cNvPr>
+          <p:cNvSpPr>
+            <a:spLocks noGrp="1"/>
+          </p:cNvSpPr>
+          <p:nvPr>
+            <p:ph idx="1"/>
+          </p:nvPr>
+        </p:nvSpPr>
+        <p:spPr/>
+        <p:txBody>
+          <a:bodyPr/>
+          <a:lstStyle/>
+          <a:p>
+            <a:r>
+              <a:rPr lang="en-GB" dirty="0"/>
+              <a:t>Most higher level programming languages offer </a:t>
+            </a:r>
+            <a:r>
+              <a:rPr lang="en-GB" i="1" dirty="0"/>
+              <a:t>string formatting</a:t>
+            </a:r>
+            <a:endParaRPr lang="en-GB" dirty="0"/>
+          </a:p>
+          <a:p>
+            <a:r>
+              <a:rPr lang="en-GB" dirty="0"/>
+              <a:t>Formatting allows to input and modify values into a given string</a:t>
+            </a:r>
+          </a:p>
+          <a:p>
+            <a:pPr lvl="1"/>
+            <a:r>
+              <a:rPr lang="en-GB" dirty="0"/>
+              <a:t>We can think of the string as a template, in which we made pre-defined holes</a:t>
+            </a:r>
+          </a:p>
+          <a:p>
+            <a:pPr lvl="1"/>
+            <a:r>
+              <a:rPr lang="en-GB" dirty="0"/>
+              <a:t>Then we fill these holes with our variables, and adjust them to fit the hole</a:t>
+            </a:r>
+          </a:p>
+          <a:p>
+            <a:r>
+              <a:rPr lang="en-GB" dirty="0"/>
+              <a:t>This makes code more readable</a:t>
+            </a:r>
+          </a:p>
+          <a:p>
+            <a:r>
+              <a:rPr lang="en-GB" dirty="0"/>
+              <a:t>And gives us powerful options to how we want to display the values</a:t>
+            </a:r>
+          </a:p>
+          <a:p>
+            <a:r>
+              <a:rPr lang="en-GB" dirty="0"/>
+              <a:t>Python offers us a whole of three options to format strings</a:t>
+            </a:r>
+          </a:p>
+        </p:txBody>
+      </p:sp>
+      <p:sp>
+        <p:nvSpPr>
+          <p:cNvPr id="3" name="Slide Number Placeholder 2">
+            <a:extLst>
+              <a:ext uri="{FF2B5EF4-FFF2-40B4-BE49-F238E27FC236}">
+                <a16:creationId xmlns:a16="http://schemas.microsoft.com/office/drawing/2014/main" id="{33FF72E2-000D-4774-8404-645609C3DC53}"/>
+              </a:ext>
+            </a:extLst>
+          </p:cNvPr>
+          <p:cNvSpPr>
+            <a:spLocks noGrp="1"/>
+          </p:cNvSpPr>
+          <p:nvPr>
+            <p:ph type="sldNum" sz="quarter" idx="12"/>
+          </p:nvPr>
+        </p:nvSpPr>
+        <p:spPr/>
+        <p:txBody>
+          <a:bodyPr/>
+          <a:lstStyle/>
+          <a:p>
+            <a:fld id="{89C4E583-6443-4199-AF95-A2ECCC288D48}" type="slidenum">
+              <a:rPr lang="en-GB" smtClean="0"/>
+              <a:t>17</a:t>
+            </a:fld>
+            <a:endParaRPr lang="en-GB"/>
+          </a:p>
+        </p:txBody>
+      </p:sp>
+    </p:spTree>
+    <p:extLst>
+      <p:ext uri="{BB962C8B-B14F-4D97-AF65-F5344CB8AC3E}">
+        <p14:creationId xmlns:p14="http://schemas.microsoft.com/office/powerpoint/2010/main" val="1123136264"/>
+      </p:ext>
+    </p:extLst>
+  </p:cSld>
+  <p:clrMapOvr>
+    <a:masterClrMapping/>
+  </p:clrMapOvr>
+</p:sld>
+</file>
+
+<file path=ppt/slides/slide18.xml><?xml version="1.0" encoding="utf-8"?>
+<p:sld xmlns:a="http://schemas.openxmlformats.org/drawingml/2006/main" xmlns:r="http://schemas.openxmlformats.org/officeDocument/2006/relationships" xmlns:p="http://schemas.openxmlformats.org/presentationml/2006/main">
+  <p:cSld>
+    <p:spTree>
+      <p:nvGrpSpPr>
+        <p:cNvPr id="1" name=""/>
+        <p:cNvGrpSpPr/>
+        <p:nvPr/>
+      </p:nvGrpSpPr>
+      <p:grpSpPr>
+        <a:xfrm>
+          <a:off x="0" y="0"/>
+          <a:ext cx="0" cy="0"/>
+          <a:chOff x="0" y="0"/>
+          <a:chExt cx="0" cy="0"/>
+        </a:xfrm>
+      </p:grpSpPr>
+      <p:sp>
+        <p:nvSpPr>
+          <p:cNvPr id="2" name="Title 1">
+            <a:extLst>
+              <a:ext uri="{FF2B5EF4-FFF2-40B4-BE49-F238E27FC236}">
+                <a16:creationId xmlns:a16="http://schemas.microsoft.com/office/drawing/2014/main" id="{6304C2DC-FF8A-424D-8743-F2F3D000BC08}"/>
+              </a:ext>
+            </a:extLst>
+          </p:cNvPr>
+          <p:cNvSpPr>
+            <a:spLocks noGrp="1"/>
+          </p:cNvSpPr>
+          <p:nvPr>
+            <p:ph type="title"/>
+          </p:nvPr>
+        </p:nvSpPr>
+        <p:spPr/>
+        <p:txBody>
+          <a:bodyPr/>
+          <a:lstStyle/>
+          <a:p>
+            <a:r>
+              <a:rPr lang="en-GB" dirty="0"/>
+              <a:t>.format()</a:t>
+            </a:r>
+          </a:p>
+        </p:txBody>
+      </p:sp>
+      <p:sp>
+        <p:nvSpPr>
+          <p:cNvPr id="3" name="Content Placeholder 2">
+            <a:extLst>
+              <a:ext uri="{FF2B5EF4-FFF2-40B4-BE49-F238E27FC236}">
+                <a16:creationId xmlns:a16="http://schemas.microsoft.com/office/drawing/2014/main" id="{AFF38528-04C8-4947-A818-F21AC90FD7E1}"/>
+              </a:ext>
+            </a:extLst>
+          </p:cNvPr>
+          <p:cNvSpPr>
+            <a:spLocks noGrp="1"/>
+          </p:cNvSpPr>
+          <p:nvPr>
+            <p:ph idx="1"/>
+          </p:nvPr>
+        </p:nvSpPr>
+        <p:spPr/>
+        <p:txBody>
+          <a:bodyPr/>
+          <a:lstStyle/>
+          <a:p>
+            <a:r>
+              <a:rPr lang="en-GB" dirty="0"/>
+              <a:t>This is probably the most straightforward one</a:t>
+            </a:r>
+          </a:p>
+          <a:p>
+            <a:r>
+              <a:rPr lang="en-GB" dirty="0"/>
+              <a:t>Every string in Python implements the format function</a:t>
+            </a:r>
+          </a:p>
+          <a:p>
+            <a:r>
+              <a:rPr lang="en-GB" dirty="0"/>
+              <a:t>In the string you can use </a:t>
+            </a:r>
+            <a:r>
+              <a:rPr lang="en-GB" sz="2000" dirty="0">
+                <a:latin typeface="Consolas" panose="020B0609020204030204" pitchFamily="49" charset="0"/>
+              </a:rPr>
+              <a:t>{}</a:t>
+            </a:r>
+            <a:r>
+              <a:rPr lang="en-GB" dirty="0"/>
+              <a:t> to mark holes to be filled in</a:t>
+            </a:r>
+          </a:p>
+          <a:p>
+            <a:r>
+              <a:rPr lang="en-GB" dirty="0"/>
+              <a:t>Then you call </a:t>
+            </a:r>
+            <a:r>
+              <a:rPr lang="en-GB" sz="2000" dirty="0">
+                <a:latin typeface="Consolas" panose="020B0609020204030204" pitchFamily="49" charset="0"/>
+              </a:rPr>
+              <a:t>.format(var1, var2)</a:t>
+            </a:r>
+            <a:r>
+              <a:rPr lang="en-GB" dirty="0"/>
+              <a:t> on the string with the variables to be placed</a:t>
+            </a:r>
+          </a:p>
+          <a:p>
+            <a:r>
+              <a:rPr lang="en-GB" dirty="0"/>
+              <a:t>You can swap them around by indexing (0-based) or naming</a:t>
+            </a:r>
+          </a:p>
+          <a:p>
+            <a:pPr lvl="1"/>
+            <a:r>
+              <a:rPr lang="en-GB" dirty="0"/>
+              <a:t>“{1}{0}”.format(“</a:t>
+            </a:r>
+            <a:r>
+              <a:rPr lang="en-GB" dirty="0" err="1"/>
+              <a:t>a”,”b</a:t>
+            </a:r>
+            <a:r>
+              <a:rPr lang="en-GB" dirty="0"/>
+              <a:t>”) -&gt; ‘</a:t>
+            </a:r>
+            <a:r>
+              <a:rPr lang="en-GB" dirty="0" err="1"/>
+              <a:t>ba</a:t>
+            </a:r>
+            <a:r>
+              <a:rPr lang="en-GB" dirty="0"/>
+              <a:t>’</a:t>
+            </a:r>
+          </a:p>
+          <a:p>
+            <a:pPr lvl="1"/>
+            <a:r>
+              <a:rPr lang="en-GB" dirty="0"/>
+              <a:t>“Candidate {0}: {name},{age}”.format(1, age=23,name=‘Fred’) -&gt; ‘Candidate 1: Fred,23’</a:t>
+            </a:r>
+          </a:p>
+          <a:p>
+            <a:endParaRPr lang="en-GB" dirty="0"/>
+          </a:p>
+        </p:txBody>
+      </p:sp>
+      <p:sp>
+        <p:nvSpPr>
+          <p:cNvPr id="4" name="Slide Number Placeholder 3">
+            <a:extLst>
+              <a:ext uri="{FF2B5EF4-FFF2-40B4-BE49-F238E27FC236}">
+                <a16:creationId xmlns:a16="http://schemas.microsoft.com/office/drawing/2014/main" id="{757BE900-3575-4ECA-B655-38ABF9D2DC10}"/>
+              </a:ext>
+            </a:extLst>
+          </p:cNvPr>
+          <p:cNvSpPr>
+            <a:spLocks noGrp="1"/>
+          </p:cNvSpPr>
+          <p:nvPr>
+            <p:ph type="sldNum" sz="quarter" idx="12"/>
+          </p:nvPr>
+        </p:nvSpPr>
+        <p:spPr/>
+        <p:txBody>
+          <a:bodyPr/>
+          <a:lstStyle/>
+          <a:p>
+            <a:fld id="{89C4E583-6443-4199-AF95-A2ECCC288D48}" type="slidenum">
+              <a:rPr lang="en-GB" smtClean="0"/>
+              <a:t>18</a:t>
+            </a:fld>
+            <a:endParaRPr lang="en-GB"/>
+          </a:p>
+        </p:txBody>
+      </p:sp>
+    </p:spTree>
+    <p:extLst>
+      <p:ext uri="{BB962C8B-B14F-4D97-AF65-F5344CB8AC3E}">
+        <p14:creationId xmlns:p14="http://schemas.microsoft.com/office/powerpoint/2010/main" val="1802459922"/>
+      </p:ext>
+    </p:extLst>
+  </p:cSld>
+  <p:clrMapOvr>
+    <a:masterClrMapping/>
+  </p:clrMapOvr>
+</p:sld>
+</file>
+
+<file path=ppt/slides/slide19.xml><?xml version="1.0" encoding="utf-8"?>
+<p:sld xmlns:a="http://schemas.openxmlformats.org/drawingml/2006/main" xmlns:r="http://schemas.openxmlformats.org/officeDocument/2006/relationships" xmlns:p="http://schemas.openxmlformats.org/presentationml/2006/main">
+  <p:cSld>
+    <p:spTree>
+      <p:nvGrpSpPr>
+        <p:cNvPr id="1" name=""/>
+        <p:cNvGrpSpPr/>
+        <p:nvPr/>
+      </p:nvGrpSpPr>
+      <p:grpSpPr>
+        <a:xfrm>
+          <a:off x="0" y="0"/>
+          <a:ext cx="0" cy="0"/>
+          <a:chOff x="0" y="0"/>
+          <a:chExt cx="0" cy="0"/>
+        </a:xfrm>
+      </p:grpSpPr>
+      <p:sp>
+        <p:nvSpPr>
+          <p:cNvPr id="2" name="Title 1">
+            <a:extLst>
+              <a:ext uri="{FF2B5EF4-FFF2-40B4-BE49-F238E27FC236}">
+                <a16:creationId xmlns:a16="http://schemas.microsoft.com/office/drawing/2014/main" id="{35EFF033-4725-4D1A-A4EE-D1B459C7DD5D}"/>
+              </a:ext>
+            </a:extLst>
+          </p:cNvPr>
+          <p:cNvSpPr>
+            <a:spLocks noGrp="1"/>
+          </p:cNvSpPr>
+          <p:nvPr>
+            <p:ph type="title"/>
+          </p:nvPr>
+        </p:nvSpPr>
+        <p:spPr/>
+        <p:txBody>
+          <a:bodyPr/>
+          <a:lstStyle/>
+          <a:p>
+            <a:r>
+              <a:rPr lang="en-GB" dirty="0"/>
+              <a:t>.format()</a:t>
+            </a:r>
+          </a:p>
+        </p:txBody>
+      </p:sp>
+      <p:sp>
+        <p:nvSpPr>
+          <p:cNvPr id="3" name="Content Placeholder 2">
+            <a:extLst>
+              <a:ext uri="{FF2B5EF4-FFF2-40B4-BE49-F238E27FC236}">
+                <a16:creationId xmlns:a16="http://schemas.microsoft.com/office/drawing/2014/main" id="{39966E63-E232-4487-B52D-AA9F41A1D9F6}"/>
+              </a:ext>
+            </a:extLst>
+          </p:cNvPr>
+          <p:cNvSpPr>
+            <a:spLocks noGrp="1"/>
+          </p:cNvSpPr>
+          <p:nvPr>
+            <p:ph idx="1"/>
+          </p:nvPr>
+        </p:nvSpPr>
+        <p:spPr/>
+        <p:txBody>
+          <a:bodyPr/>
+          <a:lstStyle/>
+          <a:p>
+            <a:r>
+              <a:rPr lang="en-GB" dirty="0"/>
+              <a:t>But you can do more than simply fill in variables</a:t>
+            </a:r>
+          </a:p>
+          <a:p>
+            <a:r>
+              <a:rPr lang="en-GB" dirty="0"/>
+              <a:t>You can format them</a:t>
+            </a:r>
+          </a:p>
+          <a:p>
+            <a:pPr lvl="1"/>
+            <a:r>
+              <a:rPr lang="en-GB" sz="1800" b="1" dirty="0">
+                <a:latin typeface="Consolas" panose="020B0609020204030204" pitchFamily="49" charset="0"/>
+              </a:rPr>
+              <a:t>{[</a:t>
+            </a:r>
+            <a:r>
+              <a:rPr lang="en-GB" sz="1800" dirty="0">
+                <a:latin typeface="Consolas" panose="020B0609020204030204" pitchFamily="49" charset="0"/>
+              </a:rPr>
+              <a:t>name] </a:t>
+            </a:r>
+            <a:r>
+              <a:rPr lang="en-GB" sz="1800" b="1" dirty="0">
+                <a:latin typeface="Consolas" panose="020B0609020204030204" pitchFamily="49" charset="0"/>
+              </a:rPr>
+              <a:t>:</a:t>
+            </a:r>
+            <a:r>
+              <a:rPr lang="en-GB" sz="1800" dirty="0">
+                <a:latin typeface="Consolas" panose="020B0609020204030204" pitchFamily="49" charset="0"/>
+              </a:rPr>
+              <a:t> [[fill]align][sign][width][.precision][type]</a:t>
+            </a:r>
+            <a:r>
+              <a:rPr lang="en-GB" sz="1800" b="1" dirty="0">
+                <a:latin typeface="Consolas" panose="020B0609020204030204" pitchFamily="49" charset="0"/>
+              </a:rPr>
+              <a:t>}</a:t>
+            </a:r>
+          </a:p>
+          <a:p>
+            <a:endParaRPr lang="en-GB" dirty="0"/>
+          </a:p>
+          <a:p>
+            <a:endParaRPr lang="en-GB" dirty="0"/>
+          </a:p>
+          <a:p>
+            <a:r>
+              <a:rPr lang="en-GB" dirty="0"/>
+              <a:t>For more info and details</a:t>
+            </a:r>
+          </a:p>
+          <a:p>
+            <a:pPr lvl="1"/>
+            <a:r>
+              <a:rPr lang="en-GB" dirty="0">
+                <a:hlinkClick r:id="rId2"/>
+              </a:rPr>
+              <a:t>https://docs.python.org/3.6/library/string.html#format-string-syntax</a:t>
+            </a:r>
+            <a:r>
+              <a:rPr lang="en-GB" dirty="0"/>
+              <a:t> </a:t>
+            </a:r>
+          </a:p>
+        </p:txBody>
+      </p:sp>
+      <p:sp>
+        <p:nvSpPr>
+          <p:cNvPr id="4" name="Slide Number Placeholder 3">
+            <a:extLst>
+              <a:ext uri="{FF2B5EF4-FFF2-40B4-BE49-F238E27FC236}">
+                <a16:creationId xmlns:a16="http://schemas.microsoft.com/office/drawing/2014/main" id="{3AD8F81B-ECCE-47E6-AD59-21E3CC104097}"/>
+              </a:ext>
+            </a:extLst>
+          </p:cNvPr>
+          <p:cNvSpPr>
+            <a:spLocks noGrp="1"/>
+          </p:cNvSpPr>
+          <p:nvPr>
+            <p:ph type="sldNum" sz="quarter" idx="12"/>
+          </p:nvPr>
+        </p:nvSpPr>
+        <p:spPr/>
+        <p:txBody>
+          <a:bodyPr/>
+          <a:lstStyle/>
+          <a:p>
+            <a:fld id="{89C4E583-6443-4199-AF95-A2ECCC288D48}" type="slidenum">
+              <a:rPr lang="en-GB" smtClean="0"/>
+              <a:t>19</a:t>
+            </a:fld>
+            <a:endParaRPr lang="en-GB"/>
+          </a:p>
+        </p:txBody>
+      </p:sp>
+      <p:sp>
+        <p:nvSpPr>
+          <p:cNvPr id="6" name="Rectangle 5">
+            <a:extLst>
+              <a:ext uri="{FF2B5EF4-FFF2-40B4-BE49-F238E27FC236}">
+                <a16:creationId xmlns:a16="http://schemas.microsoft.com/office/drawing/2014/main" id="{B6919446-9E11-4169-B0D4-64AB0F0AFD6A}"/>
+              </a:ext>
+            </a:extLst>
+          </p:cNvPr>
+          <p:cNvSpPr/>
+          <p:nvPr/>
+        </p:nvSpPr>
+        <p:spPr>
+          <a:xfrm>
+            <a:off x="1097280" y="3164249"/>
+            <a:ext cx="3986074" cy="861774"/>
+          </a:xfrm>
+          <a:prstGeom prst="rect">
+            <a:avLst/>
+          </a:prstGeom>
+          <a:solidFill>
+            <a:schemeClr val="bg1">
+              <a:lumMod val="95000"/>
+            </a:schemeClr>
+          </a:solidFill>
+        </p:spPr>
+        <p:txBody>
+          <a:bodyPr wrap="square">
+            <a:spAutoFit/>
+          </a:bodyPr>
+          <a:lstStyle/>
+          <a:p>
+            <a:r>
+              <a:rPr lang="en-GB" sz="1600" b="1" dirty="0">
+                <a:solidFill>
+                  <a:srgbClr val="AA3731"/>
+                </a:solidFill>
+                <a:latin typeface="Consolas" panose="020B0609020204030204" pitchFamily="49" charset="0"/>
+              </a:rPr>
+              <a:t>print</a:t>
+            </a:r>
+            <a:r>
+              <a:rPr lang="en-GB" sz="1600" dirty="0">
+                <a:solidFill>
+                  <a:srgbClr val="777777"/>
+                </a:solidFill>
+                <a:latin typeface="Consolas" panose="020B0609020204030204" pitchFamily="49" charset="0"/>
+              </a:rPr>
+              <a:t>("</a:t>
+            </a:r>
+            <a:r>
+              <a:rPr lang="en-GB" sz="1600" dirty="0">
+                <a:solidFill>
+                  <a:srgbClr val="AB6526"/>
+                </a:solidFill>
+                <a:latin typeface="Consolas" panose="020B0609020204030204" pitchFamily="49" charset="0"/>
+              </a:rPr>
+              <a:t>{</a:t>
+            </a:r>
+            <a:r>
+              <a:rPr lang="en-GB" sz="1600" dirty="0">
+                <a:solidFill>
+                  <a:srgbClr val="7A3E9D"/>
+                </a:solidFill>
+                <a:latin typeface="Consolas" panose="020B0609020204030204" pitchFamily="49" charset="0"/>
+              </a:rPr>
+              <a:t>:_&gt;10s</a:t>
+            </a:r>
+            <a:r>
+              <a:rPr lang="en-GB" sz="1600" dirty="0">
+                <a:solidFill>
+                  <a:srgbClr val="AB6526"/>
+                </a:solidFill>
+                <a:latin typeface="Consolas" panose="020B0609020204030204" pitchFamily="49" charset="0"/>
+              </a:rPr>
+              <a:t>}</a:t>
+            </a:r>
+            <a:r>
+              <a:rPr lang="en-GB" sz="1600" dirty="0">
+                <a:solidFill>
+                  <a:srgbClr val="777777"/>
+                </a:solidFill>
+                <a:latin typeface="Consolas" panose="020B0609020204030204" pitchFamily="49" charset="0"/>
+              </a:rPr>
+              <a:t>".</a:t>
+            </a:r>
+            <a:r>
+              <a:rPr lang="en-GB" sz="1600" dirty="0">
+                <a:solidFill>
+                  <a:srgbClr val="333333"/>
+                </a:solidFill>
+                <a:latin typeface="Consolas" panose="020B0609020204030204" pitchFamily="49" charset="0"/>
+              </a:rPr>
+              <a:t>format</a:t>
+            </a:r>
+            <a:r>
+              <a:rPr lang="en-GB" sz="1600" dirty="0">
+                <a:solidFill>
+                  <a:srgbClr val="777777"/>
+                </a:solidFill>
+                <a:latin typeface="Consolas" panose="020B0609020204030204" pitchFamily="49" charset="0"/>
+              </a:rPr>
+              <a:t>("</a:t>
+            </a:r>
+            <a:r>
+              <a:rPr lang="en-GB" sz="1600" dirty="0">
+                <a:solidFill>
+                  <a:srgbClr val="448C27"/>
+                </a:solidFill>
+                <a:latin typeface="Consolas" panose="020B0609020204030204" pitchFamily="49" charset="0"/>
+              </a:rPr>
+              <a:t>hi</a:t>
+            </a:r>
+            <a:r>
+              <a:rPr lang="en-GB" sz="1600" dirty="0">
+                <a:solidFill>
+                  <a:srgbClr val="777777"/>
+                </a:solidFill>
+                <a:latin typeface="Consolas" panose="020B0609020204030204" pitchFamily="49" charset="0"/>
+              </a:rPr>
+              <a:t>"))</a:t>
+            </a:r>
+            <a:endParaRPr lang="en-GB" sz="1600" dirty="0">
+              <a:solidFill>
+                <a:srgbClr val="333333"/>
+              </a:solidFill>
+              <a:latin typeface="Consolas" panose="020B0609020204030204" pitchFamily="49" charset="0"/>
+            </a:endParaRPr>
+          </a:p>
+          <a:p>
+            <a:r>
+              <a:rPr lang="en-GB" sz="1600" b="1" dirty="0">
+                <a:solidFill>
+                  <a:srgbClr val="AA3731"/>
+                </a:solidFill>
+                <a:latin typeface="Consolas" panose="020B0609020204030204" pitchFamily="49" charset="0"/>
+              </a:rPr>
+              <a:t>print</a:t>
+            </a:r>
+            <a:r>
+              <a:rPr lang="en-GB" sz="1600" dirty="0">
+                <a:solidFill>
+                  <a:srgbClr val="777777"/>
+                </a:solidFill>
+                <a:latin typeface="Consolas" panose="020B0609020204030204" pitchFamily="49" charset="0"/>
+              </a:rPr>
+              <a:t>("</a:t>
+            </a:r>
+            <a:r>
+              <a:rPr lang="en-GB" sz="1600" dirty="0">
+                <a:solidFill>
+                  <a:srgbClr val="AB6526"/>
+                </a:solidFill>
+                <a:latin typeface="Consolas" panose="020B0609020204030204" pitchFamily="49" charset="0"/>
+              </a:rPr>
+              <a:t>{</a:t>
+            </a:r>
+            <a:r>
+              <a:rPr lang="en-GB" sz="1600" dirty="0">
+                <a:solidFill>
+                  <a:srgbClr val="7A3E9D"/>
+                </a:solidFill>
+                <a:latin typeface="Consolas" panose="020B0609020204030204" pitchFamily="49" charset="0"/>
+              </a:rPr>
+              <a:t>:+4</a:t>
+            </a:r>
+            <a:r>
+              <a:rPr lang="en-GB" sz="1600" dirty="0">
+                <a:solidFill>
+                  <a:srgbClr val="AB6526"/>
+                </a:solidFill>
+                <a:latin typeface="Consolas" panose="020B0609020204030204" pitchFamily="49" charset="0"/>
+              </a:rPr>
+              <a:t>}</a:t>
+            </a:r>
+            <a:r>
+              <a:rPr lang="en-GB" sz="1600" dirty="0">
+                <a:solidFill>
+                  <a:srgbClr val="777777"/>
+                </a:solidFill>
+                <a:latin typeface="Consolas" panose="020B0609020204030204" pitchFamily="49" charset="0"/>
+              </a:rPr>
+              <a:t>".</a:t>
+            </a:r>
+            <a:r>
+              <a:rPr lang="en-GB" sz="1600" dirty="0">
+                <a:solidFill>
+                  <a:srgbClr val="333333"/>
+                </a:solidFill>
+                <a:latin typeface="Consolas" panose="020B0609020204030204" pitchFamily="49" charset="0"/>
+              </a:rPr>
+              <a:t>format</a:t>
+            </a:r>
+            <a:r>
+              <a:rPr lang="en-GB" sz="1600" dirty="0">
+                <a:solidFill>
+                  <a:srgbClr val="777777"/>
+                </a:solidFill>
+                <a:latin typeface="Consolas" panose="020B0609020204030204" pitchFamily="49" charset="0"/>
+              </a:rPr>
+              <a:t>(</a:t>
+            </a:r>
+            <a:r>
+              <a:rPr lang="en-GB" sz="1600" dirty="0">
+                <a:solidFill>
+                  <a:srgbClr val="AB6526"/>
+                </a:solidFill>
+                <a:latin typeface="Consolas" panose="020B0609020204030204" pitchFamily="49" charset="0"/>
+              </a:rPr>
+              <a:t>35</a:t>
+            </a:r>
+            <a:r>
+              <a:rPr lang="en-GB" sz="1600" dirty="0">
+                <a:solidFill>
+                  <a:srgbClr val="777777"/>
+                </a:solidFill>
+                <a:latin typeface="Consolas" panose="020B0609020204030204" pitchFamily="49" charset="0"/>
+              </a:rPr>
+              <a:t>))</a:t>
+            </a:r>
+            <a:endParaRPr lang="en-GB" sz="1600" dirty="0">
+              <a:solidFill>
+                <a:srgbClr val="333333"/>
+              </a:solidFill>
+              <a:latin typeface="Consolas" panose="020B0609020204030204" pitchFamily="49" charset="0"/>
+            </a:endParaRPr>
+          </a:p>
+          <a:p>
+            <a:r>
+              <a:rPr lang="en-GB" sz="1600" b="1" dirty="0">
+                <a:solidFill>
+                  <a:srgbClr val="AA3731"/>
+                </a:solidFill>
+                <a:latin typeface="Consolas" panose="020B0609020204030204" pitchFamily="49" charset="0"/>
+              </a:rPr>
+              <a:t>print</a:t>
+            </a:r>
+            <a:r>
+              <a:rPr lang="en-GB" sz="1600" dirty="0">
+                <a:solidFill>
+                  <a:srgbClr val="777777"/>
+                </a:solidFill>
+                <a:latin typeface="Consolas" panose="020B0609020204030204" pitchFamily="49" charset="0"/>
+              </a:rPr>
+              <a:t>("</a:t>
+            </a:r>
+            <a:r>
+              <a:rPr lang="en-GB" sz="1600" dirty="0">
+                <a:solidFill>
+                  <a:srgbClr val="AB6526"/>
+                </a:solidFill>
+                <a:latin typeface="Consolas" panose="020B0609020204030204" pitchFamily="49" charset="0"/>
+              </a:rPr>
+              <a:t>{</a:t>
+            </a:r>
+            <a:r>
+              <a:rPr lang="en-GB" sz="1600" dirty="0">
+                <a:solidFill>
+                  <a:srgbClr val="7A3E9D"/>
+                </a:solidFill>
+                <a:latin typeface="Consolas" panose="020B0609020204030204" pitchFamily="49" charset="0"/>
+              </a:rPr>
+              <a:t>:10.3f</a:t>
+            </a:r>
+            <a:r>
+              <a:rPr lang="en-GB" sz="1600" dirty="0">
+                <a:solidFill>
+                  <a:srgbClr val="AB6526"/>
+                </a:solidFill>
+                <a:latin typeface="Consolas" panose="020B0609020204030204" pitchFamily="49" charset="0"/>
+              </a:rPr>
+              <a:t>}</a:t>
+            </a:r>
+            <a:r>
+              <a:rPr lang="en-GB" sz="1600" dirty="0">
+                <a:solidFill>
+                  <a:srgbClr val="777777"/>
+                </a:solidFill>
+                <a:latin typeface="Consolas" panose="020B0609020204030204" pitchFamily="49" charset="0"/>
+              </a:rPr>
+              <a:t>".</a:t>
+            </a:r>
+            <a:r>
+              <a:rPr lang="en-GB" sz="1600" dirty="0">
+                <a:solidFill>
+                  <a:srgbClr val="333333"/>
+                </a:solidFill>
+                <a:latin typeface="Consolas" panose="020B0609020204030204" pitchFamily="49" charset="0"/>
+              </a:rPr>
+              <a:t>format</a:t>
+            </a:r>
+            <a:r>
+              <a:rPr lang="en-GB" sz="1600" dirty="0">
+                <a:solidFill>
+                  <a:srgbClr val="777777"/>
+                </a:solidFill>
+                <a:latin typeface="Consolas" panose="020B0609020204030204" pitchFamily="49" charset="0"/>
+              </a:rPr>
+              <a:t>(</a:t>
+            </a:r>
+            <a:r>
+              <a:rPr lang="en-GB" sz="1600" dirty="0">
+                <a:solidFill>
+                  <a:srgbClr val="AB6526"/>
+                </a:solidFill>
+                <a:latin typeface="Consolas" panose="020B0609020204030204" pitchFamily="49" charset="0"/>
+              </a:rPr>
+              <a:t>1</a:t>
+            </a:r>
+            <a:r>
+              <a:rPr lang="en-GB" sz="1600" dirty="0">
+                <a:solidFill>
+                  <a:srgbClr val="777777"/>
+                </a:solidFill>
+                <a:latin typeface="Consolas" panose="020B0609020204030204" pitchFamily="49" charset="0"/>
+              </a:rPr>
+              <a:t>/</a:t>
+            </a:r>
+            <a:r>
+              <a:rPr lang="en-GB" sz="1600" dirty="0">
+                <a:solidFill>
+                  <a:srgbClr val="AB6526"/>
+                </a:solidFill>
+                <a:latin typeface="Consolas" panose="020B0609020204030204" pitchFamily="49" charset="0"/>
+              </a:rPr>
+              <a:t>3</a:t>
+            </a:r>
+            <a:r>
+              <a:rPr lang="en-GB" sz="1600" dirty="0">
+                <a:solidFill>
+                  <a:srgbClr val="777777"/>
+                </a:solidFill>
+                <a:latin typeface="Consolas" panose="020B0609020204030204" pitchFamily="49" charset="0"/>
+              </a:rPr>
+              <a:t>))</a:t>
+            </a:r>
+            <a:endParaRPr lang="en-GB" sz="1600" dirty="0">
+              <a:solidFill>
+                <a:srgbClr val="333333"/>
+              </a:solidFill>
+              <a:latin typeface="Consolas" panose="020B0609020204030204" pitchFamily="49" charset="0"/>
+            </a:endParaRPr>
+          </a:p>
+        </p:txBody>
+      </p:sp>
+      <p:sp>
+        <p:nvSpPr>
+          <p:cNvPr id="8" name="Rectangle 7">
+            <a:extLst>
+              <a:ext uri="{FF2B5EF4-FFF2-40B4-BE49-F238E27FC236}">
+                <a16:creationId xmlns:a16="http://schemas.microsoft.com/office/drawing/2014/main" id="{22D10BBA-C184-4FF8-93B0-3C9EC0905DD0}"/>
+              </a:ext>
+            </a:extLst>
+          </p:cNvPr>
+          <p:cNvSpPr/>
+          <p:nvPr/>
+        </p:nvSpPr>
+        <p:spPr>
+          <a:xfrm>
+            <a:off x="6439864" y="3157911"/>
+            <a:ext cx="1337568" cy="861774"/>
+          </a:xfrm>
+          <a:prstGeom prst="rect">
+            <a:avLst/>
+          </a:prstGeom>
+          <a:solidFill>
+            <a:schemeClr val="bg1">
+              <a:lumMod val="95000"/>
+            </a:schemeClr>
+          </a:solidFill>
+        </p:spPr>
+        <p:txBody>
+          <a:bodyPr wrap="square">
+            <a:spAutoFit/>
+          </a:bodyPr>
+          <a:lstStyle/>
+          <a:p>
+            <a:r>
+              <a:rPr lang="en-GB" sz="1600" dirty="0">
+                <a:latin typeface="Consolas" panose="020B0609020204030204" pitchFamily="49" charset="0"/>
+              </a:rPr>
+              <a:t>________hi</a:t>
+            </a:r>
+          </a:p>
+          <a:p>
+            <a:r>
+              <a:rPr lang="en-GB" sz="1600" dirty="0">
+                <a:latin typeface="Consolas" panose="020B0609020204030204" pitchFamily="49" charset="0"/>
+              </a:rPr>
+              <a:t> +35</a:t>
+            </a:r>
+          </a:p>
+          <a:p>
+            <a:r>
+              <a:rPr lang="en-GB" sz="1600" dirty="0">
+                <a:latin typeface="Consolas" panose="020B0609020204030204" pitchFamily="49" charset="0"/>
+              </a:rPr>
+              <a:t>     0.333</a:t>
+            </a:r>
+          </a:p>
+        </p:txBody>
+      </p:sp>
+      <p:sp>
+        <p:nvSpPr>
+          <p:cNvPr id="9" name="TextBox 8">
+            <a:extLst>
+              <a:ext uri="{FF2B5EF4-FFF2-40B4-BE49-F238E27FC236}">
+                <a16:creationId xmlns:a16="http://schemas.microsoft.com/office/drawing/2014/main" id="{C3C7E728-6D0D-473E-9D08-F1DBEC27C9D8}"/>
+              </a:ext>
+            </a:extLst>
+          </p:cNvPr>
+          <p:cNvSpPr txBox="1"/>
+          <p:nvPr/>
+        </p:nvSpPr>
+        <p:spPr>
+          <a:xfrm>
+            <a:off x="5392299" y="3157911"/>
+            <a:ext cx="1047565" cy="861774"/>
+          </a:xfrm>
+          <a:prstGeom prst="rect">
+            <a:avLst/>
+          </a:prstGeom>
+          <a:solidFill>
+            <a:schemeClr val="bg1">
+              <a:lumMod val="95000"/>
+            </a:schemeClr>
+          </a:solidFill>
+        </p:spPr>
+        <p:txBody>
+          <a:bodyPr wrap="square" rtlCol="0">
+            <a:noAutofit/>
+          </a:bodyPr>
+          <a:lstStyle/>
+          <a:p>
+            <a:r>
+              <a:rPr lang="en-GB" sz="1600" i="1" dirty="0">
+                <a:latin typeface="Consolas" panose="020B0609020204030204" pitchFamily="49" charset="0"/>
+              </a:rPr>
+              <a:t>Output:</a:t>
+            </a:r>
+          </a:p>
+        </p:txBody>
+      </p:sp>
+    </p:spTree>
+    <p:extLst>
+      <p:ext uri="{BB962C8B-B14F-4D97-AF65-F5344CB8AC3E}">
+        <p14:creationId xmlns:p14="http://schemas.microsoft.com/office/powerpoint/2010/main" val="604475521"/>
       </p:ext>
     </p:extLst>
   </p:cSld>
@@ -12061,6 +14685,1297 @@
     <p:extLst>
       <p:ext uri="{BB962C8B-B14F-4D97-AF65-F5344CB8AC3E}">
         <p14:creationId xmlns:p14="http://schemas.microsoft.com/office/powerpoint/2010/main" val="484959753"/>
+      </p:ext>
+    </p:extLst>
+  </p:cSld>
+  <p:clrMapOvr>
+    <a:masterClrMapping/>
+  </p:clrMapOvr>
+</p:sld>
+</file>
+
+<file path=ppt/slides/slide20.xml><?xml version="1.0" encoding="utf-8"?>
+<p:sld xmlns:a="http://schemas.openxmlformats.org/drawingml/2006/main" xmlns:r="http://schemas.openxmlformats.org/officeDocument/2006/relationships" xmlns:p="http://schemas.openxmlformats.org/presentationml/2006/main">
+  <p:cSld>
+    <p:spTree>
+      <p:nvGrpSpPr>
+        <p:cNvPr id="1" name=""/>
+        <p:cNvGrpSpPr/>
+        <p:nvPr/>
+      </p:nvGrpSpPr>
+      <p:grpSpPr>
+        <a:xfrm>
+          <a:off x="0" y="0"/>
+          <a:ext cx="0" cy="0"/>
+          <a:chOff x="0" y="0"/>
+          <a:chExt cx="0" cy="0"/>
+        </a:xfrm>
+      </p:grpSpPr>
+      <p:sp>
+        <p:nvSpPr>
+          <p:cNvPr id="2" name="Title 1">
+            <a:extLst>
+              <a:ext uri="{FF2B5EF4-FFF2-40B4-BE49-F238E27FC236}">
+                <a16:creationId xmlns:a16="http://schemas.microsoft.com/office/drawing/2014/main" id="{18221570-F78D-42FD-970D-744751C69593}"/>
+              </a:ext>
+            </a:extLst>
+          </p:cNvPr>
+          <p:cNvSpPr>
+            <a:spLocks noGrp="1"/>
+          </p:cNvSpPr>
+          <p:nvPr>
+            <p:ph type="title"/>
+          </p:nvPr>
+        </p:nvSpPr>
+        <p:spPr/>
+        <p:txBody>
+          <a:bodyPr/>
+          <a:lstStyle/>
+          <a:p>
+            <a:r>
+              <a:rPr lang="en-GB" dirty="0"/>
+              <a:t>F-strings</a:t>
+            </a:r>
+          </a:p>
+        </p:txBody>
+      </p:sp>
+      <p:sp>
+        <p:nvSpPr>
+          <p:cNvPr id="3" name="Content Placeholder 2">
+            <a:extLst>
+              <a:ext uri="{FF2B5EF4-FFF2-40B4-BE49-F238E27FC236}">
+                <a16:creationId xmlns:a16="http://schemas.microsoft.com/office/drawing/2014/main" id="{71351CE6-0AAE-4568-BA90-D59DE7C0B226}"/>
+              </a:ext>
+            </a:extLst>
+          </p:cNvPr>
+          <p:cNvSpPr>
+            <a:spLocks noGrp="1"/>
+          </p:cNvSpPr>
+          <p:nvPr>
+            <p:ph idx="1"/>
+          </p:nvPr>
+        </p:nvSpPr>
+        <p:spPr/>
+        <p:txBody>
+          <a:bodyPr/>
+          <a:lstStyle/>
+          <a:p>
+            <a:r>
+              <a:rPr lang="en-GB" dirty="0"/>
+              <a:t>Since Python 3.6 there is an even more compact form of formatting</a:t>
+            </a:r>
+          </a:p>
+          <a:p>
+            <a:r>
+              <a:rPr lang="en-GB" dirty="0"/>
+              <a:t>Called f-strings, because they are “normal” strings with a f prepended</a:t>
+            </a:r>
+          </a:p>
+          <a:p>
+            <a:r>
+              <a:rPr lang="en-GB" dirty="0"/>
+              <a:t>They are similar to .format(), but more compact</a:t>
+            </a:r>
+          </a:p>
+          <a:p>
+            <a:pPr lvl="1"/>
+            <a:r>
+              <a:rPr lang="en-GB" dirty="0"/>
+              <a:t>But it is not as versatile</a:t>
+            </a:r>
+          </a:p>
+          <a:p>
+            <a:r>
+              <a:rPr lang="en-GB" dirty="0"/>
+              <a:t>With f-Strings you simply put the variable name you want to include</a:t>
+            </a:r>
+          </a:p>
+          <a:p>
+            <a:pPr lvl="1"/>
+            <a:r>
+              <a:rPr lang="en-GB" dirty="0"/>
+              <a:t>But you can put all kinds of statements there which will be evaluated</a:t>
+            </a:r>
+          </a:p>
+        </p:txBody>
+      </p:sp>
+      <p:sp>
+        <p:nvSpPr>
+          <p:cNvPr id="4" name="Slide Number Placeholder 3">
+            <a:extLst>
+              <a:ext uri="{FF2B5EF4-FFF2-40B4-BE49-F238E27FC236}">
+                <a16:creationId xmlns:a16="http://schemas.microsoft.com/office/drawing/2014/main" id="{59958197-48B5-49FA-B7A9-44B2FABDEC6D}"/>
+              </a:ext>
+            </a:extLst>
+          </p:cNvPr>
+          <p:cNvSpPr>
+            <a:spLocks noGrp="1"/>
+          </p:cNvSpPr>
+          <p:nvPr>
+            <p:ph type="sldNum" sz="quarter" idx="12"/>
+          </p:nvPr>
+        </p:nvSpPr>
+        <p:spPr/>
+        <p:txBody>
+          <a:bodyPr/>
+          <a:lstStyle/>
+          <a:p>
+            <a:fld id="{89C4E583-6443-4199-AF95-A2ECCC288D48}" type="slidenum">
+              <a:rPr lang="en-GB" smtClean="0"/>
+              <a:t>20</a:t>
+            </a:fld>
+            <a:endParaRPr lang="en-GB"/>
+          </a:p>
+        </p:txBody>
+      </p:sp>
+      <p:sp>
+        <p:nvSpPr>
+          <p:cNvPr id="5" name="Rectangle 4">
+            <a:extLst>
+              <a:ext uri="{FF2B5EF4-FFF2-40B4-BE49-F238E27FC236}">
+                <a16:creationId xmlns:a16="http://schemas.microsoft.com/office/drawing/2014/main" id="{FA01EBBA-F12B-4980-992E-A37FE5B394D3}"/>
+              </a:ext>
+            </a:extLst>
+          </p:cNvPr>
+          <p:cNvSpPr/>
+          <p:nvPr/>
+        </p:nvSpPr>
+        <p:spPr>
+          <a:xfrm>
+            <a:off x="1103198" y="4684412"/>
+            <a:ext cx="6111388" cy="1077218"/>
+          </a:xfrm>
+          <a:prstGeom prst="rect">
+            <a:avLst/>
+          </a:prstGeom>
+          <a:solidFill>
+            <a:schemeClr val="bg1">
+              <a:lumMod val="95000"/>
+            </a:schemeClr>
+          </a:solidFill>
+        </p:spPr>
+        <p:txBody>
+          <a:bodyPr wrap="square">
+            <a:spAutoFit/>
+          </a:bodyPr>
+          <a:lstStyle/>
+          <a:p>
+            <a:r>
+              <a:rPr lang="en-GB" sz="1600" dirty="0">
+                <a:solidFill>
+                  <a:srgbClr val="333333"/>
+                </a:solidFill>
+                <a:latin typeface="Consolas" panose="020B0609020204030204" pitchFamily="49" charset="0"/>
+              </a:rPr>
+              <a:t>age </a:t>
+            </a:r>
+            <a:r>
+              <a:rPr lang="en-GB" sz="1600" dirty="0">
+                <a:solidFill>
+                  <a:srgbClr val="777777"/>
+                </a:solidFill>
+                <a:latin typeface="Consolas" panose="020B0609020204030204" pitchFamily="49" charset="0"/>
+              </a:rPr>
+              <a:t>=</a:t>
+            </a:r>
+            <a:r>
+              <a:rPr lang="en-GB" sz="1600" dirty="0">
+                <a:solidFill>
+                  <a:srgbClr val="333333"/>
+                </a:solidFill>
+                <a:latin typeface="Consolas" panose="020B0609020204030204" pitchFamily="49" charset="0"/>
+              </a:rPr>
+              <a:t> </a:t>
+            </a:r>
+            <a:r>
+              <a:rPr lang="en-GB" sz="1600" dirty="0">
+                <a:solidFill>
+                  <a:srgbClr val="AB6526"/>
+                </a:solidFill>
+                <a:latin typeface="Consolas" panose="020B0609020204030204" pitchFamily="49" charset="0"/>
+              </a:rPr>
+              <a:t>17</a:t>
+            </a:r>
+            <a:endParaRPr lang="en-GB" sz="1600" dirty="0">
+              <a:solidFill>
+                <a:srgbClr val="333333"/>
+              </a:solidFill>
+              <a:latin typeface="Consolas" panose="020B0609020204030204" pitchFamily="49" charset="0"/>
+            </a:endParaRPr>
+          </a:p>
+          <a:p>
+            <a:r>
+              <a:rPr lang="en-GB" sz="1600" b="1" dirty="0">
+                <a:solidFill>
+                  <a:srgbClr val="AA3731"/>
+                </a:solidFill>
+                <a:latin typeface="Consolas" panose="020B0609020204030204" pitchFamily="49" charset="0"/>
+              </a:rPr>
+              <a:t>print</a:t>
+            </a:r>
+            <a:r>
+              <a:rPr lang="en-GB" sz="1600" dirty="0">
+                <a:solidFill>
+                  <a:srgbClr val="777777"/>
+                </a:solidFill>
+                <a:latin typeface="Consolas" panose="020B0609020204030204" pitchFamily="49" charset="0"/>
+              </a:rPr>
+              <a:t>(</a:t>
+            </a:r>
+            <a:r>
+              <a:rPr lang="en-GB" sz="1600" dirty="0" err="1">
+                <a:solidFill>
+                  <a:srgbClr val="7A3E9D"/>
+                </a:solidFill>
+                <a:latin typeface="Consolas" panose="020B0609020204030204" pitchFamily="49" charset="0"/>
+              </a:rPr>
+              <a:t>f</a:t>
+            </a:r>
+            <a:r>
+              <a:rPr lang="en-GB" sz="1600" dirty="0" err="1">
+                <a:solidFill>
+                  <a:srgbClr val="448C27"/>
+                </a:solidFill>
+                <a:latin typeface="Consolas" panose="020B0609020204030204" pitchFamily="49" charset="0"/>
+              </a:rPr>
+              <a:t>"My</a:t>
+            </a:r>
+            <a:r>
+              <a:rPr lang="en-GB" sz="1600" dirty="0">
+                <a:solidFill>
+                  <a:srgbClr val="448C27"/>
+                </a:solidFill>
+                <a:latin typeface="Consolas" panose="020B0609020204030204" pitchFamily="49" charset="0"/>
+              </a:rPr>
+              <a:t> age is </a:t>
+            </a:r>
+            <a:r>
+              <a:rPr lang="en-GB" sz="1600" dirty="0">
+                <a:solidFill>
+                  <a:srgbClr val="AB6526"/>
+                </a:solidFill>
+                <a:latin typeface="Consolas" panose="020B0609020204030204" pitchFamily="49" charset="0"/>
+              </a:rPr>
+              <a:t>{</a:t>
+            </a:r>
+            <a:r>
+              <a:rPr lang="en-GB" sz="1600" dirty="0">
+                <a:solidFill>
+                  <a:srgbClr val="333333"/>
+                </a:solidFill>
+                <a:latin typeface="Consolas" panose="020B0609020204030204" pitchFamily="49" charset="0"/>
+              </a:rPr>
+              <a:t>age</a:t>
+            </a:r>
+            <a:r>
+              <a:rPr lang="en-GB" sz="1600" dirty="0">
+                <a:solidFill>
+                  <a:srgbClr val="777777"/>
+                </a:solidFill>
+                <a:latin typeface="Consolas" panose="020B0609020204030204" pitchFamily="49" charset="0"/>
+              </a:rPr>
+              <a:t>:-^</a:t>
+            </a:r>
+            <a:r>
+              <a:rPr lang="en-GB" sz="1600" dirty="0">
+                <a:solidFill>
+                  <a:srgbClr val="AB6526"/>
+                </a:solidFill>
+                <a:latin typeface="Consolas" panose="020B0609020204030204" pitchFamily="49" charset="0"/>
+              </a:rPr>
+              <a:t>6}</a:t>
+            </a:r>
+            <a:r>
+              <a:rPr lang="en-GB" sz="1600" dirty="0">
+                <a:solidFill>
+                  <a:srgbClr val="448C27"/>
+                </a:solidFill>
+                <a:latin typeface="Consolas" panose="020B0609020204030204" pitchFamily="49" charset="0"/>
+              </a:rPr>
+              <a:t>."</a:t>
+            </a:r>
+            <a:r>
+              <a:rPr lang="en-GB" sz="1600" dirty="0">
+                <a:solidFill>
+                  <a:srgbClr val="777777"/>
+                </a:solidFill>
+                <a:latin typeface="Consolas" panose="020B0609020204030204" pitchFamily="49" charset="0"/>
+              </a:rPr>
+              <a:t>)</a:t>
+            </a:r>
+            <a:endParaRPr lang="en-GB" sz="1600" dirty="0">
+              <a:solidFill>
+                <a:srgbClr val="333333"/>
+              </a:solidFill>
+              <a:latin typeface="Consolas" panose="020B0609020204030204" pitchFamily="49" charset="0"/>
+            </a:endParaRPr>
+          </a:p>
+          <a:p>
+            <a:r>
+              <a:rPr lang="en-GB" sz="1600" b="1" dirty="0">
+                <a:solidFill>
+                  <a:srgbClr val="AA3731"/>
+                </a:solidFill>
+                <a:latin typeface="Consolas" panose="020B0609020204030204" pitchFamily="49" charset="0"/>
+              </a:rPr>
+              <a:t>print</a:t>
+            </a:r>
+            <a:r>
+              <a:rPr lang="en-GB" sz="1600" dirty="0">
+                <a:solidFill>
+                  <a:srgbClr val="777777"/>
+                </a:solidFill>
+                <a:latin typeface="Consolas" panose="020B0609020204030204" pitchFamily="49" charset="0"/>
+              </a:rPr>
+              <a:t>(</a:t>
+            </a:r>
+            <a:r>
+              <a:rPr lang="en-GB" sz="1600" dirty="0" err="1">
+                <a:solidFill>
+                  <a:srgbClr val="7A3E9D"/>
+                </a:solidFill>
+                <a:latin typeface="Consolas" panose="020B0609020204030204" pitchFamily="49" charset="0"/>
+              </a:rPr>
+              <a:t>f</a:t>
+            </a:r>
+            <a:r>
+              <a:rPr lang="en-GB" sz="1600" dirty="0" err="1">
+                <a:solidFill>
+                  <a:srgbClr val="448C27"/>
+                </a:solidFill>
+                <a:latin typeface="Consolas" panose="020B0609020204030204" pitchFamily="49" charset="0"/>
+              </a:rPr>
+              <a:t>"I</a:t>
+            </a:r>
+            <a:r>
+              <a:rPr lang="en-GB" sz="1600" dirty="0">
+                <a:solidFill>
+                  <a:srgbClr val="448C27"/>
+                </a:solidFill>
+                <a:latin typeface="Consolas" panose="020B0609020204030204" pitchFamily="49" charset="0"/>
+              </a:rPr>
+              <a:t> will be </a:t>
+            </a:r>
+            <a:r>
+              <a:rPr lang="en-GB" sz="1600" dirty="0">
+                <a:solidFill>
+                  <a:srgbClr val="AB6526"/>
+                </a:solidFill>
+                <a:latin typeface="Consolas" panose="020B0609020204030204" pitchFamily="49" charset="0"/>
+              </a:rPr>
+              <a:t>{</a:t>
+            </a:r>
+            <a:r>
+              <a:rPr lang="en-GB" sz="1600" dirty="0">
+                <a:solidFill>
+                  <a:srgbClr val="333333"/>
+                </a:solidFill>
+                <a:latin typeface="Consolas" panose="020B0609020204030204" pitchFamily="49" charset="0"/>
+              </a:rPr>
+              <a:t>age </a:t>
+            </a:r>
+            <a:r>
+              <a:rPr lang="en-GB" sz="1600" dirty="0">
+                <a:solidFill>
+                  <a:srgbClr val="777777"/>
+                </a:solidFill>
+                <a:latin typeface="Consolas" panose="020B0609020204030204" pitchFamily="49" charset="0"/>
+              </a:rPr>
+              <a:t>+</a:t>
+            </a:r>
+            <a:r>
+              <a:rPr lang="en-GB" sz="1600" dirty="0">
+                <a:solidFill>
+                  <a:srgbClr val="333333"/>
+                </a:solidFill>
+                <a:latin typeface="Consolas" panose="020B0609020204030204" pitchFamily="49" charset="0"/>
+              </a:rPr>
+              <a:t> </a:t>
+            </a:r>
+            <a:r>
+              <a:rPr lang="en-GB" sz="1600" dirty="0">
+                <a:solidFill>
+                  <a:srgbClr val="AB6526"/>
+                </a:solidFill>
+                <a:latin typeface="Consolas" panose="020B0609020204030204" pitchFamily="49" charset="0"/>
+              </a:rPr>
+              <a:t>1}</a:t>
+            </a:r>
+            <a:r>
+              <a:rPr lang="en-GB" sz="1600" dirty="0">
+                <a:solidFill>
+                  <a:srgbClr val="448C27"/>
+                </a:solidFill>
+                <a:latin typeface="Consolas" panose="020B0609020204030204" pitchFamily="49" charset="0"/>
+              </a:rPr>
+              <a:t> next year! So I will be </a:t>
+            </a:r>
+            <a:r>
+              <a:rPr lang="en-GB" sz="1600" dirty="0">
+                <a:solidFill>
+                  <a:srgbClr val="AB6526"/>
+                </a:solidFill>
+                <a:latin typeface="Consolas" panose="020B0609020204030204" pitchFamily="49" charset="0"/>
+              </a:rPr>
+              <a:t>{</a:t>
+            </a:r>
+            <a:r>
+              <a:rPr lang="en-GB" sz="1600" dirty="0">
+                <a:solidFill>
+                  <a:srgbClr val="777777"/>
+                </a:solidFill>
+                <a:latin typeface="Consolas" panose="020B0609020204030204" pitchFamily="49" charset="0"/>
+              </a:rPr>
+              <a:t>'</a:t>
+            </a:r>
+            <a:r>
+              <a:rPr lang="en-GB" sz="1600" dirty="0">
+                <a:solidFill>
+                  <a:srgbClr val="448C27"/>
+                </a:solidFill>
+                <a:latin typeface="Consolas" panose="020B0609020204030204" pitchFamily="49" charset="0"/>
+              </a:rPr>
+              <a:t>not </a:t>
+            </a:r>
+            <a:r>
+              <a:rPr lang="en-GB" sz="1600" dirty="0">
+                <a:solidFill>
+                  <a:srgbClr val="777777"/>
+                </a:solidFill>
+                <a:latin typeface="Consolas" panose="020B0609020204030204" pitchFamily="49" charset="0"/>
+              </a:rPr>
+              <a:t>'</a:t>
+            </a:r>
+            <a:r>
+              <a:rPr lang="en-GB" sz="1600" dirty="0">
+                <a:solidFill>
+                  <a:srgbClr val="333333"/>
+                </a:solidFill>
+                <a:latin typeface="Consolas" panose="020B0609020204030204" pitchFamily="49" charset="0"/>
+              </a:rPr>
+              <a:t> </a:t>
+            </a:r>
+            <a:r>
+              <a:rPr lang="en-GB" sz="1600" dirty="0">
+                <a:solidFill>
+                  <a:srgbClr val="4B83CD"/>
+                </a:solidFill>
+                <a:latin typeface="Consolas" panose="020B0609020204030204" pitchFamily="49" charset="0"/>
+              </a:rPr>
+              <a:t>if</a:t>
+            </a:r>
+            <a:r>
+              <a:rPr lang="en-GB" sz="1600" dirty="0">
+                <a:solidFill>
+                  <a:srgbClr val="333333"/>
+                </a:solidFill>
+                <a:latin typeface="Consolas" panose="020B0609020204030204" pitchFamily="49" charset="0"/>
+              </a:rPr>
+              <a:t> </a:t>
+            </a:r>
+            <a:r>
+              <a:rPr lang="en-GB" sz="1600" dirty="0">
+                <a:solidFill>
+                  <a:srgbClr val="777777"/>
+                </a:solidFill>
+                <a:latin typeface="Consolas" panose="020B0609020204030204" pitchFamily="49" charset="0"/>
+              </a:rPr>
+              <a:t>(</a:t>
+            </a:r>
+            <a:r>
+              <a:rPr lang="en-GB" sz="1600" dirty="0">
+                <a:solidFill>
+                  <a:srgbClr val="333333"/>
+                </a:solidFill>
+                <a:latin typeface="Consolas" panose="020B0609020204030204" pitchFamily="49" charset="0"/>
+              </a:rPr>
+              <a:t>age </a:t>
+            </a:r>
+            <a:r>
+              <a:rPr lang="en-GB" sz="1600" dirty="0">
+                <a:solidFill>
+                  <a:srgbClr val="777777"/>
+                </a:solidFill>
+                <a:latin typeface="Consolas" panose="020B0609020204030204" pitchFamily="49" charset="0"/>
+              </a:rPr>
+              <a:t>+</a:t>
+            </a:r>
+            <a:r>
+              <a:rPr lang="en-GB" sz="1600" dirty="0">
+                <a:solidFill>
+                  <a:srgbClr val="333333"/>
+                </a:solidFill>
+                <a:latin typeface="Consolas" panose="020B0609020204030204" pitchFamily="49" charset="0"/>
+              </a:rPr>
+              <a:t> </a:t>
+            </a:r>
+            <a:r>
+              <a:rPr lang="en-GB" sz="1600" dirty="0">
+                <a:solidFill>
+                  <a:srgbClr val="AB6526"/>
+                </a:solidFill>
+                <a:latin typeface="Consolas" panose="020B0609020204030204" pitchFamily="49" charset="0"/>
+              </a:rPr>
+              <a:t>1</a:t>
+            </a:r>
+            <a:r>
+              <a:rPr lang="en-GB" sz="1600" dirty="0">
+                <a:solidFill>
+                  <a:srgbClr val="777777"/>
+                </a:solidFill>
+                <a:latin typeface="Consolas" panose="020B0609020204030204" pitchFamily="49" charset="0"/>
+              </a:rPr>
+              <a:t>)</a:t>
+            </a:r>
+            <a:r>
+              <a:rPr lang="en-GB" sz="1600" dirty="0">
+                <a:solidFill>
+                  <a:srgbClr val="333333"/>
+                </a:solidFill>
+                <a:latin typeface="Consolas" panose="020B0609020204030204" pitchFamily="49" charset="0"/>
+              </a:rPr>
+              <a:t> </a:t>
+            </a:r>
+            <a:r>
+              <a:rPr lang="en-GB" sz="1600" dirty="0">
+                <a:solidFill>
+                  <a:srgbClr val="777777"/>
+                </a:solidFill>
+                <a:latin typeface="Consolas" panose="020B0609020204030204" pitchFamily="49" charset="0"/>
+              </a:rPr>
+              <a:t>&lt;</a:t>
+            </a:r>
+            <a:r>
+              <a:rPr lang="en-GB" sz="1600" dirty="0">
+                <a:solidFill>
+                  <a:srgbClr val="333333"/>
+                </a:solidFill>
+                <a:latin typeface="Consolas" panose="020B0609020204030204" pitchFamily="49" charset="0"/>
+              </a:rPr>
+              <a:t> </a:t>
+            </a:r>
+            <a:r>
+              <a:rPr lang="en-GB" sz="1600" dirty="0">
+                <a:solidFill>
+                  <a:srgbClr val="AB6526"/>
+                </a:solidFill>
+                <a:latin typeface="Consolas" panose="020B0609020204030204" pitchFamily="49" charset="0"/>
+              </a:rPr>
+              <a:t>18</a:t>
+            </a:r>
+            <a:r>
+              <a:rPr lang="en-GB" sz="1600" dirty="0">
+                <a:solidFill>
+                  <a:srgbClr val="333333"/>
+                </a:solidFill>
+                <a:latin typeface="Consolas" panose="020B0609020204030204" pitchFamily="49" charset="0"/>
+              </a:rPr>
+              <a:t> </a:t>
+            </a:r>
+            <a:r>
+              <a:rPr lang="en-GB" sz="1600" dirty="0">
+                <a:solidFill>
+                  <a:srgbClr val="4B83CD"/>
+                </a:solidFill>
+                <a:latin typeface="Consolas" panose="020B0609020204030204" pitchFamily="49" charset="0"/>
+              </a:rPr>
+              <a:t>else</a:t>
+            </a:r>
+            <a:r>
+              <a:rPr lang="en-GB" sz="1600" dirty="0">
+                <a:solidFill>
+                  <a:srgbClr val="333333"/>
+                </a:solidFill>
+                <a:latin typeface="Consolas" panose="020B0609020204030204" pitchFamily="49" charset="0"/>
+              </a:rPr>
+              <a:t> </a:t>
+            </a:r>
+            <a:r>
+              <a:rPr lang="en-GB" sz="1600" dirty="0">
+                <a:solidFill>
+                  <a:srgbClr val="777777"/>
+                </a:solidFill>
+                <a:latin typeface="Consolas" panose="020B0609020204030204" pitchFamily="49" charset="0"/>
+              </a:rPr>
+              <a:t>''</a:t>
+            </a:r>
+            <a:r>
+              <a:rPr lang="en-GB" sz="1600" dirty="0">
+                <a:solidFill>
+                  <a:srgbClr val="AB6526"/>
+                </a:solidFill>
+                <a:latin typeface="Consolas" panose="020B0609020204030204" pitchFamily="49" charset="0"/>
+              </a:rPr>
+              <a:t>}</a:t>
+            </a:r>
+            <a:r>
+              <a:rPr lang="en-GB" sz="1600" dirty="0">
+                <a:solidFill>
+                  <a:srgbClr val="448C27"/>
+                </a:solidFill>
+                <a:latin typeface="Consolas" panose="020B0609020204030204" pitchFamily="49" charset="0"/>
+              </a:rPr>
+              <a:t>allowed to drive!"</a:t>
+            </a:r>
+            <a:r>
+              <a:rPr lang="en-GB" sz="1600" dirty="0">
+                <a:solidFill>
+                  <a:srgbClr val="777777"/>
+                </a:solidFill>
+                <a:latin typeface="Consolas" panose="020B0609020204030204" pitchFamily="49" charset="0"/>
+              </a:rPr>
+              <a:t>)</a:t>
+            </a:r>
+            <a:endParaRPr lang="en-GB" sz="1600" b="0" dirty="0">
+              <a:solidFill>
+                <a:srgbClr val="333333"/>
+              </a:solidFill>
+              <a:effectLst/>
+              <a:latin typeface="Consolas" panose="020B0609020204030204" pitchFamily="49" charset="0"/>
+            </a:endParaRPr>
+          </a:p>
+        </p:txBody>
+      </p:sp>
+      <p:sp>
+        <p:nvSpPr>
+          <p:cNvPr id="6" name="Rectangle 5">
+            <a:extLst>
+              <a:ext uri="{FF2B5EF4-FFF2-40B4-BE49-F238E27FC236}">
+                <a16:creationId xmlns:a16="http://schemas.microsoft.com/office/drawing/2014/main" id="{F00A4638-50D9-4024-957D-86DBF07154B5}"/>
+              </a:ext>
+            </a:extLst>
+          </p:cNvPr>
+          <p:cNvSpPr/>
+          <p:nvPr/>
+        </p:nvSpPr>
+        <p:spPr>
+          <a:xfrm>
+            <a:off x="7275546" y="4684412"/>
+            <a:ext cx="4400957" cy="1077218"/>
+          </a:xfrm>
+          <a:prstGeom prst="rect">
+            <a:avLst/>
+          </a:prstGeom>
+          <a:solidFill>
+            <a:schemeClr val="bg1">
+              <a:lumMod val="95000"/>
+            </a:schemeClr>
+          </a:solidFill>
+        </p:spPr>
+        <p:txBody>
+          <a:bodyPr wrap="square">
+            <a:spAutoFit/>
+          </a:bodyPr>
+          <a:lstStyle/>
+          <a:p>
+            <a:r>
+              <a:rPr lang="en-GB" sz="1600" i="1" dirty="0">
+                <a:latin typeface="Consolas" panose="020B0609020204030204" pitchFamily="49" charset="0"/>
+              </a:rPr>
+              <a:t>Output:</a:t>
+            </a:r>
+          </a:p>
+          <a:p>
+            <a:r>
+              <a:rPr lang="en-GB" sz="1600" dirty="0">
+                <a:latin typeface="Consolas" panose="020B0609020204030204" pitchFamily="49" charset="0"/>
+              </a:rPr>
+              <a:t>My age is --17--.</a:t>
+            </a:r>
+          </a:p>
+          <a:p>
+            <a:r>
+              <a:rPr lang="en-GB" sz="1600" dirty="0">
+                <a:latin typeface="Consolas" panose="020B0609020204030204" pitchFamily="49" charset="0"/>
+              </a:rPr>
+              <a:t>I will be 18 next year! So I will be allowed to drive!</a:t>
+            </a:r>
+          </a:p>
+        </p:txBody>
+      </p:sp>
+    </p:spTree>
+    <p:extLst>
+      <p:ext uri="{BB962C8B-B14F-4D97-AF65-F5344CB8AC3E}">
+        <p14:creationId xmlns:p14="http://schemas.microsoft.com/office/powerpoint/2010/main" val="2257829737"/>
+      </p:ext>
+    </p:extLst>
+  </p:cSld>
+  <p:clrMapOvr>
+    <a:masterClrMapping/>
+  </p:clrMapOvr>
+</p:sld>
+</file>
+
+<file path=ppt/slides/slide21.xml><?xml version="1.0" encoding="utf-8"?>
+<p:sld xmlns:a="http://schemas.openxmlformats.org/drawingml/2006/main" xmlns:r="http://schemas.openxmlformats.org/officeDocument/2006/relationships" xmlns:p="http://schemas.openxmlformats.org/presentationml/2006/main">
+  <p:cSld>
+    <p:spTree>
+      <p:nvGrpSpPr>
+        <p:cNvPr id="1" name=""/>
+        <p:cNvGrpSpPr/>
+        <p:nvPr/>
+      </p:nvGrpSpPr>
+      <p:grpSpPr>
+        <a:xfrm>
+          <a:off x="0" y="0"/>
+          <a:ext cx="0" cy="0"/>
+          <a:chOff x="0" y="0"/>
+          <a:chExt cx="0" cy="0"/>
+        </a:xfrm>
+      </p:grpSpPr>
+      <p:sp>
+        <p:nvSpPr>
+          <p:cNvPr id="2" name="Title 1">
+            <a:extLst>
+              <a:ext uri="{FF2B5EF4-FFF2-40B4-BE49-F238E27FC236}">
+                <a16:creationId xmlns:a16="http://schemas.microsoft.com/office/drawing/2014/main" id="{2365173B-3618-47B3-8210-52A2CC345BFE}"/>
+              </a:ext>
+            </a:extLst>
+          </p:cNvPr>
+          <p:cNvSpPr>
+            <a:spLocks noGrp="1"/>
+          </p:cNvSpPr>
+          <p:nvPr>
+            <p:ph type="title"/>
+          </p:nvPr>
+        </p:nvSpPr>
+        <p:spPr/>
+        <p:txBody>
+          <a:bodyPr/>
+          <a:lstStyle/>
+          <a:p>
+            <a:r>
+              <a:rPr lang="en-GB" dirty="0"/>
+              <a:t>%-formatting: The old one</a:t>
+            </a:r>
+          </a:p>
+        </p:txBody>
+      </p:sp>
+      <p:sp>
+        <p:nvSpPr>
+          <p:cNvPr id="3" name="Content Placeholder 2">
+            <a:extLst>
+              <a:ext uri="{FF2B5EF4-FFF2-40B4-BE49-F238E27FC236}">
+                <a16:creationId xmlns:a16="http://schemas.microsoft.com/office/drawing/2014/main" id="{9E03D1C7-2E95-4B9B-A2B9-16915B248BCD}"/>
+              </a:ext>
+            </a:extLst>
+          </p:cNvPr>
+          <p:cNvSpPr>
+            <a:spLocks noGrp="1"/>
+          </p:cNvSpPr>
+          <p:nvPr>
+            <p:ph idx="1"/>
+          </p:nvPr>
+        </p:nvSpPr>
+        <p:spPr/>
+        <p:txBody>
+          <a:bodyPr/>
+          <a:lstStyle/>
+          <a:p>
+            <a:r>
+              <a:rPr lang="en-GB" dirty="0"/>
+              <a:t>It is the predecessor to .format(), and the formatting rules are similar</a:t>
+            </a:r>
+          </a:p>
+          <a:p>
+            <a:r>
+              <a:rPr lang="en-GB" dirty="0"/>
+              <a:t>Can only deal with strings, </a:t>
+            </a:r>
+            <a:r>
+              <a:rPr lang="en-GB" dirty="0" err="1"/>
+              <a:t>ints</a:t>
+            </a:r>
+            <a:r>
+              <a:rPr lang="en-GB" dirty="0"/>
+              <a:t> and floats</a:t>
+            </a:r>
+          </a:p>
+          <a:p>
+            <a:r>
+              <a:rPr lang="en-GB" dirty="0"/>
+              <a:t>This is however not advised anymore and only presented so you understand it should you encounter it</a:t>
+            </a:r>
+          </a:p>
+        </p:txBody>
+      </p:sp>
+      <p:sp>
+        <p:nvSpPr>
+          <p:cNvPr id="4" name="Slide Number Placeholder 3">
+            <a:extLst>
+              <a:ext uri="{FF2B5EF4-FFF2-40B4-BE49-F238E27FC236}">
+                <a16:creationId xmlns:a16="http://schemas.microsoft.com/office/drawing/2014/main" id="{FB9DFAC9-D430-4D9A-926E-DFCB94F65A2A}"/>
+              </a:ext>
+            </a:extLst>
+          </p:cNvPr>
+          <p:cNvSpPr>
+            <a:spLocks noGrp="1"/>
+          </p:cNvSpPr>
+          <p:nvPr>
+            <p:ph type="sldNum" sz="quarter" idx="12"/>
+          </p:nvPr>
+        </p:nvSpPr>
+        <p:spPr/>
+        <p:txBody>
+          <a:bodyPr/>
+          <a:lstStyle/>
+          <a:p>
+            <a:fld id="{89C4E583-6443-4199-AF95-A2ECCC288D48}" type="slidenum">
+              <a:rPr lang="en-GB" smtClean="0"/>
+              <a:t>21</a:t>
+            </a:fld>
+            <a:endParaRPr lang="en-GB"/>
+          </a:p>
+        </p:txBody>
+      </p:sp>
+      <p:sp>
+        <p:nvSpPr>
+          <p:cNvPr id="5" name="Rectangle 4">
+            <a:extLst>
+              <a:ext uri="{FF2B5EF4-FFF2-40B4-BE49-F238E27FC236}">
+                <a16:creationId xmlns:a16="http://schemas.microsoft.com/office/drawing/2014/main" id="{CA0671C8-D98C-4CCD-A1E2-82AF0BD82CFC}"/>
+              </a:ext>
+            </a:extLst>
+          </p:cNvPr>
+          <p:cNvSpPr/>
+          <p:nvPr/>
+        </p:nvSpPr>
+        <p:spPr>
+          <a:xfrm>
+            <a:off x="1097280" y="3688137"/>
+            <a:ext cx="3326552" cy="338554"/>
+          </a:xfrm>
+          <a:prstGeom prst="rect">
+            <a:avLst/>
+          </a:prstGeom>
+          <a:solidFill>
+            <a:schemeClr val="bg1">
+              <a:lumMod val="95000"/>
+            </a:schemeClr>
+          </a:solidFill>
+        </p:spPr>
+        <p:txBody>
+          <a:bodyPr wrap="none">
+            <a:spAutoFit/>
+          </a:bodyPr>
+          <a:lstStyle/>
+          <a:p>
+            <a:r>
+              <a:rPr lang="en-GB" sz="1600" b="1" dirty="0">
+                <a:solidFill>
+                  <a:srgbClr val="AA3731"/>
+                </a:solidFill>
+                <a:latin typeface="Consolas" panose="020B0609020204030204" pitchFamily="49" charset="0"/>
+              </a:rPr>
+              <a:t>print</a:t>
+            </a:r>
+            <a:r>
+              <a:rPr lang="en-GB" sz="1600" dirty="0">
+                <a:solidFill>
+                  <a:srgbClr val="777777"/>
+                </a:solidFill>
+                <a:latin typeface="Consolas" panose="020B0609020204030204" pitchFamily="49" charset="0"/>
+              </a:rPr>
+              <a:t>("</a:t>
+            </a:r>
+            <a:r>
+              <a:rPr lang="en-GB" sz="1600" dirty="0">
+                <a:solidFill>
+                  <a:srgbClr val="448C27"/>
+                </a:solidFill>
+                <a:latin typeface="Consolas" panose="020B0609020204030204" pitchFamily="49" charset="0"/>
+              </a:rPr>
+              <a:t>My age is </a:t>
+            </a:r>
+            <a:r>
+              <a:rPr lang="en-GB" sz="1600" dirty="0">
+                <a:solidFill>
+                  <a:srgbClr val="AB6526"/>
+                </a:solidFill>
+                <a:latin typeface="Consolas" panose="020B0609020204030204" pitchFamily="49" charset="0"/>
+              </a:rPr>
+              <a:t>%6d</a:t>
+            </a:r>
+            <a:r>
+              <a:rPr lang="en-GB" sz="1600" dirty="0">
+                <a:solidFill>
+                  <a:srgbClr val="777777"/>
+                </a:solidFill>
+                <a:latin typeface="Consolas" panose="020B0609020204030204" pitchFamily="49" charset="0"/>
+              </a:rPr>
+              <a:t>"</a:t>
+            </a:r>
+            <a:r>
+              <a:rPr lang="en-GB" sz="1600" dirty="0">
+                <a:solidFill>
+                  <a:srgbClr val="333333"/>
+                </a:solidFill>
+                <a:latin typeface="Consolas" panose="020B0609020204030204" pitchFamily="49" charset="0"/>
+              </a:rPr>
+              <a:t> </a:t>
+            </a:r>
+            <a:r>
+              <a:rPr lang="en-GB" sz="1600" dirty="0">
+                <a:solidFill>
+                  <a:srgbClr val="777777"/>
+                </a:solidFill>
+                <a:latin typeface="Consolas" panose="020B0609020204030204" pitchFamily="49" charset="0"/>
+              </a:rPr>
+              <a:t>%</a:t>
+            </a:r>
+            <a:r>
+              <a:rPr lang="en-GB" sz="1600" dirty="0">
+                <a:solidFill>
+                  <a:srgbClr val="333333"/>
+                </a:solidFill>
+                <a:latin typeface="Consolas" panose="020B0609020204030204" pitchFamily="49" charset="0"/>
+              </a:rPr>
+              <a:t> age</a:t>
+            </a:r>
+            <a:r>
+              <a:rPr lang="en-GB" sz="1600" dirty="0">
+                <a:solidFill>
+                  <a:srgbClr val="777777"/>
+                </a:solidFill>
+                <a:latin typeface="Consolas" panose="020B0609020204030204" pitchFamily="49" charset="0"/>
+              </a:rPr>
+              <a:t>)</a:t>
+            </a:r>
+            <a:endParaRPr lang="en-GB" sz="1600" b="0" dirty="0">
+              <a:solidFill>
+                <a:srgbClr val="333333"/>
+              </a:solidFill>
+              <a:effectLst/>
+              <a:latin typeface="Consolas" panose="020B0609020204030204" pitchFamily="49" charset="0"/>
+            </a:endParaRPr>
+          </a:p>
+        </p:txBody>
+      </p:sp>
+      <p:sp>
+        <p:nvSpPr>
+          <p:cNvPr id="6" name="Rectangle 5">
+            <a:extLst>
+              <a:ext uri="{FF2B5EF4-FFF2-40B4-BE49-F238E27FC236}">
+                <a16:creationId xmlns:a16="http://schemas.microsoft.com/office/drawing/2014/main" id="{3A670239-3B74-4F16-BDC6-3C325C789878}"/>
+              </a:ext>
+            </a:extLst>
+          </p:cNvPr>
+          <p:cNvSpPr/>
+          <p:nvPr/>
+        </p:nvSpPr>
+        <p:spPr>
+          <a:xfrm>
+            <a:off x="4463204" y="3688137"/>
+            <a:ext cx="2877711" cy="338554"/>
+          </a:xfrm>
+          <a:prstGeom prst="rect">
+            <a:avLst/>
+          </a:prstGeom>
+          <a:solidFill>
+            <a:schemeClr val="bg1">
+              <a:lumMod val="95000"/>
+            </a:schemeClr>
+          </a:solidFill>
+        </p:spPr>
+        <p:txBody>
+          <a:bodyPr wrap="none">
+            <a:spAutoFit/>
+          </a:bodyPr>
+          <a:lstStyle/>
+          <a:p>
+            <a:r>
+              <a:rPr lang="en-GB" sz="1600" i="1" dirty="0">
+                <a:solidFill>
+                  <a:srgbClr val="333333"/>
+                </a:solidFill>
+                <a:latin typeface="Consolas" panose="020B0609020204030204" pitchFamily="49" charset="0"/>
+              </a:rPr>
+              <a:t>Output: </a:t>
+            </a:r>
+            <a:r>
+              <a:rPr lang="en-GB" sz="1600" dirty="0">
+                <a:solidFill>
+                  <a:srgbClr val="333333"/>
+                </a:solidFill>
+                <a:latin typeface="Consolas" panose="020B0609020204030204" pitchFamily="49" charset="0"/>
+              </a:rPr>
+              <a:t>My age is     17</a:t>
+            </a:r>
+            <a:endParaRPr lang="en-GB" sz="1600" b="0" dirty="0">
+              <a:solidFill>
+                <a:srgbClr val="333333"/>
+              </a:solidFill>
+              <a:effectLst/>
+              <a:latin typeface="Consolas" panose="020B0609020204030204" pitchFamily="49" charset="0"/>
+            </a:endParaRPr>
+          </a:p>
+        </p:txBody>
+      </p:sp>
+    </p:spTree>
+    <p:extLst>
+      <p:ext uri="{BB962C8B-B14F-4D97-AF65-F5344CB8AC3E}">
+        <p14:creationId xmlns:p14="http://schemas.microsoft.com/office/powerpoint/2010/main" val="3264637218"/>
+      </p:ext>
+    </p:extLst>
+  </p:cSld>
+  <p:clrMapOvr>
+    <a:masterClrMapping/>
+  </p:clrMapOvr>
+</p:sld>
+</file>
+
+<file path=ppt/slides/slide22.xml><?xml version="1.0" encoding="utf-8"?>
+<p:sld xmlns:a="http://schemas.openxmlformats.org/drawingml/2006/main" xmlns:r="http://schemas.openxmlformats.org/officeDocument/2006/relationships" xmlns:p="http://schemas.openxmlformats.org/presentationml/2006/main">
+  <p:cSld>
+    <p:spTree>
+      <p:nvGrpSpPr>
+        <p:cNvPr id="1" name=""/>
+        <p:cNvGrpSpPr/>
+        <p:nvPr/>
+      </p:nvGrpSpPr>
+      <p:grpSpPr>
+        <a:xfrm>
+          <a:off x="0" y="0"/>
+          <a:ext cx="0" cy="0"/>
+          <a:chOff x="0" y="0"/>
+          <a:chExt cx="0" cy="0"/>
+        </a:xfrm>
+      </p:grpSpPr>
+      <p:sp>
+        <p:nvSpPr>
+          <p:cNvPr id="2" name="Title 1">
+            <a:extLst>
+              <a:ext uri="{FF2B5EF4-FFF2-40B4-BE49-F238E27FC236}">
+                <a16:creationId xmlns:a16="http://schemas.microsoft.com/office/drawing/2014/main" id="{AE4BCE82-938F-445A-A343-E99CBA9E253A}"/>
+              </a:ext>
+            </a:extLst>
+          </p:cNvPr>
+          <p:cNvSpPr>
+            <a:spLocks noGrp="1"/>
+          </p:cNvSpPr>
+          <p:nvPr>
+            <p:ph type="title"/>
+          </p:nvPr>
+        </p:nvSpPr>
+        <p:spPr/>
+        <p:txBody>
+          <a:bodyPr/>
+          <a:lstStyle/>
+          <a:p>
+            <a:r>
+              <a:rPr lang="en-GB" dirty="0"/>
+              <a:t>Homework</a:t>
+            </a:r>
+          </a:p>
+        </p:txBody>
+      </p:sp>
+      <p:sp>
+        <p:nvSpPr>
+          <p:cNvPr id="3" name="Slide Number Placeholder 2">
+            <a:extLst>
+              <a:ext uri="{FF2B5EF4-FFF2-40B4-BE49-F238E27FC236}">
+                <a16:creationId xmlns:a16="http://schemas.microsoft.com/office/drawing/2014/main" id="{9DA594C0-9E84-43C2-900D-8DF36B2CF6A2}"/>
+              </a:ext>
+            </a:extLst>
+          </p:cNvPr>
+          <p:cNvSpPr>
+            <a:spLocks noGrp="1"/>
+          </p:cNvSpPr>
+          <p:nvPr>
+            <p:ph type="sldNum" sz="quarter" idx="12"/>
+          </p:nvPr>
+        </p:nvSpPr>
+        <p:spPr/>
+        <p:txBody>
+          <a:bodyPr/>
+          <a:lstStyle/>
+          <a:p>
+            <a:fld id="{89C4E583-6443-4199-AF95-A2ECCC288D48}" type="slidenum">
+              <a:rPr lang="en-GB" smtClean="0"/>
+              <a:t>22</a:t>
+            </a:fld>
+            <a:endParaRPr lang="en-GB"/>
+          </a:p>
+        </p:txBody>
+      </p:sp>
+    </p:spTree>
+    <p:extLst>
+      <p:ext uri="{BB962C8B-B14F-4D97-AF65-F5344CB8AC3E}">
+        <p14:creationId xmlns:p14="http://schemas.microsoft.com/office/powerpoint/2010/main" val="2251684916"/>
+      </p:ext>
+    </p:extLst>
+  </p:cSld>
+  <p:clrMapOvr>
+    <a:masterClrMapping/>
+  </p:clrMapOvr>
+</p:sld>
+</file>
+
+<file path=ppt/slides/slide23.xml><?xml version="1.0" encoding="utf-8"?>
+<p:sld xmlns:a="http://schemas.openxmlformats.org/drawingml/2006/main" xmlns:r="http://schemas.openxmlformats.org/officeDocument/2006/relationships" xmlns:p="http://schemas.openxmlformats.org/presentationml/2006/main">
+  <p:cSld>
+    <p:spTree>
+      <p:nvGrpSpPr>
+        <p:cNvPr id="1" name=""/>
+        <p:cNvGrpSpPr/>
+        <p:nvPr/>
+      </p:nvGrpSpPr>
+      <p:grpSpPr>
+        <a:xfrm>
+          <a:off x="0" y="0"/>
+          <a:ext cx="0" cy="0"/>
+          <a:chOff x="0" y="0"/>
+          <a:chExt cx="0" cy="0"/>
+        </a:xfrm>
+      </p:grpSpPr>
+      <p:sp>
+        <p:nvSpPr>
+          <p:cNvPr id="2" name="Title 1">
+            <a:extLst>
+              <a:ext uri="{FF2B5EF4-FFF2-40B4-BE49-F238E27FC236}">
+                <a16:creationId xmlns:a16="http://schemas.microsoft.com/office/drawing/2014/main" id="{30CFDA8C-BB8D-4898-B7DF-6C3B13C412C4}"/>
+              </a:ext>
+            </a:extLst>
+          </p:cNvPr>
+          <p:cNvSpPr>
+            <a:spLocks noGrp="1"/>
+          </p:cNvSpPr>
+          <p:nvPr>
+            <p:ph type="title"/>
+          </p:nvPr>
+        </p:nvSpPr>
+        <p:spPr/>
+        <p:txBody>
+          <a:bodyPr/>
+          <a:lstStyle/>
+          <a:p>
+            <a:r>
+              <a:rPr lang="en-GB" dirty="0"/>
+              <a:t>Technicalities</a:t>
+            </a:r>
+          </a:p>
+        </p:txBody>
+      </p:sp>
+      <p:sp>
+        <p:nvSpPr>
+          <p:cNvPr id="3" name="Slide Number Placeholder 2">
+            <a:extLst>
+              <a:ext uri="{FF2B5EF4-FFF2-40B4-BE49-F238E27FC236}">
+                <a16:creationId xmlns:a16="http://schemas.microsoft.com/office/drawing/2014/main" id="{52D2255E-6DB6-4263-BC2C-39C04C73900F}"/>
+              </a:ext>
+            </a:extLst>
+          </p:cNvPr>
+          <p:cNvSpPr>
+            <a:spLocks noGrp="1"/>
+          </p:cNvSpPr>
+          <p:nvPr>
+            <p:ph type="sldNum" sz="quarter" idx="12"/>
+          </p:nvPr>
+        </p:nvSpPr>
+        <p:spPr/>
+        <p:txBody>
+          <a:bodyPr/>
+          <a:lstStyle/>
+          <a:p>
+            <a:fld id="{89C4E583-6443-4199-AF95-A2ECCC288D48}" type="slidenum">
+              <a:rPr lang="en-GB" smtClean="0"/>
+              <a:t>23</a:t>
+            </a:fld>
+            <a:endParaRPr lang="en-GB"/>
+          </a:p>
+        </p:txBody>
+      </p:sp>
+    </p:spTree>
+    <p:extLst>
+      <p:ext uri="{BB962C8B-B14F-4D97-AF65-F5344CB8AC3E}">
+        <p14:creationId xmlns:p14="http://schemas.microsoft.com/office/powerpoint/2010/main" val="2597171062"/>
+      </p:ext>
+    </p:extLst>
+  </p:cSld>
+  <p:clrMapOvr>
+    <a:masterClrMapping/>
+  </p:clrMapOvr>
+</p:sld>
+</file>
+
+<file path=ppt/slides/slide24.xml><?xml version="1.0" encoding="utf-8"?>
+<p:sld xmlns:a="http://schemas.openxmlformats.org/drawingml/2006/main" xmlns:r="http://schemas.openxmlformats.org/officeDocument/2006/relationships" xmlns:p="http://schemas.openxmlformats.org/presentationml/2006/main">
+  <p:cSld>
+    <p:spTree>
+      <p:nvGrpSpPr>
+        <p:cNvPr id="1" name=""/>
+        <p:cNvGrpSpPr/>
+        <p:nvPr/>
+      </p:nvGrpSpPr>
+      <p:grpSpPr>
+        <a:xfrm>
+          <a:off x="0" y="0"/>
+          <a:ext cx="0" cy="0"/>
+          <a:chOff x="0" y="0"/>
+          <a:chExt cx="0" cy="0"/>
+        </a:xfrm>
+      </p:grpSpPr>
+      <p:sp>
+        <p:nvSpPr>
+          <p:cNvPr id="2" name="Title 1">
+            <a:extLst>
+              <a:ext uri="{FF2B5EF4-FFF2-40B4-BE49-F238E27FC236}">
+                <a16:creationId xmlns:a16="http://schemas.microsoft.com/office/drawing/2014/main" id="{E943632A-A432-4EA7-9009-555B4357CC32}"/>
+              </a:ext>
+            </a:extLst>
+          </p:cNvPr>
+          <p:cNvSpPr>
+            <a:spLocks noGrp="1"/>
+          </p:cNvSpPr>
+          <p:nvPr>
+            <p:ph type="title"/>
+          </p:nvPr>
+        </p:nvSpPr>
+        <p:spPr/>
+        <p:txBody>
+          <a:bodyPr/>
+          <a:lstStyle/>
+          <a:p>
+            <a:r>
+              <a:rPr lang="en-GB" dirty="0"/>
+              <a:t>See you next week!</a:t>
+            </a:r>
+          </a:p>
+        </p:txBody>
+      </p:sp>
+      <p:sp>
+        <p:nvSpPr>
+          <p:cNvPr id="3" name="Slide Number Placeholder 2">
+            <a:extLst>
+              <a:ext uri="{FF2B5EF4-FFF2-40B4-BE49-F238E27FC236}">
+                <a16:creationId xmlns:a16="http://schemas.microsoft.com/office/drawing/2014/main" id="{442A87F7-D5D0-405E-82D0-AC665C1598D9}"/>
+              </a:ext>
+            </a:extLst>
+          </p:cNvPr>
+          <p:cNvSpPr>
+            <a:spLocks noGrp="1"/>
+          </p:cNvSpPr>
+          <p:nvPr>
+            <p:ph type="sldNum" sz="quarter" idx="12"/>
+          </p:nvPr>
+        </p:nvSpPr>
+        <p:spPr/>
+        <p:txBody>
+          <a:bodyPr/>
+          <a:lstStyle/>
+          <a:p>
+            <a:fld id="{89C4E583-6443-4199-AF95-A2ECCC288D48}" type="slidenum">
+              <a:rPr lang="en-GB" smtClean="0"/>
+              <a:t>24</a:t>
+            </a:fld>
+            <a:endParaRPr lang="en-GB"/>
+          </a:p>
+        </p:txBody>
+      </p:sp>
+    </p:spTree>
+    <p:extLst>
+      <p:ext uri="{BB962C8B-B14F-4D97-AF65-F5344CB8AC3E}">
+        <p14:creationId xmlns:p14="http://schemas.microsoft.com/office/powerpoint/2010/main" val="2095240665"/>
       </p:ext>
     </p:extLst>
   </p:cSld>
@@ -12223,7 +16138,10 @@
           <a:bodyPr/>
           <a:lstStyle/>
           <a:p>
-            <a:endParaRPr lang="en-GB"/>
+            <a:r>
+              <a:rPr lang="en-GB" dirty="0"/>
+              <a:t>Task 3: initialise an empty list, then use append to add all strings</a:t>
+            </a:r>
           </a:p>
         </p:txBody>
       </p:sp>
@@ -12291,7 +16209,7 @@
           <p:cNvPr id="2" name="Title 1">
             <a:extLst>
               <a:ext uri="{FF2B5EF4-FFF2-40B4-BE49-F238E27FC236}">
-                <a16:creationId xmlns:a16="http://schemas.microsoft.com/office/drawing/2014/main" id="{024F7CFC-85B1-417B-BF3F-56E6A85EE150}"/>
+                <a16:creationId xmlns:a16="http://schemas.microsoft.com/office/drawing/2014/main" id="{0EBB37E3-066C-49B7-9C00-93EE12988083}"/>
               </a:ext>
             </a:extLst>
           </p:cNvPr>
@@ -12309,7 +16227,7 @@
           <a:p>
             <a:r>
               <a:rPr lang="en-GB" dirty="0"/>
-              <a:t>Preamble: FSA</a:t>
+              <a:t>Regular Expressions</a:t>
             </a:r>
           </a:p>
         </p:txBody>
@@ -12319,7 +16237,7 @@
           <p:cNvPr id="3" name="Slide Number Placeholder 2">
             <a:extLst>
               <a:ext uri="{FF2B5EF4-FFF2-40B4-BE49-F238E27FC236}">
-                <a16:creationId xmlns:a16="http://schemas.microsoft.com/office/drawing/2014/main" id="{04810DBE-535D-4893-9078-4579DAEB1EBE}"/>
+                <a16:creationId xmlns:a16="http://schemas.microsoft.com/office/drawing/2014/main" id="{D70613C8-9E57-4D69-8122-6FCF3BC4B1A0}"/>
               </a:ext>
             </a:extLst>
           </p:cNvPr>
@@ -12346,7 +16264,7 @@
     </p:spTree>
     <p:extLst>
       <p:ext uri="{BB962C8B-B14F-4D97-AF65-F5344CB8AC3E}">
-        <p14:creationId xmlns:p14="http://schemas.microsoft.com/office/powerpoint/2010/main" val="3090368631"/>
+        <p14:creationId xmlns:p14="http://schemas.microsoft.com/office/powerpoint/2010/main" val="991175545"/>
       </p:ext>
     </p:extLst>
   </p:cSld>
@@ -12375,10 +16293,10 @@
       </p:grpSpPr>
       <p:sp>
         <p:nvSpPr>
-          <p:cNvPr id="4" name="Title 3">
+          <p:cNvPr id="6" name="Title 5">
             <a:extLst>
               <a:ext uri="{FF2B5EF4-FFF2-40B4-BE49-F238E27FC236}">
-                <a16:creationId xmlns:a16="http://schemas.microsoft.com/office/drawing/2014/main" id="{ACDDD1FC-80E9-4182-ADEA-22B61DA5B8E9}"/>
+                <a16:creationId xmlns:a16="http://schemas.microsoft.com/office/drawing/2014/main" id="{AE5CE10F-A312-4F5C-95A8-18706607B13C}"/>
               </a:ext>
             </a:extLst>
           </p:cNvPr>
@@ -12396,17 +16314,22 @@
           <a:p>
             <a:r>
               <a:rPr lang="en-GB" dirty="0"/>
-              <a:t>Finite State Machines: FSA</a:t>
-            </a:r>
+              <a:t>Regular Expressions: </a:t>
+            </a:r>
+            <a:r>
+              <a:rPr lang="en-GB" dirty="0" err="1"/>
+              <a:t>RegEx</a:t>
+            </a:r>
+            <a:endParaRPr lang="en-GB" dirty="0"/>
           </a:p>
         </p:txBody>
       </p:sp>
       <p:sp>
         <p:nvSpPr>
-          <p:cNvPr id="5" name="Content Placeholder 4">
+          <p:cNvPr id="7" name="Content Placeholder 6">
             <a:extLst>
               <a:ext uri="{FF2B5EF4-FFF2-40B4-BE49-F238E27FC236}">
-                <a16:creationId xmlns:a16="http://schemas.microsoft.com/office/drawing/2014/main" id="{F1254B76-88C8-46F5-93B7-2884AC59D8E7}"/>
+                <a16:creationId xmlns:a16="http://schemas.microsoft.com/office/drawing/2014/main" id="{132C25EB-D3F6-4D36-B2A4-B6219F0B5256}"/>
               </a:ext>
             </a:extLst>
           </p:cNvPr>
@@ -12419,36 +16342,113 @@
         </p:nvSpPr>
         <p:spPr/>
         <p:txBody>
-          <a:bodyPr/>
+          <a:bodyPr>
+            <a:normAutofit fontScale="92500" lnSpcReduction="20000"/>
+          </a:bodyPr>
           <a:lstStyle/>
           <a:p>
             <a:r>
               <a:rPr lang="en-GB" dirty="0"/>
-              <a:t>This might sound familiar from other courses (e.g. Computational Linguistics)</a:t>
-            </a:r>
-          </a:p>
-          <a:p>
-            <a:r>
-              <a:rPr lang="en-GB" b="1" dirty="0"/>
-              <a:t>Finite State Machines</a:t>
+              <a:t>Regular Expressions (short: </a:t>
+            </a:r>
+            <a:r>
+              <a:rPr lang="en-GB" dirty="0" err="1"/>
+              <a:t>RegEx</a:t>
             </a:r>
             <a:r>
               <a:rPr lang="en-GB" dirty="0"/>
-              <a:t> are </a:t>
-            </a:r>
-            <a:r>
-              <a:rPr lang="en-GB"/>
-              <a:t>a concept </a:t>
-            </a:r>
+              <a:t>) are a way to describe a pattern</a:t>
+            </a:r>
+          </a:p>
+          <a:p>
             <a:r>
               <a:rPr lang="en-GB" dirty="0"/>
-              <a:t>to understand and build </a:t>
-            </a:r>
-            <a:r>
-              <a:rPr lang="en-GB"/>
-              <a:t>many systems</a:t>
-            </a:r>
-            <a:endParaRPr lang="en-GB" b="1" dirty="0"/>
+              <a:t>Formal description of possibly infinite combinations</a:t>
+            </a:r>
+          </a:p>
+          <a:p>
+            <a:r>
+              <a:rPr lang="en-GB" dirty="0" err="1"/>
+              <a:t>RegEx</a:t>
+            </a:r>
+            <a:r>
+              <a:rPr lang="en-GB" dirty="0"/>
+              <a:t> are a form of grammar to describe regular languages</a:t>
+            </a:r>
+          </a:p>
+          <a:p>
+            <a:pPr lvl="1"/>
+            <a:r>
+              <a:rPr lang="en-GB" dirty="0"/>
+              <a:t>Look up ‘Chomsky Hierarchy’ if you want to learn more</a:t>
+            </a:r>
+          </a:p>
+          <a:p>
+            <a:r>
+              <a:rPr lang="en-GB" dirty="0" err="1"/>
+              <a:t>RegEx</a:t>
+            </a:r>
+            <a:r>
+              <a:rPr lang="en-GB" dirty="0"/>
+              <a:t> is useful for many things</a:t>
+            </a:r>
+          </a:p>
+          <a:p>
+            <a:pPr lvl="1"/>
+            <a:r>
+              <a:rPr lang="en-GB" dirty="0"/>
+              <a:t>Text replacement</a:t>
+            </a:r>
+          </a:p>
+          <a:p>
+            <a:pPr lvl="1"/>
+            <a:r>
+              <a:rPr lang="en-GB" dirty="0"/>
+              <a:t>Filtering</a:t>
+            </a:r>
+          </a:p>
+          <a:p>
+            <a:pPr lvl="1"/>
+            <a:r>
+              <a:rPr lang="en-GB" dirty="0"/>
+              <a:t>Extracting data</a:t>
+            </a:r>
+          </a:p>
+          <a:p>
+            <a:pPr lvl="1"/>
+            <a:r>
+              <a:rPr lang="en-GB" dirty="0"/>
+              <a:t>…</a:t>
+            </a:r>
+          </a:p>
+          <a:p>
+            <a:r>
+              <a:rPr lang="en-GB" dirty="0"/>
+              <a:t>Interesting websites</a:t>
+            </a:r>
+          </a:p>
+          <a:p>
+            <a:pPr lvl="1"/>
+            <a:r>
+              <a:rPr lang="en-GB" dirty="0">
+                <a:hlinkClick r:id="rId2"/>
+              </a:rPr>
+              <a:t>https://regex101.com/</a:t>
+            </a:r>
+            <a:r>
+              <a:rPr lang="en-GB" dirty="0"/>
+              <a:t> </a:t>
+            </a:r>
+          </a:p>
+          <a:p>
+            <a:pPr lvl="1"/>
+            <a:r>
+              <a:rPr lang="en-GB" dirty="0">
+                <a:hlinkClick r:id="rId3"/>
+              </a:rPr>
+              <a:t>https://visca.com/regexdict/</a:t>
+            </a:r>
+            <a:endParaRPr lang="en-GB" dirty="0"/>
           </a:p>
         </p:txBody>
       </p:sp>
@@ -12457,7 +16457,7 @@
           <p:cNvPr id="3" name="Slide Number Placeholder 2">
             <a:extLst>
               <a:ext uri="{FF2B5EF4-FFF2-40B4-BE49-F238E27FC236}">
-                <a16:creationId xmlns:a16="http://schemas.microsoft.com/office/drawing/2014/main" id="{A43330B6-3A49-4995-9C17-D061239CC38F}"/>
+                <a16:creationId xmlns:a16="http://schemas.microsoft.com/office/drawing/2014/main" id="{771D3F13-35D2-4E97-A155-5E05FC4CB63E}"/>
               </a:ext>
             </a:extLst>
           </p:cNvPr>
@@ -12484,7 +16484,7 @@
     </p:spTree>
     <p:extLst>
       <p:ext uri="{BB962C8B-B14F-4D97-AF65-F5344CB8AC3E}">
-        <p14:creationId xmlns:p14="http://schemas.microsoft.com/office/powerpoint/2010/main" val="2076429919"/>
+        <p14:creationId xmlns:p14="http://schemas.microsoft.com/office/powerpoint/2010/main" val="3805029269"/>
       </p:ext>
     </p:extLst>
   </p:cSld>
@@ -12516,7 +16516,7 @@
           <p:cNvPr id="2" name="Title 1">
             <a:extLst>
               <a:ext uri="{FF2B5EF4-FFF2-40B4-BE49-F238E27FC236}">
-                <a16:creationId xmlns:a16="http://schemas.microsoft.com/office/drawing/2014/main" id="{79D87D88-FD60-4F0A-BAEA-5B0E9483A5B8}"/>
+                <a16:creationId xmlns:a16="http://schemas.microsoft.com/office/drawing/2014/main" id="{5D1241B1-21CB-44B4-B7FB-88179411EDA8}"/>
               </a:ext>
             </a:extLst>
           </p:cNvPr>
@@ -12533,18 +16533,97 @@
           <a:lstStyle/>
           <a:p>
             <a:r>
+              <a:rPr lang="en-GB" dirty="0" err="1"/>
+              <a:t>RegEx</a:t>
+            </a:r>
+            <a:r>
               <a:rPr lang="en-GB" dirty="0"/>
-              <a:t>What even are Strings?</a:t>
+              <a:t> &amp; Python</a:t>
             </a:r>
           </a:p>
         </p:txBody>
       </p:sp>
       <p:sp>
         <p:nvSpPr>
-          <p:cNvPr id="3" name="Slide Number Placeholder 2">
+          <p:cNvPr id="3" name="Content Placeholder 2">
             <a:extLst>
               <a:ext uri="{FF2B5EF4-FFF2-40B4-BE49-F238E27FC236}">
-                <a16:creationId xmlns:a16="http://schemas.microsoft.com/office/drawing/2014/main" id="{4EC17D5D-4D35-4586-B191-88DB51D18705}"/>
+                <a16:creationId xmlns:a16="http://schemas.microsoft.com/office/drawing/2014/main" id="{06729BC0-92CC-4470-AF1B-EC394F41DD5A}"/>
+              </a:ext>
+            </a:extLst>
+          </p:cNvPr>
+          <p:cNvSpPr>
+            <a:spLocks noGrp="1"/>
+          </p:cNvSpPr>
+          <p:nvPr>
+            <p:ph idx="1"/>
+          </p:nvPr>
+        </p:nvSpPr>
+        <p:spPr/>
+        <p:txBody>
+          <a:bodyPr/>
+          <a:lstStyle/>
+          <a:p>
+            <a:r>
+              <a:rPr lang="en-GB" dirty="0" err="1"/>
+              <a:t>RegEx</a:t>
+            </a:r>
+            <a:r>
+              <a:rPr lang="en-GB" dirty="0"/>
+              <a:t> consist of “normal” characters of the target language…</a:t>
+            </a:r>
+          </a:p>
+          <a:p>
+            <a:pPr lvl="1"/>
+            <a:r>
+              <a:rPr lang="en-GB" dirty="0"/>
+              <a:t>In our case mostly (a subset of) German &amp; English or some more abstract language</a:t>
+            </a:r>
+          </a:p>
+          <a:p>
+            <a:r>
+              <a:rPr lang="en-GB" dirty="0"/>
+              <a:t>… and some more meta-characters</a:t>
+            </a:r>
+          </a:p>
+          <a:p>
+            <a:pPr lvl="1"/>
+            <a:r>
+              <a:rPr lang="en-GB" dirty="0"/>
+              <a:t>Some characters that have a special meaning in the context of regex</a:t>
+            </a:r>
+          </a:p>
+          <a:p>
+            <a:r>
+              <a:rPr lang="en-GB" dirty="0"/>
+              <a:t>Python offers the </a:t>
+            </a:r>
+            <a:r>
+              <a:rPr lang="en-GB" sz="2000" dirty="0">
+                <a:latin typeface="Consolas" panose="020B0609020204030204" pitchFamily="49" charset="0"/>
+              </a:rPr>
+              <a:t>re</a:t>
+            </a:r>
+            <a:r>
+              <a:rPr lang="en-GB" sz="2000" dirty="0"/>
+              <a:t> package, which handles regular expressions</a:t>
+            </a:r>
+          </a:p>
+          <a:p>
+            <a:r>
+              <a:rPr lang="en-GB" sz="2800" b="1" u="sng" dirty="0"/>
+              <a:t>CODE EXAMPLE</a:t>
+            </a:r>
+            <a:endParaRPr lang="en-GB" sz="3200" b="1" u="sng" dirty="0"/>
+          </a:p>
+        </p:txBody>
+      </p:sp>
+      <p:sp>
+        <p:nvSpPr>
+          <p:cNvPr id="4" name="Slide Number Placeholder 3">
+            <a:extLst>
+              <a:ext uri="{FF2B5EF4-FFF2-40B4-BE49-F238E27FC236}">
+                <a16:creationId xmlns:a16="http://schemas.microsoft.com/office/drawing/2014/main" id="{BBE48383-945A-4BA2-8468-CE057D294AAE}"/>
               </a:ext>
             </a:extLst>
           </p:cNvPr>
@@ -12571,7 +16650,7 @@
     </p:spTree>
     <p:extLst>
       <p:ext uri="{BB962C8B-B14F-4D97-AF65-F5344CB8AC3E}">
-        <p14:creationId xmlns:p14="http://schemas.microsoft.com/office/powerpoint/2010/main" val="2830970237"/>
+        <p14:creationId xmlns:p14="http://schemas.microsoft.com/office/powerpoint/2010/main" val="1607545812"/>
       </p:ext>
     </p:extLst>
   </p:cSld>
@@ -12603,7 +16682,7 @@
           <p:cNvPr id="2" name="Title 1">
             <a:extLst>
               <a:ext uri="{FF2B5EF4-FFF2-40B4-BE49-F238E27FC236}">
-                <a16:creationId xmlns:a16="http://schemas.microsoft.com/office/drawing/2014/main" id="{0EBB37E3-066C-49B7-9C00-93EE12988083}"/>
+                <a16:creationId xmlns:a16="http://schemas.microsoft.com/office/drawing/2014/main" id="{00F72226-E823-4578-A2E4-908D0E672C0C}"/>
               </a:ext>
             </a:extLst>
           </p:cNvPr>
@@ -12620,18 +16699,217 @@
           <a:lstStyle/>
           <a:p>
             <a:r>
+              <a:rPr lang="en-GB" dirty="0" err="1"/>
+              <a:t>RegEx</a:t>
+            </a:r>
+            <a:r>
               <a:rPr lang="en-GB" dirty="0"/>
-              <a:t>Regular Expressions</a:t>
+              <a:t>: The Base</a:t>
             </a:r>
           </a:p>
         </p:txBody>
       </p:sp>
       <p:sp>
         <p:nvSpPr>
-          <p:cNvPr id="3" name="Slide Number Placeholder 2">
+          <p:cNvPr id="3" name="Content Placeholder 2">
             <a:extLst>
               <a:ext uri="{FF2B5EF4-FFF2-40B4-BE49-F238E27FC236}">
-                <a16:creationId xmlns:a16="http://schemas.microsoft.com/office/drawing/2014/main" id="{D70613C8-9E57-4D69-8122-6FCF3BC4B1A0}"/>
+                <a16:creationId xmlns:a16="http://schemas.microsoft.com/office/drawing/2014/main" id="{D70E81BA-8B3C-4C40-89BD-F14A02E13B42}"/>
+              </a:ext>
+            </a:extLst>
+          </p:cNvPr>
+          <p:cNvSpPr>
+            <a:spLocks noGrp="1"/>
+          </p:cNvSpPr>
+          <p:nvPr>
+            <p:ph idx="1"/>
+          </p:nvPr>
+        </p:nvSpPr>
+        <p:spPr/>
+        <p:txBody>
+          <a:bodyPr>
+            <a:normAutofit fontScale="92500" lnSpcReduction="20000"/>
+          </a:bodyPr>
+          <a:lstStyle/>
+          <a:p>
+            <a:r>
+              <a:rPr lang="en-GB" dirty="0"/>
+              <a:t>Ex1 and Ex2 are regular expressions</a:t>
+            </a:r>
+          </a:p>
+          <a:p>
+            <a:r>
+              <a:rPr lang="en-GB" b="1" dirty="0"/>
+              <a:t>()</a:t>
+            </a:r>
+            <a:r>
+              <a:rPr lang="en-GB" dirty="0"/>
+              <a:t> : Parentheses can be used to group regex to form a single unit</a:t>
+            </a:r>
+          </a:p>
+          <a:p>
+            <a:pPr lvl="1"/>
+            <a:r>
+              <a:rPr lang="en-GB" dirty="0"/>
+              <a:t>(ab), (a(1234)b) -&gt; a(1234)b, 2(</a:t>
+            </a:r>
+            <a:r>
+              <a:rPr lang="en-GB" dirty="0" err="1"/>
+              <a:t>cf</a:t>
+            </a:r>
+            <a:r>
+              <a:rPr lang="en-GB" dirty="0"/>
+              <a:t>)d</a:t>
+            </a:r>
+          </a:p>
+          <a:p>
+            <a:pPr lvl="1"/>
+            <a:r>
+              <a:rPr lang="en-GB" dirty="0"/>
+              <a:t>Parentheses around the whole regex statement can be omitted</a:t>
+            </a:r>
+          </a:p>
+          <a:p>
+            <a:r>
+              <a:rPr lang="en-GB" b="1" dirty="0"/>
+              <a:t>Ex1*</a:t>
+            </a:r>
+            <a:r>
+              <a:rPr lang="en-GB" dirty="0"/>
+              <a:t> : The </a:t>
+            </a:r>
+            <a:r>
+              <a:rPr lang="en-GB" i="1" dirty="0"/>
+              <a:t>Kleene Star</a:t>
+            </a:r>
+            <a:r>
+              <a:rPr lang="en-GB" dirty="0"/>
+              <a:t> marks a expression as being repeated </a:t>
+            </a:r>
+            <a:r>
+              <a:rPr lang="en-GB" i="1" dirty="0"/>
+              <a:t>0</a:t>
+            </a:r>
+            <a:r>
+              <a:rPr lang="en-GB" dirty="0"/>
+              <a:t> </a:t>
+            </a:r>
+            <a:r>
+              <a:rPr lang="en-GB" i="1" dirty="0"/>
+              <a:t>or more</a:t>
+            </a:r>
+            <a:r>
+              <a:rPr lang="en-GB" dirty="0"/>
+              <a:t> times</a:t>
+            </a:r>
+          </a:p>
+          <a:p>
+            <a:pPr lvl="1"/>
+            <a:r>
+              <a:rPr lang="en-GB" dirty="0" err="1"/>
+              <a:t>ba</a:t>
+            </a:r>
+            <a:r>
+              <a:rPr lang="en-GB" dirty="0"/>
+              <a:t>* -&gt; b, </a:t>
+            </a:r>
+            <a:r>
+              <a:rPr lang="en-GB" dirty="0" err="1"/>
+              <a:t>ba</a:t>
+            </a:r>
+            <a:r>
+              <a:rPr lang="en-GB" dirty="0"/>
+              <a:t>, baa, </a:t>
+            </a:r>
+            <a:r>
+              <a:rPr lang="en-GB" dirty="0" err="1"/>
+              <a:t>baaa</a:t>
+            </a:r>
+            <a:r>
+              <a:rPr lang="en-GB" dirty="0"/>
+              <a:t>, </a:t>
+            </a:r>
+            <a:r>
+              <a:rPr lang="en-GB" dirty="0" err="1"/>
+              <a:t>baaaa</a:t>
+            </a:r>
+            <a:r>
+              <a:rPr lang="en-GB" dirty="0"/>
+              <a:t>, …</a:t>
+            </a:r>
+          </a:p>
+          <a:p>
+            <a:r>
+              <a:rPr lang="en-GB" b="1" dirty="0"/>
+              <a:t>Ex1Ex2</a:t>
+            </a:r>
+            <a:r>
+              <a:rPr lang="en-GB" dirty="0"/>
+              <a:t> : Chaining. You can just put two regular expressions together</a:t>
+            </a:r>
+          </a:p>
+          <a:p>
+            <a:pPr lvl="1"/>
+            <a:r>
+              <a:rPr lang="en-GB" dirty="0"/>
+              <a:t>ab, </a:t>
+            </a:r>
+            <a:r>
+              <a:rPr lang="en-GB" dirty="0" err="1"/>
+              <a:t>abcd</a:t>
+            </a:r>
+            <a:r>
+              <a:rPr lang="en-GB" dirty="0"/>
+              <a:t>, 12ab, … </a:t>
+            </a:r>
+          </a:p>
+          <a:p>
+            <a:r>
+              <a:rPr lang="en-GB" b="1" dirty="0"/>
+              <a:t>Ex1|Ex2</a:t>
+            </a:r>
+            <a:r>
+              <a:rPr lang="en-GB" dirty="0"/>
+              <a:t> : the pipe symbol (not a capital I) works as a </a:t>
+            </a:r>
+            <a:r>
+              <a:rPr lang="en-GB" i="1" dirty="0"/>
+              <a:t>disjunction</a:t>
+            </a:r>
+            <a:r>
+              <a:rPr lang="en-GB" dirty="0"/>
+              <a:t>, an either or</a:t>
+            </a:r>
+          </a:p>
+          <a:p>
+            <a:pPr lvl="1"/>
+            <a:r>
+              <a:rPr lang="en-GB" dirty="0"/>
+              <a:t>(</a:t>
+            </a:r>
+            <a:r>
+              <a:rPr lang="en-GB" dirty="0" err="1"/>
+              <a:t>a|b|ab</a:t>
+            </a:r>
+            <a:r>
+              <a:rPr lang="en-GB" dirty="0"/>
+              <a:t>)cd -&gt; a, b, cd</a:t>
+            </a:r>
+          </a:p>
+          <a:p>
+            <a:r>
+              <a:rPr lang="en-GB" dirty="0"/>
+              <a:t>Order is similar to logic: Parentheses &gt; * “function” &gt; Ex1Ex2 “and”  &gt; Ex1|Ex2 “or”</a:t>
+            </a:r>
+          </a:p>
+        </p:txBody>
+      </p:sp>
+      <p:sp>
+        <p:nvSpPr>
+          <p:cNvPr id="4" name="Slide Number Placeholder 3">
+            <a:extLst>
+              <a:ext uri="{FF2B5EF4-FFF2-40B4-BE49-F238E27FC236}">
+                <a16:creationId xmlns:a16="http://schemas.microsoft.com/office/drawing/2014/main" id="{BBA193A4-7928-44DC-AA20-6DB7864C5998}"/>
               </a:ext>
             </a:extLst>
           </p:cNvPr>
@@ -12658,7 +16936,7 @@
     </p:spTree>
     <p:extLst>
       <p:ext uri="{BB962C8B-B14F-4D97-AF65-F5344CB8AC3E}">
-        <p14:creationId xmlns:p14="http://schemas.microsoft.com/office/powerpoint/2010/main" val="991175545"/>
+        <p14:creationId xmlns:p14="http://schemas.microsoft.com/office/powerpoint/2010/main" val="2257776744"/>
       </p:ext>
     </p:extLst>
   </p:cSld>
@@ -12690,7 +16968,7 @@
           <p:cNvPr id="2" name="Title 1">
             <a:extLst>
               <a:ext uri="{FF2B5EF4-FFF2-40B4-BE49-F238E27FC236}">
-                <a16:creationId xmlns:a16="http://schemas.microsoft.com/office/drawing/2014/main" id="{AE4BCE82-938F-445A-A343-E99CBA9E253A}"/>
+                <a16:creationId xmlns:a16="http://schemas.microsoft.com/office/drawing/2014/main" id="{6252418E-88C4-42B6-99AF-F3624CE83C2B}"/>
               </a:ext>
             </a:extLst>
           </p:cNvPr>
@@ -12707,18 +16985,146 @@
           <a:lstStyle/>
           <a:p>
             <a:r>
+              <a:rPr lang="en-GB" dirty="0" err="1"/>
+              <a:t>RegEx</a:t>
+            </a:r>
+            <a:r>
               <a:rPr lang="en-GB" dirty="0"/>
-              <a:t>Homework</a:t>
+              <a:t>: Even more</a:t>
             </a:r>
           </a:p>
         </p:txBody>
       </p:sp>
       <p:sp>
         <p:nvSpPr>
-          <p:cNvPr id="3" name="Slide Number Placeholder 2">
+          <p:cNvPr id="3" name="Content Placeholder 2">
             <a:extLst>
               <a:ext uri="{FF2B5EF4-FFF2-40B4-BE49-F238E27FC236}">
-                <a16:creationId xmlns:a16="http://schemas.microsoft.com/office/drawing/2014/main" id="{9DA594C0-9E84-43C2-900D-8DF36B2CF6A2}"/>
+                <a16:creationId xmlns:a16="http://schemas.microsoft.com/office/drawing/2014/main" id="{BB20FB54-53BE-440E-9157-24EAE6D1B547}"/>
+              </a:ext>
+            </a:extLst>
+          </p:cNvPr>
+          <p:cNvSpPr>
+            <a:spLocks noGrp="1"/>
+          </p:cNvSpPr>
+          <p:nvPr>
+            <p:ph idx="1"/>
+          </p:nvPr>
+        </p:nvSpPr>
+        <p:spPr/>
+        <p:txBody>
+          <a:bodyPr/>
+          <a:lstStyle/>
+          <a:p>
+            <a:r>
+              <a:rPr lang="en-GB" b="1" dirty="0"/>
+              <a:t>+</a:t>
+            </a:r>
+            <a:r>
+              <a:rPr lang="en-GB" dirty="0"/>
+              <a:t> : The </a:t>
+            </a:r>
+            <a:r>
+              <a:rPr lang="en-GB" i="1" dirty="0"/>
+              <a:t>Kleene Plus</a:t>
+            </a:r>
+            <a:r>
+              <a:rPr lang="en-GB" dirty="0"/>
+              <a:t> simplifies (Ex1(Ex1)*) to Ex1+</a:t>
+            </a:r>
+          </a:p>
+          <a:p>
+            <a:r>
+              <a:rPr lang="en-GB" b="1" dirty="0"/>
+              <a:t>?</a:t>
+            </a:r>
+            <a:r>
+              <a:rPr lang="en-GB" dirty="0"/>
+              <a:t> : Marks the preceding regex as optional: (Ex1 | ) -&gt; (Ex1)?</a:t>
+            </a:r>
+          </a:p>
+          <a:p>
+            <a:r>
+              <a:rPr lang="en-GB" b="1" dirty="0"/>
+              <a:t>[…]</a:t>
+            </a:r>
+            <a:r>
+              <a:rPr lang="en-GB" dirty="0"/>
+              <a:t> : A disjunction for all single characters inside the brackets</a:t>
+            </a:r>
+          </a:p>
+          <a:p>
+            <a:pPr lvl="1"/>
+            <a:r>
+              <a:rPr lang="en-GB" dirty="0"/>
+              <a:t>[Tt]urn -&gt; Turn, turn</a:t>
+            </a:r>
+          </a:p>
+          <a:p>
+            <a:pPr lvl="1"/>
+            <a:r>
+              <a:rPr lang="en-GB" dirty="0"/>
+              <a:t>[a-z] -&gt; </a:t>
+            </a:r>
+            <a:r>
+              <a:rPr lang="en-GB" dirty="0" err="1"/>
+              <a:t>a,b,c,d,e,f,g</a:t>
+            </a:r>
+            <a:r>
+              <a:rPr lang="en-GB" dirty="0"/>
+              <a:t>,… (any lower case letter)</a:t>
+            </a:r>
+          </a:p>
+          <a:p>
+            <a:pPr lvl="1"/>
+            <a:r>
+              <a:rPr lang="en-GB" dirty="0"/>
+              <a:t>[A-Z0-9] -&gt; A, B, C, D, …, 0, 1, 2, 3, … (any uppercase letter or single digit)</a:t>
+            </a:r>
+          </a:p>
+          <a:p>
+            <a:pPr lvl="1"/>
+            <a:r>
+              <a:rPr lang="en-GB" dirty="0"/>
+              <a:t>[0-9]* -&gt; 0, 12, 1241, 12, 346, … (any integer)</a:t>
+            </a:r>
+          </a:p>
+          <a:p>
+            <a:r>
+              <a:rPr lang="en-GB" b="1" dirty="0"/>
+              <a:t>.</a:t>
+            </a:r>
+            <a:r>
+              <a:rPr lang="en-GB" dirty="0"/>
+              <a:t> : The dot matches any character beside the “new-line” one</a:t>
+            </a:r>
+          </a:p>
+          <a:p>
+            <a:pPr lvl="1"/>
+            <a:r>
+              <a:rPr lang="en-GB" dirty="0"/>
+              <a:t>a.*a -&gt; </a:t>
+            </a:r>
+            <a:r>
+              <a:rPr lang="en-GB" dirty="0" err="1"/>
+              <a:t>abba</a:t>
+            </a:r>
+            <a:r>
+              <a:rPr lang="en-GB" dirty="0"/>
+              <a:t>, aha, aloha, aa, a123bca, a!123za</a:t>
+            </a:r>
+          </a:p>
+          <a:p>
+            <a:endParaRPr lang="en-GB" dirty="0"/>
+          </a:p>
+        </p:txBody>
+      </p:sp>
+      <p:sp>
+        <p:nvSpPr>
+          <p:cNvPr id="4" name="Slide Number Placeholder 3">
+            <a:extLst>
+              <a:ext uri="{FF2B5EF4-FFF2-40B4-BE49-F238E27FC236}">
+                <a16:creationId xmlns:a16="http://schemas.microsoft.com/office/drawing/2014/main" id="{A2E496E4-4F35-4356-87E6-6C8C8B6FFBE6}"/>
               </a:ext>
             </a:extLst>
           </p:cNvPr>
@@ -12745,7 +17151,7 @@
     </p:spTree>
     <p:extLst>
       <p:ext uri="{BB962C8B-B14F-4D97-AF65-F5344CB8AC3E}">
-        <p14:creationId xmlns:p14="http://schemas.microsoft.com/office/powerpoint/2010/main" val="2251684916"/>
+        <p14:creationId xmlns:p14="http://schemas.microsoft.com/office/powerpoint/2010/main" val="1539443582"/>
       </p:ext>
     </p:extLst>
   </p:cSld>
